--- a/SQL Server and JSON.pptx
+++ b/SQL Server and JSON.pptx
@@ -248,7 +248,7 @@
                   <a:schemeClr val="tx2"/>
                 </a:solidFill>
               </a:rPr>
-              <a:t>10/05/2018</a:t>
+              <a:t>11/15/2018</a:t>
             </a:fld>
             <a:endParaRPr>
               <a:solidFill>
@@ -438,7 +438,7 @@
             <a:fld id="{F95CF31C-F757-429C-A789-86504F04C3BE}" type="datetimeFigureOut">
               <a:rPr lang="en-US"/>
               <a:pPr/>
-              <a:t>10/05/2018</a:t>
+              <a:t>11/15/2018</a:t>
             </a:fld>
             <a:endParaRPr/>
           </a:p>
@@ -1038,7 +1038,7 @@
           <a:p>
             <a:fld id="{7AECB6C2-1084-4AED-A74A-DF028B0094EA}" type="datetimeFigureOut">
               <a:rPr lang="en-US"/>
-              <a:t>10/05/2018</a:t>
+              <a:t>11/15/2018</a:t>
             </a:fld>
             <a:endParaRPr/>
           </a:p>
@@ -1230,7 +1230,7 @@
           <a:p>
             <a:fld id="{7AECB6C2-1084-4AED-A74A-DF028B0094EA}" type="datetimeFigureOut">
               <a:rPr lang="en-US"/>
-              <a:t>10/05/2018</a:t>
+              <a:t>11/15/2018</a:t>
             </a:fld>
             <a:endParaRPr/>
           </a:p>
@@ -1428,7 +1428,7 @@
           <a:p>
             <a:fld id="{8B5A30F4-0B4E-4E4B-BC36-C30CD13F4E17}" type="datetimeFigureOut">
               <a:rPr lang="en-US"/>
-              <a:t>10/05/2018</a:t>
+              <a:t>11/15/2018</a:t>
             </a:fld>
             <a:endParaRPr dirty="0"/>
           </a:p>
@@ -1945,7 +1945,7 @@
           <a:p>
             <a:fld id="{2DD204D1-F9BD-4643-8480-6EA41EB484F1}" type="datetimeFigureOut">
               <a:rPr lang="en-US"/>
-              <a:t>10/05/2018</a:t>
+              <a:t>11/15/2018</a:t>
             </a:fld>
             <a:endParaRPr/>
           </a:p>
@@ -2393,7 +2393,7 @@
           <a:p>
             <a:fld id="{2DD204D1-F9BD-4643-8480-6EA41EB484F1}" type="datetimeFigureOut">
               <a:rPr lang="en-US"/>
-              <a:t>10/05/2018</a:t>
+              <a:t>11/15/2018</a:t>
             </a:fld>
             <a:endParaRPr/>
           </a:p>
@@ -2523,7 +2523,7 @@
           <a:p>
             <a:fld id="{2DD204D1-F9BD-4643-8480-6EA41EB484F1}" type="datetimeFigureOut">
               <a:rPr lang="en-US"/>
-              <a:t>10/05/2018</a:t>
+              <a:t>11/15/2018</a:t>
             </a:fld>
             <a:endParaRPr/>
           </a:p>
@@ -2630,7 +2630,7 @@
           <a:p>
             <a:fld id="{2DD204D1-F9BD-4643-8480-6EA41EB484F1}" type="datetimeFigureOut">
               <a:rPr lang="en-US"/>
-              <a:t>10/05/2018</a:t>
+              <a:t>11/15/2018</a:t>
             </a:fld>
             <a:endParaRPr/>
           </a:p>
@@ -2987,7 +2987,7 @@
           <a:p>
             <a:fld id="{126BF754-515F-40B9-8D24-D54D5825B3D0}" type="datetimeFigureOut">
               <a:rPr lang="en-US"/>
-              <a:t>10/05/2018</a:t>
+              <a:t>11/15/2018</a:t>
             </a:fld>
             <a:endParaRPr/>
           </a:p>
@@ -3324,7 +3324,7 @@
           <a:p>
             <a:fld id="{126BF754-515F-40B9-8D24-D54D5825B3D0}" type="datetimeFigureOut">
               <a:rPr lang="en-US"/>
-              <a:t>10/05/2018</a:t>
+              <a:t>11/15/2018</a:t>
             </a:fld>
             <a:endParaRPr/>
           </a:p>
@@ -3619,7 +3619,7 @@
             <a:fld id="{2DD204D1-F9BD-4643-8480-6EA41EB484F1}" type="datetimeFigureOut">
               <a:rPr lang="en-US" smtClean="0"/>
               <a:pPr/>
-              <a:t>10/05/2018</a:t>
+              <a:t>11/15/2018</a:t>
             </a:fld>
             <a:endParaRPr lang="en-US"/>
           </a:p>
@@ -4223,7 +4223,6 @@
               <a:rPr lang="en-US" dirty="0"/>
               <a:t>Get JSON Formatted Data Into SQL Server Tables</a:t>
             </a:r>
-            <a:endParaRPr lang="en-US" dirty="0"/>
           </a:p>
         </p:txBody>
       </p:sp>
@@ -4249,148 +4248,148 @@
           </a:bodyPr>
           <a:lstStyle/>
           <a:p>
-            <a:pPr marL="0" indent="0">
+            <a:pPr marL="426645" lvl="1" indent="0">
               <a:buNone/>
             </a:pPr>
             <a:r>
-              <a:rPr lang="en-US" dirty="0" smtClean="0">
-                <a:latin typeface="Arial" panose="020B0604020202020204" pitchFamily="34" charset="0"/>
+              <a:rPr lang="en-US" sz="1800" dirty="0" smtClean="0">
+                <a:latin typeface="Calibri" panose="020F0502020204030204" pitchFamily="34" charset="0"/>
                 <a:cs typeface="Arial" panose="020B0604020202020204" pitchFamily="34" charset="0"/>
               </a:rPr>
               <a:t>insert </a:t>
             </a:r>
             <a:r>
-              <a:rPr lang="en-US" dirty="0">
-                <a:latin typeface="Arial" panose="020B0604020202020204" pitchFamily="34" charset="0"/>
+              <a:rPr lang="en-US" sz="1800" dirty="0">
+                <a:latin typeface="Calibri" panose="020F0502020204030204" pitchFamily="34" charset="0"/>
                 <a:cs typeface="Arial" panose="020B0604020202020204" pitchFamily="34" charset="0"/>
               </a:rPr>
               <a:t>into </a:t>
             </a:r>
             <a:r>
-              <a:rPr lang="en-US" dirty="0" err="1" smtClean="0">
-                <a:latin typeface="Arial" panose="020B0604020202020204" pitchFamily="34" charset="0"/>
+              <a:rPr lang="en-US" sz="1800" dirty="0" err="1" smtClean="0">
+                <a:latin typeface="Calibri" panose="020F0502020204030204" pitchFamily="34" charset="0"/>
                 <a:cs typeface="Arial" panose="020B0604020202020204" pitchFamily="34" charset="0"/>
               </a:rPr>
               <a:t>dbo.MoviesJSON</a:t>
             </a:r>
             <a:r>
-              <a:rPr lang="en-US" dirty="0" smtClean="0">
-                <a:latin typeface="Arial" panose="020B0604020202020204" pitchFamily="34" charset="0"/>
+              <a:rPr lang="en-US" sz="1800" dirty="0" smtClean="0">
+                <a:latin typeface="Calibri" panose="020F0502020204030204" pitchFamily="34" charset="0"/>
                 <a:cs typeface="Arial" panose="020B0604020202020204" pitchFamily="34" charset="0"/>
               </a:rPr>
               <a:t>(</a:t>
             </a:r>
             <a:r>
-              <a:rPr lang="en-US" dirty="0" err="1" smtClean="0">
-                <a:latin typeface="Arial" panose="020B0604020202020204" pitchFamily="34" charset="0"/>
+              <a:rPr lang="en-US" sz="1800" dirty="0" err="1" smtClean="0">
+                <a:latin typeface="Calibri" panose="020F0502020204030204" pitchFamily="34" charset="0"/>
                 <a:cs typeface="Arial" panose="020B0604020202020204" pitchFamily="34" charset="0"/>
               </a:rPr>
               <a:t>MoviesJSON</a:t>
             </a:r>
             <a:r>
-              <a:rPr lang="en-US" dirty="0" smtClean="0">
-                <a:latin typeface="Arial" panose="020B0604020202020204" pitchFamily="34" charset="0"/>
+              <a:rPr lang="en-US" sz="1800" dirty="0" smtClean="0">
+                <a:latin typeface="Calibri" panose="020F0502020204030204" pitchFamily="34" charset="0"/>
                 <a:cs typeface="Arial" panose="020B0604020202020204" pitchFamily="34" charset="0"/>
               </a:rPr>
               <a:t>)</a:t>
             </a:r>
           </a:p>
           <a:p>
-            <a:pPr marL="0" indent="0">
+            <a:pPr marL="426645" lvl="1" indent="0">
               <a:buNone/>
             </a:pPr>
             <a:r>
-              <a:rPr lang="en-US" dirty="0" smtClean="0">
-                <a:latin typeface="Arial" panose="020B0604020202020204" pitchFamily="34" charset="0"/>
+              <a:rPr lang="en-US" sz="1800" dirty="0" smtClean="0">
+                <a:latin typeface="Calibri" panose="020F0502020204030204" pitchFamily="34" charset="0"/>
                 <a:cs typeface="Arial" panose="020B0604020202020204" pitchFamily="34" charset="0"/>
               </a:rPr>
               <a:t>select </a:t>
             </a:r>
             <a:r>
-              <a:rPr lang="en-US" dirty="0">
-                <a:latin typeface="Arial" panose="020B0604020202020204" pitchFamily="34" charset="0"/>
+              <a:rPr lang="en-US" sz="1800" dirty="0">
+                <a:latin typeface="Calibri" panose="020F0502020204030204" pitchFamily="34" charset="0"/>
                 <a:cs typeface="Arial" panose="020B0604020202020204" pitchFamily="34" charset="0"/>
               </a:rPr>
               <a:t>MoviesData.*</a:t>
             </a:r>
           </a:p>
           <a:p>
-            <a:pPr marL="0" indent="0">
+            <a:pPr marL="426645" lvl="1" indent="0">
               <a:buNone/>
             </a:pPr>
             <a:r>
-              <a:rPr lang="en-US" dirty="0">
-                <a:latin typeface="Arial" panose="020B0604020202020204" pitchFamily="34" charset="0"/>
+              <a:rPr lang="en-US" sz="1800" dirty="0" smtClean="0">
+                <a:latin typeface="Calibri" panose="020F0502020204030204" pitchFamily="34" charset="0"/>
                 <a:cs typeface="Arial" panose="020B0604020202020204" pitchFamily="34" charset="0"/>
               </a:rPr>
-              <a:t>   from </a:t>
-            </a:r>
-            <a:r>
-              <a:rPr lang="en-US" dirty="0" err="1">
-                <a:latin typeface="Arial" panose="020B0604020202020204" pitchFamily="34" charset="0"/>
+              <a:t>from </a:t>
+            </a:r>
+            <a:r>
+              <a:rPr lang="en-US" sz="1800" dirty="0" err="1">
+                <a:latin typeface="Calibri" panose="020F0502020204030204" pitchFamily="34" charset="0"/>
                 <a:cs typeface="Arial" panose="020B0604020202020204" pitchFamily="34" charset="0"/>
               </a:rPr>
               <a:t>openrowset</a:t>
             </a:r>
             <a:r>
-              <a:rPr lang="en-US" dirty="0">
-                <a:latin typeface="Arial" panose="020B0604020202020204" pitchFamily="34" charset="0"/>
+              <a:rPr lang="en-US" sz="1800" dirty="0">
+                <a:latin typeface="Calibri" panose="020F0502020204030204" pitchFamily="34" charset="0"/>
                 <a:cs typeface="Arial" panose="020B0604020202020204" pitchFamily="34" charset="0"/>
               </a:rPr>
               <a:t> (bulk 'C:\Presentations\Boston Code Camp\</a:t>
             </a:r>
             <a:r>
-              <a:rPr lang="en-US" dirty="0" err="1">
-                <a:latin typeface="Arial" panose="020B0604020202020204" pitchFamily="34" charset="0"/>
+              <a:rPr lang="en-US" sz="1800" dirty="0" err="1">
+                <a:latin typeface="Calibri" panose="020F0502020204030204" pitchFamily="34" charset="0"/>
                 <a:cs typeface="Arial" panose="020B0604020202020204" pitchFamily="34" charset="0"/>
               </a:rPr>
               <a:t>wikipedia</a:t>
             </a:r>
             <a:r>
-              <a:rPr lang="en-US" dirty="0">
-                <a:latin typeface="Arial" panose="020B0604020202020204" pitchFamily="34" charset="0"/>
+              <a:rPr lang="en-US" sz="1800" dirty="0">
+                <a:latin typeface="Calibri" panose="020F0502020204030204" pitchFamily="34" charset="0"/>
                 <a:cs typeface="Arial" panose="020B0604020202020204" pitchFamily="34" charset="0"/>
               </a:rPr>
               <a:t>-movie-data-master\</a:t>
             </a:r>
             <a:r>
-              <a:rPr lang="en-US" dirty="0" err="1">
-                <a:latin typeface="Arial" panose="020B0604020202020204" pitchFamily="34" charset="0"/>
+              <a:rPr lang="en-US" sz="1800" dirty="0" err="1">
+                <a:latin typeface="Calibri" panose="020F0502020204030204" pitchFamily="34" charset="0"/>
                 <a:cs typeface="Arial" panose="020B0604020202020204" pitchFamily="34" charset="0"/>
               </a:rPr>
               <a:t>movies.json</a:t>
             </a:r>
             <a:r>
-              <a:rPr lang="en-US" dirty="0">
-                <a:latin typeface="Arial" panose="020B0604020202020204" pitchFamily="34" charset="0"/>
+              <a:rPr lang="en-US" sz="1800" dirty="0">
+                <a:latin typeface="Calibri" panose="020F0502020204030204" pitchFamily="34" charset="0"/>
                 <a:cs typeface="Arial" panose="020B0604020202020204" pitchFamily="34" charset="0"/>
               </a:rPr>
               <a:t>', </a:t>
             </a:r>
             <a:r>
-              <a:rPr lang="en-US" dirty="0" err="1">
-                <a:latin typeface="Arial" panose="020B0604020202020204" pitchFamily="34" charset="0"/>
+              <a:rPr lang="en-US" sz="1800" dirty="0" err="1">
+                <a:latin typeface="Calibri" panose="020F0502020204030204" pitchFamily="34" charset="0"/>
                 <a:cs typeface="Arial" panose="020B0604020202020204" pitchFamily="34" charset="0"/>
               </a:rPr>
               <a:t>single_clob</a:t>
             </a:r>
             <a:r>
-              <a:rPr lang="en-US" dirty="0">
-                <a:latin typeface="Arial" panose="020B0604020202020204" pitchFamily="34" charset="0"/>
+              <a:rPr lang="en-US" sz="1800" dirty="0">
+                <a:latin typeface="Calibri" panose="020F0502020204030204" pitchFamily="34" charset="0"/>
                 <a:cs typeface="Arial" panose="020B0604020202020204" pitchFamily="34" charset="0"/>
               </a:rPr>
               <a:t>) as </a:t>
             </a:r>
             <a:r>
-              <a:rPr lang="en-US" dirty="0" err="1">
-                <a:latin typeface="Arial" panose="020B0604020202020204" pitchFamily="34" charset="0"/>
+              <a:rPr lang="en-US" sz="1800" dirty="0" err="1">
+                <a:latin typeface="Calibri" panose="020F0502020204030204" pitchFamily="34" charset="0"/>
                 <a:cs typeface="Arial" panose="020B0604020202020204" pitchFamily="34" charset="0"/>
               </a:rPr>
               <a:t>MoviesData</a:t>
             </a:r>
             <a:r>
-              <a:rPr lang="en-US" dirty="0">
-                <a:latin typeface="Arial" panose="020B0604020202020204" pitchFamily="34" charset="0"/>
+              <a:rPr lang="en-US" sz="1800" dirty="0">
+                <a:latin typeface="Calibri" panose="020F0502020204030204" pitchFamily="34" charset="0"/>
                 <a:cs typeface="Arial" panose="020B0604020202020204" pitchFamily="34" charset="0"/>
               </a:rPr>
               <a:t>;</a:t>
@@ -4400,138 +4399,181 @@
             <a:pPr marL="0" indent="0">
               <a:buNone/>
             </a:pPr>
-            <a:endParaRPr lang="en-US" dirty="0">
+            <a:endParaRPr lang="en-US" sz="2000" dirty="0">
               <a:latin typeface="Arial" panose="020B0604020202020204" pitchFamily="34" charset="0"/>
               <a:cs typeface="Arial" panose="020B0604020202020204" pitchFamily="34" charset="0"/>
             </a:endParaRPr>
           </a:p>
           <a:p>
-            <a:pPr marL="0" indent="0">
+            <a:pPr marL="426645" lvl="1" indent="0">
               <a:buNone/>
             </a:pPr>
             <a:r>
-              <a:rPr lang="en-US" dirty="0" smtClean="0">
-                <a:latin typeface="Arial" panose="020B0604020202020204" pitchFamily="34" charset="0"/>
+              <a:rPr lang="en-US" sz="1800" dirty="0" smtClean="0">
+                <a:latin typeface="Calibri" panose="020F0502020204030204" pitchFamily="34" charset="0"/>
                 <a:cs typeface="Arial" panose="020B0604020202020204" pitchFamily="34" charset="0"/>
               </a:rPr>
               <a:t>select </a:t>
             </a:r>
             <a:r>
-              <a:rPr lang="en-US" dirty="0">
-                <a:latin typeface="Arial" panose="020B0604020202020204" pitchFamily="34" charset="0"/>
+              <a:rPr lang="en-US" sz="1800" dirty="0">
+                <a:latin typeface="Calibri" panose="020F0502020204030204" pitchFamily="34" charset="0"/>
                 <a:cs typeface="Arial" panose="020B0604020202020204" pitchFamily="34" charset="0"/>
               </a:rPr>
               <a:t>ISJSON(</a:t>
             </a:r>
             <a:r>
-              <a:rPr lang="en-US" dirty="0" err="1">
-                <a:latin typeface="Arial" panose="020B0604020202020204" pitchFamily="34" charset="0"/>
+              <a:rPr lang="en-US" sz="1800" dirty="0" err="1">
+                <a:latin typeface="Calibri" panose="020F0502020204030204" pitchFamily="34" charset="0"/>
                 <a:cs typeface="Arial" panose="020B0604020202020204" pitchFamily="34" charset="0"/>
               </a:rPr>
               <a:t>MoviesJSON</a:t>
             </a:r>
             <a:r>
-              <a:rPr lang="en-US" dirty="0">
-                <a:latin typeface="Arial" panose="020B0604020202020204" pitchFamily="34" charset="0"/>
+              <a:rPr lang="en-US" sz="1800" dirty="0">
+                <a:latin typeface="Calibri" panose="020F0502020204030204" pitchFamily="34" charset="0"/>
                 <a:cs typeface="Arial" panose="020B0604020202020204" pitchFamily="34" charset="0"/>
               </a:rPr>
               <a:t>) </a:t>
             </a:r>
             <a:r>
-              <a:rPr lang="en-US" dirty="0" err="1">
-                <a:latin typeface="Arial" panose="020B0604020202020204" pitchFamily="34" charset="0"/>
+              <a:rPr lang="en-US" sz="1800" dirty="0" err="1">
+                <a:latin typeface="Calibri" panose="020F0502020204030204" pitchFamily="34" charset="0"/>
                 <a:cs typeface="Arial" panose="020B0604020202020204" pitchFamily="34" charset="0"/>
               </a:rPr>
               <a:t>IsJSON</a:t>
             </a:r>
             <a:r>
-              <a:rPr lang="en-US" dirty="0">
-                <a:latin typeface="Arial" panose="020B0604020202020204" pitchFamily="34" charset="0"/>
+              <a:rPr lang="en-US" sz="1800" dirty="0">
+                <a:latin typeface="Calibri" panose="020F0502020204030204" pitchFamily="34" charset="0"/>
                 <a:cs typeface="Arial" panose="020B0604020202020204" pitchFamily="34" charset="0"/>
               </a:rPr>
               <a:t>, </a:t>
             </a:r>
             <a:r>
-              <a:rPr lang="en-US" dirty="0" err="1">
-                <a:latin typeface="Arial" panose="020B0604020202020204" pitchFamily="34" charset="0"/>
+              <a:rPr lang="en-US" sz="1800" dirty="0" err="1">
+                <a:latin typeface="Calibri" panose="020F0502020204030204" pitchFamily="34" charset="0"/>
                 <a:cs typeface="Arial" panose="020B0604020202020204" pitchFamily="34" charset="0"/>
               </a:rPr>
               <a:t>MoviesJSON</a:t>
             </a:r>
             <a:r>
-              <a:rPr lang="en-US" dirty="0">
-                <a:latin typeface="Arial" panose="020B0604020202020204" pitchFamily="34" charset="0"/>
+              <a:rPr lang="en-US" sz="1800" dirty="0">
+                <a:latin typeface="Calibri" panose="020F0502020204030204" pitchFamily="34" charset="0"/>
                 <a:cs typeface="Arial" panose="020B0604020202020204" pitchFamily="34" charset="0"/>
               </a:rPr>
               <a:t>, </a:t>
             </a:r>
             <a:r>
-              <a:rPr lang="en-US" dirty="0" err="1">
-                <a:latin typeface="Arial" panose="020B0604020202020204" pitchFamily="34" charset="0"/>
+              <a:rPr lang="en-US" sz="1800" dirty="0" err="1">
+                <a:latin typeface="Calibri" panose="020F0502020204030204" pitchFamily="34" charset="0"/>
                 <a:cs typeface="Arial" panose="020B0604020202020204" pitchFamily="34" charset="0"/>
               </a:rPr>
               <a:t>len</a:t>
             </a:r>
             <a:r>
-              <a:rPr lang="en-US" dirty="0">
-                <a:latin typeface="Arial" panose="020B0604020202020204" pitchFamily="34" charset="0"/>
+              <a:rPr lang="en-US" sz="1800" dirty="0">
+                <a:latin typeface="Calibri" panose="020F0502020204030204" pitchFamily="34" charset="0"/>
                 <a:cs typeface="Arial" panose="020B0604020202020204" pitchFamily="34" charset="0"/>
               </a:rPr>
               <a:t>(</a:t>
             </a:r>
             <a:r>
-              <a:rPr lang="en-US" dirty="0" err="1">
-                <a:latin typeface="Arial" panose="020B0604020202020204" pitchFamily="34" charset="0"/>
+              <a:rPr lang="en-US" sz="1800" dirty="0" err="1">
+                <a:latin typeface="Calibri" panose="020F0502020204030204" pitchFamily="34" charset="0"/>
                 <a:cs typeface="Arial" panose="020B0604020202020204" pitchFamily="34" charset="0"/>
               </a:rPr>
               <a:t>MoviesJSON</a:t>
             </a:r>
             <a:r>
-              <a:rPr lang="en-US" dirty="0">
-                <a:latin typeface="Arial" panose="020B0604020202020204" pitchFamily="34" charset="0"/>
+              <a:rPr lang="en-US" sz="1800" dirty="0">
+                <a:latin typeface="Calibri" panose="020F0502020204030204" pitchFamily="34" charset="0"/>
                 <a:cs typeface="Arial" panose="020B0604020202020204" pitchFamily="34" charset="0"/>
               </a:rPr>
               <a:t>) as </a:t>
             </a:r>
             <a:r>
-              <a:rPr lang="en-US" dirty="0" err="1">
-                <a:latin typeface="Arial" panose="020B0604020202020204" pitchFamily="34" charset="0"/>
+              <a:rPr lang="en-US" sz="1800" dirty="0" err="1">
+                <a:latin typeface="Calibri" panose="020F0502020204030204" pitchFamily="34" charset="0"/>
                 <a:cs typeface="Arial" panose="020B0604020202020204" pitchFamily="34" charset="0"/>
               </a:rPr>
               <a:t>LengthMoviesJSON</a:t>
             </a:r>
-            <a:endParaRPr lang="en-US" dirty="0">
-              <a:latin typeface="Arial" panose="020B0604020202020204" pitchFamily="34" charset="0"/>
+            <a:endParaRPr lang="en-US" sz="1800" dirty="0">
+              <a:latin typeface="Calibri" panose="020F0502020204030204" pitchFamily="34" charset="0"/>
               <a:cs typeface="Arial" panose="020B0604020202020204" pitchFamily="34" charset="0"/>
             </a:endParaRPr>
           </a:p>
           <a:p>
-            <a:pPr marL="0" indent="0">
+            <a:pPr marL="426645" lvl="1" indent="0">
               <a:buNone/>
             </a:pPr>
             <a:r>
-              <a:rPr lang="en-US" dirty="0">
-                <a:latin typeface="Arial" panose="020B0604020202020204" pitchFamily="34" charset="0"/>
+              <a:rPr lang="en-US" sz="1800" dirty="0">
+                <a:latin typeface="Calibri" panose="020F0502020204030204" pitchFamily="34" charset="0"/>
                 <a:cs typeface="Arial" panose="020B0604020202020204" pitchFamily="34" charset="0"/>
               </a:rPr>
               <a:t>from </a:t>
             </a:r>
             <a:r>
-              <a:rPr lang="en-US" dirty="0" err="1">
-                <a:latin typeface="Arial" panose="020B0604020202020204" pitchFamily="34" charset="0"/>
+              <a:rPr lang="en-US" sz="1800" dirty="0" err="1">
+                <a:latin typeface="Calibri" panose="020F0502020204030204" pitchFamily="34" charset="0"/>
                 <a:cs typeface="Arial" panose="020B0604020202020204" pitchFamily="34" charset="0"/>
               </a:rPr>
               <a:t>dbo.MoviesJSON</a:t>
             </a:r>
             <a:r>
-              <a:rPr lang="en-US" dirty="0">
-                <a:latin typeface="Arial" panose="020B0604020202020204" pitchFamily="34" charset="0"/>
+              <a:rPr lang="en-US" sz="1800" dirty="0" smtClean="0">
+                <a:latin typeface="Calibri" panose="020F0502020204030204" pitchFamily="34" charset="0"/>
                 <a:cs typeface="Arial" panose="020B0604020202020204" pitchFamily="34" charset="0"/>
               </a:rPr>
               <a:t>;</a:t>
             </a:r>
           </a:p>
           <a:p>
+            <a:pPr marL="426645" lvl="1" indent="0">
+              <a:buNone/>
+            </a:pPr>
+            <a:endParaRPr lang="en-US" dirty="0">
+              <a:latin typeface="Calibri" panose="020F0502020204030204" pitchFamily="34" charset="0"/>
+              <a:cs typeface="Arial" panose="020B0604020202020204" pitchFamily="34" charset="0"/>
+            </a:endParaRPr>
+          </a:p>
+          <a:p>
+            <a:pPr marL="426645" lvl="1" indent="0">
+              <a:buNone/>
+            </a:pPr>
+            <a:endParaRPr lang="en-US" sz="1400" dirty="0" smtClean="0"/>
+          </a:p>
+          <a:p>
+            <a:pPr marL="426645" lvl="1" indent="0">
+              <a:buNone/>
+            </a:pPr>
+            <a:endParaRPr lang="en-US" sz="1400" dirty="0" smtClean="0"/>
+          </a:p>
+          <a:p>
+            <a:pPr marL="426645" lvl="1" indent="0">
+              <a:buNone/>
+            </a:pPr>
+            <a:r>
+              <a:rPr lang="en-US" sz="1400" dirty="0" smtClean="0"/>
+              <a:t>Photo </a:t>
+            </a:r>
+            <a:r>
+              <a:rPr lang="en-US" sz="1400" dirty="0"/>
+              <a:t>taken at Museum of Pop Culture – Seattle, WA</a:t>
+            </a:r>
+          </a:p>
+          <a:p>
+            <a:pPr marL="426645" lvl="1" indent="0">
+              <a:buNone/>
+            </a:pPr>
+            <a:endParaRPr lang="en-US" dirty="0">
+              <a:latin typeface="Calibri" panose="020F0502020204030204" pitchFamily="34" charset="0"/>
+              <a:cs typeface="Arial" panose="020B0604020202020204" pitchFamily="34" charset="0"/>
+            </a:endParaRPr>
+          </a:p>
+          <a:p>
             <a:pPr marL="0" indent="0">
               <a:buNone/>
             </a:pPr>
@@ -4545,6 +4587,36 @@
           </a:p>
         </p:txBody>
       </p:sp>
+      <p:pic>
+        <p:nvPicPr>
+          <p:cNvPr id="2" name="Picture 1"/>
+          <p:cNvPicPr>
+            <a:picLocks noChangeAspect="1"/>
+          </p:cNvPicPr>
+          <p:nvPr/>
+        </p:nvPicPr>
+        <p:blipFill>
+          <a:blip r:embed="rId2" cstate="print">
+            <a:extLst>
+              <a:ext uri="{28A0092B-C50C-407E-A947-70E740481C1C}">
+                <a14:useLocalDpi xmlns:a14="http://schemas.microsoft.com/office/drawing/2010/main" val="0"/>
+              </a:ext>
+            </a:extLst>
+          </a:blip>
+          <a:stretch>
+            <a:fillRect/>
+          </a:stretch>
+        </p:blipFill>
+        <p:spPr>
+          <a:xfrm rot="5400000">
+            <a:off x="9503012" y="4695825"/>
+            <a:ext cx="2006600" cy="1504950"/>
+          </a:xfrm>
+          <a:prstGeom prst="rect">
+            <a:avLst/>
+          </a:prstGeom>
+        </p:spPr>
+      </p:pic>
     </p:spTree>
     <p:extLst>
       <p:ext uri="{BB962C8B-B14F-4D97-AF65-F5344CB8AC3E}">
@@ -4604,11 +4676,7 @@
           <a:p>
             <a:r>
               <a:rPr lang="en-US" dirty="0" smtClean="0"/>
-              <a:t>SQL Server </a:t>
-            </a:r>
-            <a:r>
-              <a:rPr lang="en-US" dirty="0" smtClean="0"/>
-              <a:t>2016 – JSON In Demo</a:t>
+              <a:t>SQL Server 2016 – JSON In Demo</a:t>
             </a:r>
             <a:endParaRPr lang="en-US" dirty="0"/>
           </a:p>
@@ -4694,7 +4762,7 @@
         <p:spPr>
           <a:xfrm>
             <a:off x="1674812" y="6233162"/>
-            <a:ext cx="3635932" cy="461665"/>
+            <a:ext cx="2198038" cy="307777"/>
           </a:xfrm>
           <a:prstGeom prst="rect">
             <a:avLst/>
@@ -4707,18 +4775,18 @@
           <a:lstStyle/>
           <a:p>
             <a:r>
-              <a:rPr lang="en-US" dirty="0" smtClean="0"/>
+              <a:rPr lang="en-US" sz="1400" dirty="0" smtClean="0"/>
               <a:t>Image Source</a:t>
             </a:r>
             <a:r>
-              <a:rPr lang="en-US" dirty="0"/>
+              <a:rPr lang="en-US" sz="1400" dirty="0"/>
               <a:t>: </a:t>
             </a:r>
             <a:r>
-              <a:rPr lang="en-US" dirty="0" err="1" smtClean="0"/>
+              <a:rPr lang="en-US" sz="1400" dirty="0" err="1" smtClean="0"/>
               <a:t>Pixabay</a:t>
             </a:r>
-            <a:endParaRPr lang="en-US" dirty="0"/>
+            <a:endParaRPr lang="en-US" sz="1400" dirty="0"/>
           </a:p>
         </p:txBody>
       </p:sp>
@@ -4783,7 +4851,6 @@
               <a:rPr lang="en-US" dirty="0"/>
               <a:t>Get Data Out from SQL Server Tables in JSON Format</a:t>
             </a:r>
-            <a:endParaRPr lang="en-US" dirty="0"/>
           </a:p>
         </p:txBody>
       </p:sp>
@@ -4805,7 +4872,7 @@
         </p:spPr>
         <p:txBody>
           <a:bodyPr>
-            <a:normAutofit fontScale="92500" lnSpcReduction="20000"/>
+            <a:normAutofit fontScale="25000" lnSpcReduction="20000"/>
           </a:bodyPr>
           <a:lstStyle/>
           <a:p>
@@ -4813,15 +4880,15 @@
               <a:buNone/>
             </a:pPr>
             <a:r>
-              <a:rPr lang="en-US" dirty="0" smtClean="0">
-                <a:latin typeface="Arial" panose="020B0604020202020204" pitchFamily="34" charset="0"/>
+              <a:rPr lang="en-US" sz="6400" dirty="0" smtClean="0">
+                <a:latin typeface="Calibri" panose="020F0502020204030204" pitchFamily="34" charset="0"/>
                 <a:cs typeface="Arial" panose="020B0604020202020204" pitchFamily="34" charset="0"/>
               </a:rPr>
               <a:t>select </a:t>
             </a:r>
             <a:r>
-              <a:rPr lang="en-US" dirty="0">
-                <a:latin typeface="Arial" panose="020B0604020202020204" pitchFamily="34" charset="0"/>
+              <a:rPr lang="en-US" sz="6400" dirty="0">
+                <a:latin typeface="Calibri" panose="020F0502020204030204" pitchFamily="34" charset="0"/>
                 <a:cs typeface="Arial" panose="020B0604020202020204" pitchFamily="34" charset="0"/>
               </a:rPr>
               <a:t>*</a:t>
@@ -4832,22 +4899,22 @@
               <a:buNone/>
             </a:pPr>
             <a:r>
-              <a:rPr lang="en-US" dirty="0" smtClean="0">
-                <a:latin typeface="Arial" panose="020B0604020202020204" pitchFamily="34" charset="0"/>
+              <a:rPr lang="en-US" sz="6400" dirty="0" smtClean="0">
+                <a:latin typeface="Calibri" panose="020F0502020204030204" pitchFamily="34" charset="0"/>
                 <a:cs typeface="Arial" panose="020B0604020202020204" pitchFamily="34" charset="0"/>
               </a:rPr>
               <a:t>from  </a:t>
             </a:r>
             <a:r>
-              <a:rPr lang="en-US" dirty="0" err="1">
-                <a:latin typeface="Arial" panose="020B0604020202020204" pitchFamily="34" charset="0"/>
+              <a:rPr lang="en-US" sz="6400" dirty="0" err="1">
+                <a:latin typeface="Calibri" panose="020F0502020204030204" pitchFamily="34" charset="0"/>
                 <a:cs typeface="Arial" panose="020B0604020202020204" pitchFamily="34" charset="0"/>
               </a:rPr>
               <a:t>dbo.Movies</a:t>
             </a:r>
             <a:r>
-              <a:rPr lang="en-US" dirty="0">
-                <a:latin typeface="Arial" panose="020B0604020202020204" pitchFamily="34" charset="0"/>
+              <a:rPr lang="en-US" sz="6400" dirty="0">
+                <a:latin typeface="Calibri" panose="020F0502020204030204" pitchFamily="34" charset="0"/>
                 <a:cs typeface="Arial" panose="020B0604020202020204" pitchFamily="34" charset="0"/>
               </a:rPr>
               <a:t> </a:t>
@@ -4858,8 +4925,8 @@
               <a:buNone/>
             </a:pPr>
             <a:r>
-              <a:rPr lang="en-US" dirty="0">
-                <a:latin typeface="Arial" panose="020B0604020202020204" pitchFamily="34" charset="0"/>
+              <a:rPr lang="en-US" sz="6400" dirty="0">
+                <a:latin typeface="Calibri" panose="020F0502020204030204" pitchFamily="34" charset="0"/>
                 <a:cs typeface="Arial" panose="020B0604020202020204" pitchFamily="34" charset="0"/>
               </a:rPr>
               <a:t>where Genre like '%Horror%'</a:t>
@@ -4870,16 +4937,16 @@
               <a:buNone/>
             </a:pPr>
             <a:r>
-              <a:rPr lang="en-US" dirty="0">
-                <a:latin typeface="Arial" panose="020B0604020202020204" pitchFamily="34" charset="0"/>
+              <a:rPr lang="en-US" sz="6400" dirty="0">
+                <a:latin typeface="Calibri" panose="020F0502020204030204" pitchFamily="34" charset="0"/>
                 <a:cs typeface="Arial" panose="020B0604020202020204" pitchFamily="34" charset="0"/>
               </a:rPr>
               <a:t>FOR JSON PATH, ROOT('Movies');</a:t>
             </a:r>
           </a:p>
           <a:p>
-            <a:endParaRPr lang="en-US" dirty="0">
-              <a:latin typeface="Arial" panose="020B0604020202020204" pitchFamily="34" charset="0"/>
+            <a:endParaRPr lang="en-US" sz="4900" dirty="0">
+              <a:latin typeface="Calibri" panose="020F0502020204030204" pitchFamily="34" charset="0"/>
               <a:cs typeface="Arial" panose="020B0604020202020204" pitchFamily="34" charset="0"/>
             </a:endParaRPr>
           </a:p>
@@ -4888,8 +4955,8 @@
               <a:buNone/>
             </a:pPr>
             <a:r>
-              <a:rPr lang="en-US" dirty="0">
-                <a:latin typeface="Arial" panose="020B0604020202020204" pitchFamily="34" charset="0"/>
+              <a:rPr lang="en-US" sz="6400" dirty="0">
+                <a:latin typeface="Calibri" panose="020F0502020204030204" pitchFamily="34" charset="0"/>
                 <a:cs typeface="Arial" panose="020B0604020202020204" pitchFamily="34" charset="0"/>
               </a:rPr>
               <a:t>select *</a:t>
@@ -4900,21 +4967,21 @@
               <a:buNone/>
             </a:pPr>
             <a:r>
-              <a:rPr lang="en-US" dirty="0" smtClean="0">
-                <a:latin typeface="Arial" panose="020B0604020202020204" pitchFamily="34" charset="0"/>
+              <a:rPr lang="en-US" sz="6400" dirty="0" smtClean="0">
+                <a:latin typeface="Calibri" panose="020F0502020204030204" pitchFamily="34" charset="0"/>
                 <a:cs typeface="Arial" panose="020B0604020202020204" pitchFamily="34" charset="0"/>
               </a:rPr>
               <a:t>from  </a:t>
             </a:r>
             <a:r>
-              <a:rPr lang="en-US" dirty="0" err="1">
-                <a:latin typeface="Arial" panose="020B0604020202020204" pitchFamily="34" charset="0"/>
+              <a:rPr lang="en-US" sz="6400" dirty="0" err="1">
+                <a:latin typeface="Calibri" panose="020F0502020204030204" pitchFamily="34" charset="0"/>
                 <a:cs typeface="Arial" panose="020B0604020202020204" pitchFamily="34" charset="0"/>
               </a:rPr>
               <a:t>dbo.Movies</a:t>
             </a:r>
-            <a:endParaRPr lang="en-US" dirty="0">
-              <a:latin typeface="Arial" panose="020B0604020202020204" pitchFamily="34" charset="0"/>
+            <a:endParaRPr lang="en-US" sz="6400" dirty="0">
+              <a:latin typeface="Calibri" panose="020F0502020204030204" pitchFamily="34" charset="0"/>
               <a:cs typeface="Arial" panose="020B0604020202020204" pitchFamily="34" charset="0"/>
             </a:endParaRPr>
           </a:p>
@@ -4923,8 +4990,8 @@
               <a:buNone/>
             </a:pPr>
             <a:r>
-              <a:rPr lang="en-US" dirty="0">
-                <a:latin typeface="Arial" panose="020B0604020202020204" pitchFamily="34" charset="0"/>
+              <a:rPr lang="en-US" sz="6400" dirty="0">
+                <a:latin typeface="Calibri" panose="020F0502020204030204" pitchFamily="34" charset="0"/>
                 <a:cs typeface="Arial" panose="020B0604020202020204" pitchFamily="34" charset="0"/>
               </a:rPr>
               <a:t>where Genre like '%Horror%'</a:t>
@@ -4935,15 +5002,78 @@
               <a:buNone/>
             </a:pPr>
             <a:r>
-              <a:rPr lang="en-US" dirty="0">
-                <a:latin typeface="Arial" panose="020B0604020202020204" pitchFamily="34" charset="0"/>
+              <a:rPr lang="en-US" sz="6400" dirty="0">
+                <a:latin typeface="Calibri" panose="020F0502020204030204" pitchFamily="34" charset="0"/>
                 <a:cs typeface="Arial" panose="020B0604020202020204" pitchFamily="34" charset="0"/>
               </a:rPr>
-              <a:t>FOR JSON PATH, WITHOUT_ARRAY_WRAPPER;</a:t>
-            </a:r>
-          </a:p>
-        </p:txBody>
-      </p:sp>
+              <a:t>FOR JSON PATH, </a:t>
+            </a:r>
+            <a:r>
+              <a:rPr lang="en-US" sz="6400" dirty="0" smtClean="0">
+                <a:latin typeface="Calibri" panose="020F0502020204030204" pitchFamily="34" charset="0"/>
+                <a:cs typeface="Arial" panose="020B0604020202020204" pitchFamily="34" charset="0"/>
+              </a:rPr>
+              <a:t>WITHOUT_ARRAY_WRAPPER;</a:t>
+            </a:r>
+          </a:p>
+          <a:p>
+            <a:pPr marL="0" indent="0">
+              <a:buNone/>
+            </a:pPr>
+            <a:endParaRPr lang="en-US" sz="2000" dirty="0">
+              <a:latin typeface="Calibri" panose="020F0502020204030204" pitchFamily="34" charset="0"/>
+              <a:cs typeface="Arial" panose="020B0604020202020204" pitchFamily="34" charset="0"/>
+            </a:endParaRPr>
+          </a:p>
+          <a:p>
+            <a:pPr marL="0" indent="0">
+              <a:buNone/>
+            </a:pPr>
+            <a:r>
+              <a:rPr lang="en-US" sz="4300" dirty="0" smtClean="0"/>
+              <a:t>Photo </a:t>
+            </a:r>
+            <a:r>
+              <a:rPr lang="en-US" sz="4300" dirty="0"/>
+              <a:t>taken at Museum of Pop Culture – Seattle, WA</a:t>
+            </a:r>
+            <a:endParaRPr lang="en-US" sz="4300" dirty="0">
+              <a:latin typeface="Calibri" panose="020F0502020204030204" pitchFamily="34" charset="0"/>
+              <a:cs typeface="Arial" panose="020B0604020202020204" pitchFamily="34" charset="0"/>
+            </a:endParaRPr>
+          </a:p>
+        </p:txBody>
+      </p:sp>
+      <p:pic>
+        <p:nvPicPr>
+          <p:cNvPr id="2" name="Picture 1"/>
+          <p:cNvPicPr>
+            <a:picLocks noChangeAspect="1"/>
+          </p:cNvPicPr>
+          <p:nvPr/>
+        </p:nvPicPr>
+        <p:blipFill>
+          <a:blip r:embed="rId2" cstate="print">
+            <a:extLst>
+              <a:ext uri="{28A0092B-C50C-407E-A947-70E740481C1C}">
+                <a14:useLocalDpi xmlns:a14="http://schemas.microsoft.com/office/drawing/2010/main" val="0"/>
+              </a:ext>
+            </a:extLst>
+          </a:blip>
+          <a:stretch>
+            <a:fillRect/>
+          </a:stretch>
+        </p:blipFill>
+        <p:spPr>
+          <a:xfrm rot="5400000">
+            <a:off x="7723187" y="2714625"/>
+            <a:ext cx="3429000" cy="2571750"/>
+          </a:xfrm>
+          <a:prstGeom prst="rect">
+            <a:avLst/>
+          </a:prstGeom>
+        </p:spPr>
+      </p:pic>
     </p:spTree>
     <p:extLst>
       <p:ext uri="{BB962C8B-B14F-4D97-AF65-F5344CB8AC3E}">
@@ -5003,11 +5133,7 @@
           <a:p>
             <a:r>
               <a:rPr lang="en-US" dirty="0" smtClean="0"/>
-              <a:t>SQL Server </a:t>
-            </a:r>
-            <a:r>
-              <a:rPr lang="en-US" dirty="0" smtClean="0"/>
-              <a:t>2016 – JSON Out Demo</a:t>
+              <a:t>SQL Server 2016 – JSON Out Demo</a:t>
             </a:r>
             <a:endParaRPr lang="en-US" dirty="0"/>
           </a:p>
@@ -5502,7 +5628,7 @@
         <p:spPr>
           <a:xfrm>
             <a:off x="1674812" y="6383978"/>
-            <a:ext cx="3635932" cy="461665"/>
+            <a:ext cx="2198038" cy="307777"/>
           </a:xfrm>
           <a:prstGeom prst="rect">
             <a:avLst/>
@@ -5515,18 +5641,18 @@
           <a:lstStyle/>
           <a:p>
             <a:r>
-              <a:rPr lang="en-US" dirty="0" smtClean="0"/>
+              <a:rPr lang="en-US" sz="1400" dirty="0" smtClean="0"/>
               <a:t>Image Source</a:t>
             </a:r>
             <a:r>
-              <a:rPr lang="en-US" dirty="0"/>
+              <a:rPr lang="en-US" sz="1400" dirty="0"/>
               <a:t>: </a:t>
             </a:r>
             <a:r>
-              <a:rPr lang="en-US" dirty="0" err="1" smtClean="0"/>
+              <a:rPr lang="en-US" sz="1400" dirty="0" err="1" smtClean="0"/>
               <a:t>Pixabay</a:t>
             </a:r>
-            <a:endParaRPr lang="en-US" dirty="0"/>
+            <a:endParaRPr lang="en-US" sz="1400" dirty="0"/>
           </a:p>
         </p:txBody>
       </p:sp>
@@ -5591,11 +5717,7 @@
           <a:p>
             <a:r>
               <a:rPr lang="en-US" sz="3600" dirty="0" smtClean="0"/>
-              <a:t>Power BI / </a:t>
-            </a:r>
-            <a:r>
-              <a:rPr lang="en-US" sz="3600" dirty="0" smtClean="0"/>
-              <a:t>JSON Data Visualization Demo</a:t>
+              <a:t>Power BI / JSON Data Visualization Demo</a:t>
             </a:r>
             <a:endParaRPr lang="en-US" sz="3600" dirty="0"/>
           </a:p>
@@ -5669,14 +5791,14 @@
       </p:pic>
       <p:sp>
         <p:nvSpPr>
-          <p:cNvPr id="5" name="Rectangle 4"/>
+          <p:cNvPr id="6" name="Rectangle 5"/>
           <p:cNvSpPr/>
           <p:nvPr/>
         </p:nvSpPr>
         <p:spPr>
           <a:xfrm>
             <a:off x="1674812" y="6383978"/>
-            <a:ext cx="3635932" cy="461665"/>
+            <a:ext cx="2198038" cy="307777"/>
           </a:xfrm>
           <a:prstGeom prst="rect">
             <a:avLst/>
@@ -5689,18 +5811,18 @@
           <a:lstStyle/>
           <a:p>
             <a:r>
-              <a:rPr lang="en-US" dirty="0" smtClean="0"/>
+              <a:rPr lang="en-US" sz="1400" dirty="0" smtClean="0"/>
               <a:t>Image Source</a:t>
             </a:r>
             <a:r>
-              <a:rPr lang="en-US" dirty="0"/>
+              <a:rPr lang="en-US" sz="1400" dirty="0"/>
               <a:t>: </a:t>
             </a:r>
             <a:r>
-              <a:rPr lang="en-US" dirty="0" err="1" smtClean="0"/>
+              <a:rPr lang="en-US" sz="1400" dirty="0" err="1" smtClean="0"/>
               <a:t>Pixabay</a:t>
             </a:r>
-            <a:endParaRPr lang="en-US" dirty="0"/>
+            <a:endParaRPr lang="en-US" sz="1400" dirty="0"/>
           </a:p>
         </p:txBody>
       </p:sp>
@@ -5782,112 +5904,112 @@
         <p:spPr/>
         <p:txBody>
           <a:bodyPr>
-            <a:normAutofit fontScale="40000" lnSpcReduction="20000"/>
+            <a:normAutofit/>
           </a:bodyPr>
           <a:lstStyle/>
           <a:p>
             <a:r>
-              <a:rPr lang="en-US" sz="4000" dirty="0"/>
+              <a:rPr lang="en-US" sz="1400" dirty="0"/>
               <a:t>https://github.com/prust/wikipedia-movie-data</a:t>
             </a:r>
           </a:p>
           <a:p>
             <a:r>
-              <a:rPr lang="en-US" sz="4000" dirty="0">
+              <a:rPr lang="en-US" sz="1400" dirty="0">
                 <a:hlinkClick r:id="rId2"/>
               </a:rPr>
               <a:t>http://www.json.org</a:t>
             </a:r>
             <a:r>
-              <a:rPr lang="en-US" sz="4000" dirty="0" smtClean="0">
+              <a:rPr lang="en-US" sz="1400" dirty="0" smtClean="0">
                 <a:hlinkClick r:id="rId2"/>
               </a:rPr>
               <a:t>/</a:t>
             </a:r>
-            <a:endParaRPr lang="en-US" sz="4000" dirty="0" smtClean="0"/>
-          </a:p>
-          <a:p>
-            <a:r>
-              <a:rPr lang="en-US" sz="4000" dirty="0"/>
+            <a:endParaRPr lang="en-US" sz="1400" dirty="0" smtClean="0"/>
+          </a:p>
+          <a:p>
+            <a:r>
+              <a:rPr lang="en-US" sz="1400" dirty="0"/>
               <a:t>https://docs.microsoft.com/en-us/sql/relational-databases/json/json-data-sql-server?view=sql-server-2017</a:t>
             </a:r>
-            <a:endParaRPr lang="en-US" sz="4000" dirty="0" smtClean="0"/>
-          </a:p>
-          <a:p>
-            <a:r>
-              <a:rPr lang="en-US" sz="4000" dirty="0">
+            <a:endParaRPr lang="en-US" sz="1400" dirty="0" smtClean="0"/>
+          </a:p>
+          <a:p>
+            <a:r>
+              <a:rPr lang="en-US" sz="1400" dirty="0">
                 <a:hlinkClick r:id="rId3"/>
               </a:rPr>
               <a:t>https://www.red-gate.com/simple-talk/sql/learn-sql-server/json-support-in-sql-server-2016</a:t>
             </a:r>
             <a:r>
-              <a:rPr lang="en-US" sz="4000" dirty="0" smtClean="0">
+              <a:rPr lang="en-US" sz="1400" dirty="0" smtClean="0">
                 <a:hlinkClick r:id="rId3"/>
               </a:rPr>
               <a:t>/</a:t>
             </a:r>
-            <a:endParaRPr lang="en-US" sz="4000" dirty="0" smtClean="0"/>
-          </a:p>
-          <a:p>
-            <a:r>
-              <a:rPr lang="en-US" sz="4000" dirty="0"/>
+            <a:endParaRPr lang="en-US" sz="1400" dirty="0" smtClean="0"/>
+          </a:p>
+          <a:p>
+            <a:r>
+              <a:rPr lang="en-US" sz="1400" dirty="0"/>
               <a:t>https://docs.microsoft.com/en-us/sql/relational-databases/json/solve-common-issues-with-json-in-sql-server?view=sql-server-2017</a:t>
             </a:r>
-            <a:endParaRPr lang="en-US" sz="4000" dirty="0" smtClean="0"/>
-          </a:p>
-          <a:p>
-            <a:r>
-              <a:rPr lang="en-US" sz="4000" dirty="0">
+            <a:endParaRPr lang="en-US" sz="1400" dirty="0" smtClean="0"/>
+          </a:p>
+          <a:p>
+            <a:r>
+              <a:rPr lang="en-US" sz="1400" dirty="0">
                 <a:hlinkClick r:id="rId4"/>
               </a:rPr>
               <a:t>https://</a:t>
             </a:r>
             <a:r>
-              <a:rPr lang="en-US" sz="4000" dirty="0" smtClean="0">
+              <a:rPr lang="en-US" sz="1400" dirty="0" smtClean="0">
                 <a:hlinkClick r:id="rId4"/>
               </a:rPr>
               <a:t>channel9.msdn.com/Shows/Data-Exposed/SQL-Server-2016-and-JSON-Support</a:t>
             </a:r>
-            <a:endParaRPr lang="en-US" sz="4000" dirty="0" smtClean="0"/>
-          </a:p>
-          <a:p>
-            <a:r>
-              <a:rPr lang="en-US" sz="4000" dirty="0">
+            <a:endParaRPr lang="en-US" sz="1400" dirty="0" smtClean="0"/>
+          </a:p>
+          <a:p>
+            <a:r>
+              <a:rPr lang="en-US" sz="1400" dirty="0">
                 <a:hlinkClick r:id="rId5"/>
               </a:rPr>
               <a:t>https://</a:t>
             </a:r>
             <a:r>
-              <a:rPr lang="en-US" sz="4000" dirty="0" smtClean="0">
+              <a:rPr lang="en-US" sz="1400" dirty="0" smtClean="0">
                 <a:hlinkClick r:id="rId5"/>
               </a:rPr>
               <a:t>channel9.msdn.com/Shows/Data-Exposed/Using-JSON-in-SQL-Server-2016-and-Azure-SQL-Database</a:t>
             </a:r>
-            <a:endParaRPr lang="en-US" sz="4000" dirty="0" smtClean="0"/>
-          </a:p>
-          <a:p>
-            <a:r>
-              <a:rPr lang="en-US" sz="4000" dirty="0"/>
+            <a:endParaRPr lang="en-US" sz="1400" dirty="0" smtClean="0"/>
+          </a:p>
+          <a:p>
+            <a:r>
+              <a:rPr lang="en-US" sz="1400" dirty="0"/>
               <a:t>https://channel9.msdn.com/events/DataDriven/SQLServer2016/JSON-as-a-bridge-betwen-NoSQL-and-relational-worlds</a:t>
             </a:r>
           </a:p>
           <a:p>
-            <a:endParaRPr lang="en-US" dirty="0" smtClean="0"/>
-          </a:p>
-          <a:p>
-            <a:endParaRPr lang="en-US" dirty="0"/>
+            <a:endParaRPr lang="en-US" sz="1400" dirty="0" smtClean="0"/>
+          </a:p>
+          <a:p>
+            <a:endParaRPr lang="en-US" sz="1400" dirty="0"/>
           </a:p>
           <a:p>
             <a:pPr marL="0" indent="0">
               <a:buNone/>
             </a:pPr>
-            <a:endParaRPr lang="en-US" dirty="0" smtClean="0"/>
-          </a:p>
-          <a:p>
-            <a:endParaRPr lang="en-US" dirty="0" smtClean="0"/>
-          </a:p>
-          <a:p>
-            <a:endParaRPr lang="en-US" dirty="0" smtClean="0"/>
+            <a:endParaRPr lang="en-US" sz="1400" dirty="0" smtClean="0"/>
+          </a:p>
+          <a:p>
+            <a:endParaRPr lang="en-US" sz="1400" dirty="0" smtClean="0"/>
+          </a:p>
+          <a:p>
+            <a:endParaRPr lang="en-US" sz="1400" dirty="0" smtClean="0"/>
           </a:p>
           <a:p>
             <a:pPr marL="0" indent="0">
@@ -5994,11 +6116,7 @@
           <a:p>
             <a:r>
               <a:rPr lang="en-US" dirty="0" smtClean="0"/>
-              <a:t>E</a:t>
-            </a:r>
-            <a:r>
-              <a:rPr lang="en-US" dirty="0" smtClean="0"/>
-              <a:t>mail: </a:t>
+              <a:t>Email: </a:t>
             </a:r>
             <a:r>
               <a:rPr lang="en-US" dirty="0" smtClean="0">
@@ -6180,11 +6298,7 @@
           <a:p>
             <a:r>
               <a:rPr lang="en-US" dirty="0" smtClean="0"/>
-              <a:t>First Time </a:t>
-            </a:r>
-            <a:r>
-              <a:rPr lang="en-US" dirty="0" smtClean="0"/>
-              <a:t>Presenter</a:t>
+              <a:t>First Time Presenter</a:t>
             </a:r>
           </a:p>
           <a:p>
@@ -6192,7 +6306,6 @@
               <a:rPr lang="en-US" dirty="0" smtClean="0"/>
               <a:t>Email: adipesa@wellesley.edu</a:t>
             </a:r>
-            <a:endParaRPr lang="en-US" dirty="0" smtClean="0"/>
           </a:p>
           <a:p>
             <a:r>
@@ -6342,35 +6455,14 @@
           <a:p>
             <a:r>
               <a:rPr lang="en-US" dirty="0" smtClean="0"/>
-              <a:t>Get JSON Formatted Data </a:t>
-            </a:r>
+              <a:t>Get JSON Formatted Data Into SQL Server Tables</a:t>
+            </a:r>
+          </a:p>
+          <a:p>
             <a:r>
               <a:rPr lang="en-US" dirty="0" smtClean="0"/>
-              <a:t>Into SQL Server Tables</a:t>
-            </a:r>
-          </a:p>
-          <a:p>
-            <a:r>
-              <a:rPr lang="en-US" dirty="0" smtClean="0"/>
-              <a:t>Get Data Out from SQL </a:t>
-            </a:r>
-            <a:r>
-              <a:rPr lang="en-US" dirty="0" smtClean="0"/>
-              <a:t>Server </a:t>
-            </a:r>
-            <a:r>
-              <a:rPr lang="en-US" dirty="0" smtClean="0"/>
-              <a:t>Tables </a:t>
-            </a:r>
-            <a:r>
-              <a:rPr lang="en-US" dirty="0" smtClean="0"/>
-              <a:t>in </a:t>
-            </a:r>
-            <a:r>
-              <a:rPr lang="en-US" dirty="0" smtClean="0"/>
-              <a:t>JSON Format</a:t>
-            </a:r>
-            <a:endParaRPr lang="en-US" dirty="0" smtClean="0"/>
+              <a:t>Get Data Out from SQL Server Tables in JSON Format</a:t>
+            </a:r>
           </a:p>
           <a:p>
             <a:r>
@@ -6464,7 +6556,7 @@
         <p:spPr/>
         <p:txBody>
           <a:bodyPr>
-            <a:normAutofit lnSpcReduction="10000"/>
+            <a:normAutofit/>
           </a:bodyPr>
           <a:lstStyle/>
           <a:p>
@@ -6524,23 +6616,87 @@
           <a:p>
             <a:r>
               <a:rPr lang="en-US" dirty="0" smtClean="0"/>
-              <a:t>Easy to Parse and Generate</a:t>
-            </a:r>
-          </a:p>
-          <a:p>
-            <a:endParaRPr lang="en-US" dirty="0" smtClean="0"/>
-          </a:p>
-          <a:p>
-            <a:endParaRPr lang="en-US" dirty="0" smtClean="0"/>
-          </a:p>
-          <a:p>
-            <a:r>
-              <a:rPr lang="en-US" sz="1800" dirty="0"/>
-              <a:t>Source: http://www.json.org/</a:t>
-            </a:r>
-          </a:p>
-        </p:txBody>
-      </p:sp>
+              <a:t>Easy to Parse and </a:t>
+            </a:r>
+            <a:r>
+              <a:rPr lang="en-US" dirty="0" smtClean="0"/>
+              <a:t>Generate</a:t>
+            </a:r>
+          </a:p>
+          <a:p>
+            <a:pPr marL="0" indent="0">
+              <a:buNone/>
+            </a:pPr>
+            <a:endParaRPr lang="en-US" sz="1800" dirty="0" smtClean="0"/>
+          </a:p>
+          <a:p>
+            <a:pPr marL="0" indent="0">
+              <a:buNone/>
+            </a:pPr>
+            <a:r>
+              <a:rPr lang="en-US" sz="1400" dirty="0" smtClean="0"/>
+              <a:t>Source</a:t>
+            </a:r>
+            <a:r>
+              <a:rPr lang="en-US" sz="1400" dirty="0"/>
+              <a:t>: </a:t>
+            </a:r>
+            <a:r>
+              <a:rPr lang="en-US" sz="1400" dirty="0">
+                <a:hlinkClick r:id="rId2"/>
+              </a:rPr>
+              <a:t>http://www.json.org</a:t>
+            </a:r>
+            <a:r>
+              <a:rPr lang="en-US" sz="1400" dirty="0" smtClean="0">
+                <a:hlinkClick r:id="rId2"/>
+              </a:rPr>
+              <a:t>/</a:t>
+            </a:r>
+            <a:endParaRPr lang="en-US" sz="1400" dirty="0" smtClean="0"/>
+          </a:p>
+          <a:p>
+            <a:pPr marL="0" indent="0">
+              <a:buNone/>
+            </a:pPr>
+            <a:r>
+              <a:rPr lang="en-US" sz="1400" dirty="0" smtClean="0"/>
+              <a:t>Photo taken at Museum of Pop Culture – Seattle, WA</a:t>
+            </a:r>
+            <a:endParaRPr lang="en-US" sz="1400" dirty="0"/>
+          </a:p>
+        </p:txBody>
+      </p:sp>
+      <p:pic>
+        <p:nvPicPr>
+          <p:cNvPr id="3" name="Picture 2"/>
+          <p:cNvPicPr>
+            <a:picLocks noChangeAspect="1"/>
+          </p:cNvPicPr>
+          <p:nvPr/>
+        </p:nvPicPr>
+        <p:blipFill>
+          <a:blip r:embed="rId3" cstate="print">
+            <a:extLst>
+              <a:ext uri="{28A0092B-C50C-407E-A947-70E740481C1C}">
+                <a14:useLocalDpi xmlns:a14="http://schemas.microsoft.com/office/drawing/2010/main" val="0"/>
+              </a:ext>
+            </a:extLst>
+          </a:blip>
+          <a:stretch>
+            <a:fillRect/>
+          </a:stretch>
+        </p:blipFill>
+        <p:spPr>
+          <a:xfrm rot="5400000">
+            <a:off x="8807688" y="3705225"/>
+            <a:ext cx="2819400" cy="2114550"/>
+          </a:xfrm>
+          <a:prstGeom prst="rect">
+            <a:avLst/>
+          </a:prstGeom>
+        </p:spPr>
+      </p:pic>
     </p:spTree>
     <p:extLst>
       <p:ext uri="{BB962C8B-B14F-4D97-AF65-F5344CB8AC3E}">
@@ -6619,7 +6775,7 @@
         <p:spPr/>
         <p:txBody>
           <a:bodyPr>
-            <a:normAutofit/>
+            <a:normAutofit fontScale="92500" lnSpcReduction="20000"/>
           </a:bodyPr>
           <a:lstStyle/>
           <a:p>
@@ -6631,103 +6787,249 @@
           <a:p>
             <a:pPr lvl="1"/>
             <a:r>
-              <a:rPr lang="en-US" dirty="0"/>
+              <a:rPr lang="en-US" sz="1900" dirty="0">
+                <a:latin typeface="Calibri" panose="020F0502020204030204" pitchFamily="34" charset="0"/>
+              </a:rPr>
               <a:t>{"title":"Scream","year":1996,"director":"Wes </a:t>
             </a:r>
             <a:r>
+              <a:rPr lang="en-US" sz="1900" dirty="0">
+                <a:latin typeface="Calibri" panose="020F0502020204030204" pitchFamily="34" charset="0"/>
+              </a:rPr>
+              <a:t>Craven"}</a:t>
+            </a:r>
+            <a:endParaRPr lang="en-US" sz="1900" dirty="0" smtClean="0">
+              <a:latin typeface="Calibri" panose="020F0502020204030204" pitchFamily="34" charset="0"/>
+            </a:endParaRPr>
+          </a:p>
+          <a:p>
+            <a:pPr lvl="1"/>
+            <a:r>
+              <a:rPr lang="en-US" sz="1900" dirty="0">
+                <a:latin typeface="Calibri" panose="020F0502020204030204" pitchFamily="34" charset="0"/>
+              </a:rPr>
+              <a:t>{"title":"Halloween","year":1978,"director":"John </a:t>
+            </a:r>
+            <a:r>
+              <a:rPr lang="en-US" sz="1900" dirty="0">
+                <a:latin typeface="Calibri" panose="020F0502020204030204" pitchFamily="34" charset="0"/>
+              </a:rPr>
+              <a:t>Carpenter"}</a:t>
+            </a:r>
+            <a:endParaRPr lang="en-US" sz="1900" dirty="0" smtClean="0">
+              <a:latin typeface="Calibri" panose="020F0502020204030204" pitchFamily="34" charset="0"/>
+            </a:endParaRPr>
+          </a:p>
+          <a:p>
+            <a:r>
               <a:rPr lang="en-US" dirty="0" smtClean="0"/>
-              <a:t>Craven“}</a:t>
+              <a:t>JSON Data Types</a:t>
             </a:r>
           </a:p>
           <a:p>
             <a:pPr lvl="1"/>
             <a:r>
-              <a:rPr lang="en-US" dirty="0"/>
-              <a:t>{"title":"Halloween","year":1978,"director":"John </a:t>
-            </a:r>
-            <a:r>
               <a:rPr lang="en-US" dirty="0" smtClean="0"/>
-              <a:t>Carpenter“}</a:t>
-            </a:r>
-          </a:p>
-          <a:p>
+              <a:t>String, Number, Boolean (true or false), null</a:t>
+            </a:r>
+            <a:endParaRPr lang="en-US" dirty="0"/>
+          </a:p>
+          <a:p>
+            <a:pPr lvl="1"/>
             <a:r>
               <a:rPr lang="en-US" dirty="0" smtClean="0"/>
-              <a:t>Ordered List of Values (i.e. Array)</a:t>
+              <a:t>Array</a:t>
+            </a:r>
+            <a:endParaRPr lang="en-US" dirty="0" smtClean="0"/>
+          </a:p>
+          <a:p>
+            <a:pPr lvl="2"/>
+            <a:r>
+              <a:rPr lang="en-US" sz="1900" dirty="0" smtClean="0">
+                <a:latin typeface="Calibri" panose="020F0502020204030204" pitchFamily="34" charset="0"/>
+              </a:rPr>
+              <a:t>"</a:t>
+            </a:r>
+            <a:r>
+              <a:rPr lang="en-US" sz="1900" dirty="0">
+                <a:latin typeface="Calibri" panose="020F0502020204030204" pitchFamily="34" charset="0"/>
+              </a:rPr>
+              <a:t>genre</a:t>
+            </a:r>
+            <a:r>
+              <a:rPr lang="en-US" sz="1900" dirty="0" smtClean="0">
+                <a:latin typeface="Calibri" panose="020F0502020204030204" pitchFamily="34" charset="0"/>
+              </a:rPr>
+              <a:t>":["</a:t>
+            </a:r>
+            <a:r>
+              <a:rPr lang="en-US" sz="1900" dirty="0">
+                <a:latin typeface="Calibri" panose="020F0502020204030204" pitchFamily="34" charset="0"/>
+              </a:rPr>
+              <a:t>Horror", "Slasher</a:t>
+            </a:r>
+            <a:r>
+              <a:rPr lang="en-US" sz="1900" dirty="0" smtClean="0">
+                <a:latin typeface="Calibri" panose="020F0502020204030204" pitchFamily="34" charset="0"/>
+              </a:rPr>
+              <a:t>"]</a:t>
             </a:r>
           </a:p>
           <a:p>
             <a:pPr lvl="1"/>
             <a:r>
-              <a:rPr lang="en-US" dirty="0" smtClean="0"/>
-              <a:t>{"</a:t>
-            </a:r>
-            <a:r>
-              <a:rPr lang="en-US" dirty="0"/>
-              <a:t>genre</a:t>
-            </a:r>
-            <a:r>
-              <a:rPr lang="en-US" dirty="0" smtClean="0"/>
+              <a:rPr lang="en-US" dirty="0" smtClean="0">
+                <a:latin typeface="Calibri" panose="020F0502020204030204" pitchFamily="34" charset="0"/>
+              </a:rPr>
+              <a:t>Object</a:t>
+            </a:r>
+            <a:endParaRPr lang="en-US" dirty="0" smtClean="0">
+              <a:latin typeface="Calibri" panose="020F0502020204030204" pitchFamily="34" charset="0"/>
+            </a:endParaRPr>
+          </a:p>
+          <a:p>
+            <a:pPr lvl="2"/>
+            <a:r>
+              <a:rPr lang="en-US" sz="1700" dirty="0" smtClean="0">
+                <a:latin typeface="Calibri" panose="020F0502020204030204" pitchFamily="34" charset="0"/>
+              </a:rPr>
+              <a:t>"</a:t>
+            </a:r>
+            <a:r>
+              <a:rPr lang="en-US" sz="1700" dirty="0">
+                <a:latin typeface="Calibri" panose="020F0502020204030204" pitchFamily="34" charset="0"/>
+              </a:rPr>
+              <a:t>movie</a:t>
+            </a:r>
+            <a:r>
+              <a:rPr lang="en-US" sz="1700" dirty="0" smtClean="0">
+                <a:latin typeface="Calibri" panose="020F0502020204030204" pitchFamily="34" charset="0"/>
+              </a:rPr>
+              <a:t>":{"</a:t>
+            </a:r>
+            <a:r>
+              <a:rPr lang="en-US" sz="1700" dirty="0">
+                <a:latin typeface="Calibri" panose="020F0502020204030204" pitchFamily="34" charset="0"/>
+              </a:rPr>
+              <a:t>MovieId":29213,"Title":"Friday the 13th","ReleaseYear":1980,"Director":"Sean S. Cunningham","</a:t>
+            </a:r>
+            <a:r>
+              <a:rPr lang="en-US" sz="1700" dirty="0" err="1">
+                <a:latin typeface="Calibri" panose="020F0502020204030204" pitchFamily="34" charset="0"/>
+              </a:rPr>
+              <a:t>CastListing</a:t>
+            </a:r>
+            <a:r>
+              <a:rPr lang="en-US" sz="1700" dirty="0" smtClean="0">
+                <a:latin typeface="Calibri" panose="020F0502020204030204" pitchFamily="34" charset="0"/>
+              </a:rPr>
               <a:t>":["</a:t>
             </a:r>
             <a:r>
-              <a:rPr lang="en-US" dirty="0"/>
-              <a:t>Horror, </a:t>
-            </a:r>
-            <a:r>
-              <a:rPr lang="en-US" dirty="0" smtClean="0"/>
-              <a:t>Slasher</a:t>
-            </a:r>
-            <a:r>
-              <a:rPr lang="en-US" dirty="0"/>
+              <a:rPr lang="en-US" sz="1700" dirty="0">
+                <a:latin typeface="Calibri" panose="020F0502020204030204" pitchFamily="34" charset="0"/>
+              </a:rPr>
+              <a:t>Betsy </a:t>
+            </a:r>
+            <a:r>
+              <a:rPr lang="en-US" sz="1700" dirty="0" smtClean="0">
+                <a:latin typeface="Calibri" panose="020F0502020204030204" pitchFamily="34" charset="0"/>
+              </a:rPr>
+              <a:t>Palmer</a:t>
+            </a:r>
+            <a:r>
+              <a:rPr lang="en-US" sz="1700" dirty="0">
+                <a:latin typeface="Calibri" panose="020F0502020204030204" pitchFamily="34" charset="0"/>
+              </a:rPr>
               <a:t>"</a:t>
             </a:r>
             <a:r>
-              <a:rPr lang="en-US" dirty="0" smtClean="0"/>
-              <a:t>]}</a:t>
-            </a:r>
-          </a:p>
-          <a:p>
-            <a:pPr lvl="1"/>
-            <a:r>
-              <a:rPr lang="en-US" dirty="0"/>
-              <a:t>{"cast</a:t>
-            </a:r>
-            <a:r>
-              <a:rPr lang="en-US" dirty="0" smtClean="0"/>
-              <a:t>":["</a:t>
-            </a:r>
-            <a:r>
-              <a:rPr lang="en-US" dirty="0"/>
-              <a:t>David Arquette, Neve Campbell, </a:t>
-            </a:r>
-            <a:r>
-              <a:rPr lang="en-US" dirty="0" err="1"/>
-              <a:t>Courteney</a:t>
-            </a:r>
-            <a:r>
-              <a:rPr lang="en-US" dirty="0"/>
-              <a:t> Cox, Rose McGowan, Skeet Ulrich, Matthew </a:t>
-            </a:r>
-            <a:r>
-              <a:rPr lang="en-US" dirty="0" err="1"/>
-              <a:t>Lillard</a:t>
-            </a:r>
-            <a:r>
-              <a:rPr lang="en-US" dirty="0"/>
-              <a:t>, Jamie Kennedy, Drew </a:t>
-            </a:r>
-            <a:r>
-              <a:rPr lang="en-US" dirty="0" smtClean="0"/>
-              <a:t>Barrymore</a:t>
-            </a:r>
-            <a:r>
-              <a:rPr lang="en-US" dirty="0"/>
+              <a:rPr lang="en-US" sz="1700" dirty="0" smtClean="0">
+                <a:latin typeface="Calibri" panose="020F0502020204030204" pitchFamily="34" charset="0"/>
+              </a:rPr>
+              <a:t>, </a:t>
+            </a:r>
+            <a:r>
+              <a:rPr lang="en-US" sz="1700" dirty="0">
+                <a:latin typeface="Calibri" panose="020F0502020204030204" pitchFamily="34" charset="0"/>
+              </a:rPr>
               <a:t>"</a:t>
             </a:r>
             <a:r>
-              <a:rPr lang="en-US" dirty="0" smtClean="0"/>
-              <a:t>]}</a:t>
+              <a:rPr lang="en-US" sz="1700" dirty="0" smtClean="0">
+                <a:latin typeface="Calibri" panose="020F0502020204030204" pitchFamily="34" charset="0"/>
+              </a:rPr>
+              <a:t>Adrienne King</a:t>
+            </a:r>
+            <a:r>
+              <a:rPr lang="en-US" sz="1700" dirty="0">
+                <a:latin typeface="Calibri" panose="020F0502020204030204" pitchFamily="34" charset="0"/>
+              </a:rPr>
+              <a:t>"</a:t>
+            </a:r>
+            <a:r>
+              <a:rPr lang="en-US" sz="1700" dirty="0" smtClean="0">
+                <a:latin typeface="Calibri" panose="020F0502020204030204" pitchFamily="34" charset="0"/>
+              </a:rPr>
+              <a:t>, </a:t>
+            </a:r>
+            <a:r>
+              <a:rPr lang="en-US" sz="1700" dirty="0">
+                <a:latin typeface="Calibri" panose="020F0502020204030204" pitchFamily="34" charset="0"/>
+              </a:rPr>
+              <a:t>"</a:t>
+            </a:r>
+            <a:r>
+              <a:rPr lang="en-US" sz="1700" dirty="0" smtClean="0">
+                <a:latin typeface="Calibri" panose="020F0502020204030204" pitchFamily="34" charset="0"/>
+              </a:rPr>
+              <a:t>Kevin Bacon</a:t>
+            </a:r>
+            <a:r>
+              <a:rPr lang="en-US" sz="1700" dirty="0">
+                <a:latin typeface="Calibri" panose="020F0502020204030204" pitchFamily="34" charset="0"/>
+              </a:rPr>
+              <a:t>"</a:t>
+            </a:r>
+            <a:r>
+              <a:rPr lang="en-US" sz="1700" dirty="0" smtClean="0">
+                <a:latin typeface="Calibri" panose="020F0502020204030204" pitchFamily="34" charset="0"/>
+              </a:rPr>
+              <a:t>],"</a:t>
+            </a:r>
+            <a:r>
+              <a:rPr lang="en-US" sz="1700" dirty="0" err="1">
+                <a:latin typeface="Calibri" panose="020F0502020204030204" pitchFamily="34" charset="0"/>
+              </a:rPr>
+              <a:t>Genre":"Horror</a:t>
+            </a:r>
+            <a:r>
+              <a:rPr lang="en-US" sz="1700" dirty="0" smtClean="0">
+                <a:latin typeface="Calibri" panose="020F0502020204030204" pitchFamily="34" charset="0"/>
+              </a:rPr>
+              <a:t>"}</a:t>
+            </a:r>
+            <a:endParaRPr lang="en-US" sz="1700" dirty="0" smtClean="0">
+              <a:latin typeface="Calibri" panose="020F0502020204030204" pitchFamily="34" charset="0"/>
+            </a:endParaRPr>
+          </a:p>
+          <a:p>
+            <a:pPr marL="0" indent="0">
+              <a:buNone/>
+            </a:pPr>
+            <a:endParaRPr lang="en-US" sz="1400" dirty="0"/>
+          </a:p>
+          <a:p>
+            <a:pPr marL="0" indent="0">
+              <a:buNone/>
+            </a:pPr>
+            <a:r>
+              <a:rPr lang="en-US" sz="1400" dirty="0" smtClean="0"/>
+              <a:t>Photo taken </a:t>
+            </a:r>
+            <a:r>
+              <a:rPr lang="en-US" sz="1400" dirty="0"/>
+              <a:t>at Museum of Pop Culture – Seattle, WA</a:t>
             </a:r>
           </a:p>
           <a:p>
@@ -6738,6 +7040,36 @@
           </a:p>
         </p:txBody>
       </p:sp>
+      <p:pic>
+        <p:nvPicPr>
+          <p:cNvPr id="2" name="Picture 1"/>
+          <p:cNvPicPr>
+            <a:picLocks noChangeAspect="1"/>
+          </p:cNvPicPr>
+          <p:nvPr/>
+        </p:nvPicPr>
+        <p:blipFill>
+          <a:blip r:embed="rId2" cstate="print">
+            <a:extLst>
+              <a:ext uri="{28A0092B-C50C-407E-A947-70E740481C1C}">
+                <a14:useLocalDpi xmlns:a14="http://schemas.microsoft.com/office/drawing/2010/main" val="0"/>
+              </a:ext>
+            </a:extLst>
+          </a:blip>
+          <a:stretch>
+            <a:fillRect/>
+          </a:stretch>
+        </p:blipFill>
+        <p:spPr>
+          <a:xfrm rot="5400000">
+            <a:off x="9318863" y="1981200"/>
+            <a:ext cx="2235200" cy="1676400"/>
+          </a:xfrm>
+          <a:prstGeom prst="rect">
+            <a:avLst/>
+          </a:prstGeom>
+        </p:spPr>
+      </p:pic>
     </p:spTree>
     <p:extLst>
       <p:ext uri="{BB962C8B-B14F-4D97-AF65-F5344CB8AC3E}">
@@ -6797,11 +7129,7 @@
           <a:p>
             <a:r>
               <a:rPr lang="en-US" dirty="0" smtClean="0"/>
-              <a:t>Movies </a:t>
-            </a:r>
-            <a:r>
-              <a:rPr lang="en-US" dirty="0" smtClean="0"/>
-              <a:t>JSON Data Set</a:t>
+              <a:t>Movies JSON Data Set</a:t>
             </a:r>
             <a:endParaRPr lang="en-US" dirty="0"/>
           </a:p>
@@ -6916,24 +7244,15 @@
           <a:p>
             <a:r>
               <a:rPr lang="en-US" dirty="0" smtClean="0"/>
-              <a:t>Automate Data In to SQL </a:t>
-            </a:r>
+              <a:t>Automate Data In to SQL Server From NoSQL Sources</a:t>
+            </a:r>
+            <a:endParaRPr lang="en-US" dirty="0"/>
+          </a:p>
+          <a:p>
             <a:r>
               <a:rPr lang="en-US" dirty="0" smtClean="0"/>
-              <a:t>Server From NoSQL Sources</a:t>
-            </a:r>
-            <a:endParaRPr lang="en-US" dirty="0"/>
-          </a:p>
-          <a:p>
-            <a:r>
-              <a:rPr lang="en-US" dirty="0" smtClean="0"/>
-              <a:t>Automate Data Out From SQL </a:t>
-            </a:r>
-            <a:r>
-              <a:rPr lang="en-US" dirty="0" smtClean="0"/>
-              <a:t>Server from NoSQL Sources</a:t>
-            </a:r>
-            <a:endParaRPr lang="en-US" dirty="0" smtClean="0"/>
+              <a:t>Automate Data Out From SQL Server from NoSQL Sources</a:t>
+            </a:r>
           </a:p>
           <a:p>
             <a:r>
@@ -6947,7 +7266,6 @@
               <a:rPr lang="en-US" dirty="0" smtClean="0"/>
               <a:t>Represents Nested Relationships Flexibly</a:t>
             </a:r>
-            <a:endParaRPr lang="en-US" dirty="0" smtClean="0"/>
           </a:p>
           <a:p>
             <a:r>
@@ -6972,7 +7290,32 @@
             <a:pPr marL="0" indent="0">
               <a:buNone/>
             </a:pPr>
-            <a:endParaRPr lang="en-US" dirty="0" smtClean="0"/>
+            <a:endParaRPr lang="en-US" dirty="0"/>
+          </a:p>
+          <a:p>
+            <a:pPr marL="0" indent="0">
+              <a:buNone/>
+            </a:pPr>
+            <a:endParaRPr lang="en-US" sz="1400" dirty="0" smtClean="0"/>
+          </a:p>
+          <a:p>
+            <a:pPr marL="0" indent="0">
+              <a:buNone/>
+            </a:pPr>
+            <a:r>
+              <a:rPr lang="en-US" sz="1400" dirty="0" smtClean="0"/>
+              <a:t>Photo taken </a:t>
+            </a:r>
+            <a:r>
+              <a:rPr lang="en-US" sz="1400" dirty="0"/>
+              <a:t>at Museum of Pop Culture – Seattle, WA</a:t>
+            </a:r>
+          </a:p>
+          <a:p>
+            <a:pPr marL="0" indent="0">
+              <a:buNone/>
+            </a:pPr>
+            <a:endParaRPr lang="en-US" sz="1400" dirty="0" smtClean="0"/>
           </a:p>
           <a:p>
             <a:endParaRPr lang="en-US" dirty="0" smtClean="0"/>
@@ -6988,6 +7331,36 @@
           </a:p>
         </p:txBody>
       </p:sp>
+      <p:pic>
+        <p:nvPicPr>
+          <p:cNvPr id="3" name="Picture 2"/>
+          <p:cNvPicPr>
+            <a:picLocks noChangeAspect="1"/>
+          </p:cNvPicPr>
+          <p:nvPr/>
+        </p:nvPicPr>
+        <p:blipFill>
+          <a:blip r:embed="rId2" cstate="print">
+            <a:extLst>
+              <a:ext uri="{28A0092B-C50C-407E-A947-70E740481C1C}">
+                <a14:useLocalDpi xmlns:a14="http://schemas.microsoft.com/office/drawing/2010/main" val="0"/>
+              </a:ext>
+            </a:extLst>
+          </a:blip>
+          <a:stretch>
+            <a:fillRect/>
+          </a:stretch>
+        </p:blipFill>
+        <p:spPr>
+          <a:xfrm>
+            <a:off x="9215914" y="4628138"/>
+            <a:ext cx="2058749" cy="1544062"/>
+          </a:xfrm>
+          <a:prstGeom prst="rect">
+            <a:avLst/>
+          </a:prstGeom>
+        </p:spPr>
+      </p:pic>
     </p:spTree>
     <p:extLst>
       <p:ext uri="{BB962C8B-B14F-4D97-AF65-F5344CB8AC3E}">
@@ -7094,8 +7467,8 @@
         </p:nvSpPr>
         <p:spPr>
           <a:xfrm>
-            <a:off x="836612" y="5998892"/>
-            <a:ext cx="8973514" cy="830997"/>
+            <a:off x="836611" y="5998892"/>
+            <a:ext cx="10047217" cy="307777"/>
           </a:xfrm>
           <a:prstGeom prst="rect">
             <a:avLst/>
@@ -7108,10 +7481,10 @@
           <a:lstStyle/>
           <a:p>
             <a:r>
-              <a:rPr lang="en-US" dirty="0" smtClean="0"/>
+              <a:rPr lang="en-US" sz="1400" dirty="0" smtClean="0"/>
               <a:t>Source: https://docs.microsoft.com/en-us/sql/relational-databases/json/json-data-sql-server?view=sql-server-2017</a:t>
             </a:r>
-            <a:endParaRPr lang="en-US" dirty="0"/>
+            <a:endParaRPr lang="en-US" sz="1400" dirty="0"/>
           </a:p>
         </p:txBody>
       </p:sp>
@@ -7186,25 +7559,30 @@
             <a:spLocks noGrp="1"/>
           </p:cNvSpPr>
           <p:nvPr>
-            <p:ph idx="1"/>
+            <p:ph sz="half" idx="1"/>
           </p:nvPr>
         </p:nvSpPr>
         <p:spPr/>
         <p:txBody>
           <a:bodyPr>
-            <a:normAutofit fontScale="92500" lnSpcReduction="10000"/>
+            <a:normAutofit lnSpcReduction="10000"/>
           </a:bodyPr>
           <a:lstStyle/>
           <a:p>
             <a:r>
               <a:rPr lang="en-US" dirty="0" smtClean="0"/>
-              <a:t>Facilitating Data In</a:t>
-            </a:r>
+              <a:t>Facilitating Data </a:t>
+            </a:r>
+            <a:r>
+              <a:rPr lang="en-US" dirty="0" smtClean="0"/>
+              <a:t>In</a:t>
+            </a:r>
+            <a:endParaRPr lang="en-US" dirty="0" smtClean="0"/>
           </a:p>
           <a:p>
             <a:pPr lvl="1"/>
             <a:r>
-              <a:rPr lang="en-US" dirty="0"/>
+              <a:rPr lang="en-US" dirty="0" smtClean="0"/>
               <a:t>ISJSON</a:t>
             </a:r>
           </a:p>
@@ -7223,6 +7601,75 @@
             </a:r>
           </a:p>
           <a:p>
+            <a:pPr lvl="1"/>
+            <a:endParaRPr lang="en-US" dirty="0" smtClean="0"/>
+          </a:p>
+          <a:p>
+            <a:pPr marL="0" indent="0">
+              <a:buNone/>
+            </a:pPr>
+            <a:r>
+              <a:rPr lang="en-US" dirty="0" smtClean="0"/>
+              <a:t>Note: No JSON-specific column data type. Use </a:t>
+            </a:r>
+            <a:r>
+              <a:rPr lang="en-US" dirty="0" err="1" smtClean="0"/>
+              <a:t>nvarchar</a:t>
+            </a:r>
+            <a:r>
+              <a:rPr lang="en-US" dirty="0" smtClean="0"/>
+              <a:t>(max)</a:t>
+            </a:r>
+            <a:endParaRPr lang="en-US" dirty="0" smtClean="0"/>
+          </a:p>
+          <a:p>
+            <a:endParaRPr lang="en-US" dirty="0" smtClean="0"/>
+          </a:p>
+          <a:p>
+            <a:endParaRPr lang="en-US" dirty="0" smtClean="0"/>
+          </a:p>
+          <a:p>
+            <a:pPr marL="0" indent="0">
+              <a:buNone/>
+            </a:pPr>
+            <a:r>
+              <a:rPr lang="en-US" sz="1400" dirty="0"/>
+              <a:t>Photo </a:t>
+            </a:r>
+            <a:r>
+              <a:rPr lang="en-US" sz="1400" dirty="0" smtClean="0"/>
+              <a:t>taken </a:t>
+            </a:r>
+            <a:r>
+              <a:rPr lang="en-US" sz="1400" dirty="0"/>
+              <a:t>at Museum of Pop Culture – Seattle, WA</a:t>
+            </a:r>
+          </a:p>
+          <a:p>
+            <a:pPr marL="0" indent="0">
+              <a:buNone/>
+            </a:pPr>
+            <a:endParaRPr lang="en-US" sz="1400" dirty="0"/>
+          </a:p>
+        </p:txBody>
+      </p:sp>
+      <p:sp>
+        <p:nvSpPr>
+          <p:cNvPr id="2" name="Content Placeholder 1"/>
+          <p:cNvSpPr>
+            <a:spLocks noGrp="1"/>
+          </p:cNvSpPr>
+          <p:nvPr>
+            <p:ph sz="half" idx="2"/>
+          </p:nvPr>
+        </p:nvSpPr>
+        <p:spPr/>
+        <p:txBody>
+          <a:bodyPr>
+            <a:normAutofit lnSpcReduction="10000"/>
+          </a:bodyPr>
+          <a:lstStyle/>
+          <a:p>
             <a:r>
               <a:rPr lang="en-US" dirty="0"/>
               <a:t>Facilitating Data Out</a:t>
@@ -7271,25 +7718,40 @@
             </a:r>
           </a:p>
           <a:p>
-            <a:pPr marL="0" indent="0">
-              <a:buNone/>
-            </a:pPr>
-            <a:endParaRPr lang="en-US" dirty="0" smtClean="0"/>
-          </a:p>
-          <a:p>
-            <a:endParaRPr lang="en-US" dirty="0" smtClean="0"/>
-          </a:p>
-          <a:p>
-            <a:endParaRPr lang="en-US" dirty="0" smtClean="0"/>
-          </a:p>
-          <a:p>
-            <a:pPr marL="0" indent="0">
-              <a:buNone/>
-            </a:pPr>
-            <a:endParaRPr lang="en-US" sz="1400" dirty="0"/>
-          </a:p>
-        </p:txBody>
-      </p:sp>
+            <a:endParaRPr lang="en-US" dirty="0"/>
+          </a:p>
+        </p:txBody>
+      </p:sp>
+      <p:pic>
+        <p:nvPicPr>
+          <p:cNvPr id="3" name="Picture 2"/>
+          <p:cNvPicPr>
+            <a:picLocks noChangeAspect="1"/>
+          </p:cNvPicPr>
+          <p:nvPr/>
+        </p:nvPicPr>
+        <p:blipFill>
+          <a:blip r:embed="rId2" cstate="print">
+            <a:extLst>
+              <a:ext uri="{28A0092B-C50C-407E-A947-70E740481C1C}">
+                <a14:useLocalDpi xmlns:a14="http://schemas.microsoft.com/office/drawing/2010/main" val="0"/>
+              </a:ext>
+            </a:extLst>
+          </a:blip>
+          <a:stretch>
+            <a:fillRect/>
+          </a:stretch>
+        </p:blipFill>
+        <p:spPr>
+          <a:xfrm rot="5400000">
+            <a:off x="9407763" y="4305300"/>
+            <a:ext cx="2133600" cy="1600200"/>
+          </a:xfrm>
+          <a:prstGeom prst="rect">
+            <a:avLst/>
+          </a:prstGeom>
+        </p:spPr>
+      </p:pic>
     </p:spTree>
     <p:extLst>
       <p:ext uri="{BB962C8B-B14F-4D97-AF65-F5344CB8AC3E}">
@@ -8125,6 +8587,15 @@
 </file>
 
 <file path=customXml/item1.xml><?xml version="1.0" encoding="utf-8"?>
+<?mso-contentType ?>
+<FormTemplates xmlns="http://schemas.microsoft.com/sharepoint/v3/contenttype/forms">
+  <Display>DocumentLibraryForm</Display>
+  <Edit>AssetEditForm</Edit>
+  <New>DocumentLibraryForm</New>
+</FormTemplates>
+</file>
+
+<file path=customXml/item2.xml><?xml version="1.0" encoding="utf-8"?>
 <ct:contentTypeSchema xmlns:ct="http://schemas.microsoft.com/office/2006/metadata/contentType" xmlns:ma="http://schemas.microsoft.com/office/2006/metadata/properties/metaAttributes" ct:_="" ma:_="" ma:contentTypeName="TemplateFile" ma:contentTypeID="0x0101006EDDDB5EE6D98C44930B742096920B300400F5B6D36B3EF94B4E9A635CDF2A18F5B8" ma:contentTypeVersion="72" ma:contentTypeDescription="Create a new document." ma:contentTypeScope="" ma:versionID="a23e56308344d904b51738559c3d67c9">
   <xsd:schema xmlns:xsd="http://www.w3.org/2001/XMLSchema" xmlns:xs="http://www.w3.org/2001/XMLSchema" xmlns:p="http://schemas.microsoft.com/office/2006/metadata/properties" xmlns:ns2="4873beb7-5857-4685-be1f-d57550cc96cc" targetNamespace="http://schemas.microsoft.com/office/2006/metadata/properties" ma:root="true" ma:fieldsID="cd0908cc4600e77bf5da051303e00c8d" ns2:_="">
     <xsd:import namespace="4873beb7-5857-4685-be1f-d57550cc96cc"/>
@@ -9162,15 +9633,6 @@
     <xs:element name="TermId" type="xs:string"/>
   </xs:schema>
 </ct:contentTypeSchema>
-</file>
-
-<file path=customXml/item2.xml><?xml version="1.0" encoding="utf-8"?>
-<?mso-contentType ?>
-<FormTemplates xmlns="http://schemas.microsoft.com/sharepoint/v3/contenttype/forms">
-  <Display>DocumentLibraryForm</Display>
-  <Edit>AssetEditForm</Edit>
-  <New>DocumentLibraryForm</New>
-</FormTemplates>
 </file>
 
 <file path=customXml/item3.xml><?xml version="1.0" encoding="utf-8"?>
@@ -9310,6 +9772,14 @@
 </file>
 
 <file path=customXml/itemProps1.xml><?xml version="1.0" encoding="utf-8"?>
+<ds:datastoreItem xmlns:ds="http://schemas.openxmlformats.org/officeDocument/2006/customXml" ds:itemID="{E1B558C7-619B-49BE-9097-7FCBDADD4ECE}">
+  <ds:schemaRefs>
+    <ds:schemaRef ds:uri="http://schemas.microsoft.com/sharepoint/v3/contenttype/forms"/>
+  </ds:schemaRefs>
+</ds:datastoreItem>
+</file>
+
+<file path=customXml/itemProps2.xml><?xml version="1.0" encoding="utf-8"?>
 <ds:datastoreItem xmlns:ds="http://schemas.openxmlformats.org/officeDocument/2006/customXml" ds:itemID="{BBB5C329-08A6-4E5E-AEF1-A97828C87411}">
   <ds:schemaRefs>
     <ds:schemaRef ds:uri="http://schemas.microsoft.com/office/2006/metadata/contentType"/>
@@ -9327,25 +9797,17 @@
 </ds:datastoreItem>
 </file>
 
-<file path=customXml/itemProps2.xml><?xml version="1.0" encoding="utf-8"?>
-<ds:datastoreItem xmlns:ds="http://schemas.openxmlformats.org/officeDocument/2006/customXml" ds:itemID="{E1B558C7-619B-49BE-9097-7FCBDADD4ECE}">
-  <ds:schemaRefs>
-    <ds:schemaRef ds:uri="http://schemas.microsoft.com/sharepoint/v3/contenttype/forms"/>
-  </ds:schemaRefs>
-</ds:datastoreItem>
-</file>
-
 <file path=customXml/itemProps3.xml><?xml version="1.0" encoding="utf-8"?>
 <ds:datastoreItem xmlns:ds="http://schemas.openxmlformats.org/officeDocument/2006/customXml" ds:itemID="{F301D382-32B0-43EE-932C-28906AF37617}">
   <ds:schemaRefs>
-    <ds:schemaRef ds:uri="http://schemas.openxmlformats.org/package/2006/metadata/core-properties"/>
+    <ds:schemaRef ds:uri="http://purl.org/dc/dcmitype/"/>
+    <ds:schemaRef ds:uri="http://schemas.microsoft.com/office/2006/metadata/properties"/>
     <ds:schemaRef ds:uri="http://purl.org/dc/elements/1.1/"/>
+    <ds:schemaRef ds:uri="http://schemas.microsoft.com/office/2006/documentManagement/types"/>
     <ds:schemaRef ds:uri="http://purl.org/dc/terms/"/>
     <ds:schemaRef ds:uri="4873beb7-5857-4685-be1f-d57550cc96cc"/>
-    <ds:schemaRef ds:uri="http://schemas.microsoft.com/office/2006/documentManagement/types"/>
     <ds:schemaRef ds:uri="http://schemas.microsoft.com/office/infopath/2007/PartnerControls"/>
-    <ds:schemaRef ds:uri="http://purl.org/dc/dcmitype/"/>
-    <ds:schemaRef ds:uri="http://schemas.microsoft.com/office/2006/metadata/properties"/>
+    <ds:schemaRef ds:uri="http://schemas.openxmlformats.org/package/2006/metadata/core-properties"/>
     <ds:schemaRef ds:uri="http://www.w3.org/XML/1998/namespace"/>
   </ds:schemaRefs>
 </ds:datastoreItem>

--- a/SQL Server and JSON.pptx
+++ b/SQL Server and JSON.pptx
@@ -5,28 +5,29 @@
     <p:sldMasterId id="2147483660" r:id="rId4"/>
   </p:sldMasterIdLst>
   <p:notesMasterIdLst>
-    <p:notesMasterId r:id="rId21"/>
+    <p:notesMasterId r:id="rId22"/>
   </p:notesMasterIdLst>
   <p:handoutMasterIdLst>
-    <p:handoutMasterId r:id="rId22"/>
+    <p:handoutMasterId r:id="rId23"/>
   </p:handoutMasterIdLst>
   <p:sldIdLst>
     <p:sldId id="264" r:id="rId5"/>
-    <p:sldId id="288" r:id="rId6"/>
-    <p:sldId id="276" r:id="rId7"/>
-    <p:sldId id="282" r:id="rId8"/>
-    <p:sldId id="284" r:id="rId9"/>
-    <p:sldId id="292" r:id="rId10"/>
-    <p:sldId id="283" r:id="rId11"/>
-    <p:sldId id="269" r:id="rId12"/>
-    <p:sldId id="287" r:id="rId13"/>
-    <p:sldId id="293" r:id="rId14"/>
-    <p:sldId id="296" r:id="rId15"/>
-    <p:sldId id="294" r:id="rId16"/>
-    <p:sldId id="297" r:id="rId17"/>
-    <p:sldId id="291" r:id="rId18"/>
-    <p:sldId id="286" r:id="rId19"/>
-    <p:sldId id="298" r:id="rId20"/>
+    <p:sldId id="299" r:id="rId6"/>
+    <p:sldId id="288" r:id="rId7"/>
+    <p:sldId id="276" r:id="rId8"/>
+    <p:sldId id="282" r:id="rId9"/>
+    <p:sldId id="284" r:id="rId10"/>
+    <p:sldId id="292" r:id="rId11"/>
+    <p:sldId id="283" r:id="rId12"/>
+    <p:sldId id="269" r:id="rId13"/>
+    <p:sldId id="287" r:id="rId14"/>
+    <p:sldId id="293" r:id="rId15"/>
+    <p:sldId id="296" r:id="rId16"/>
+    <p:sldId id="294" r:id="rId17"/>
+    <p:sldId id="297" r:id="rId18"/>
+    <p:sldId id="291" r:id="rId19"/>
+    <p:sldId id="286" r:id="rId20"/>
+    <p:sldId id="298" r:id="rId21"/>
   </p:sldIdLst>
   <p:sldSz cx="12188825" cy="6858000"/>
   <p:notesSz cx="6858000" cy="9144000"/>
@@ -248,7 +249,7 @@
                   <a:schemeClr val="tx2"/>
                 </a:solidFill>
               </a:rPr>
-              <a:t>11/15/2018</a:t>
+              <a:t>11/16/2018</a:t>
             </a:fld>
             <a:endParaRPr>
               <a:solidFill>
@@ -438,7 +439,7 @@
             <a:fld id="{F95CF31C-F757-429C-A789-86504F04C3BE}" type="datetimeFigureOut">
               <a:rPr lang="en-US"/>
               <a:pPr/>
-              <a:t>11/15/2018</a:t>
+              <a:t>11/16/2018</a:t>
             </a:fld>
             <a:endParaRPr/>
           </a:p>
@@ -502,35 +503,30 @@
           <a:p>
             <a:pPr lvl="0"/>
             <a:r>
-              <a:rPr/>
               <a:t>Click to edit Master text styles</a:t>
             </a:r>
           </a:p>
           <a:p>
             <a:pPr lvl="1"/>
             <a:r>
-              <a:rPr/>
               <a:t>Second level</a:t>
             </a:r>
           </a:p>
           <a:p>
             <a:pPr lvl="2"/>
             <a:r>
-              <a:rPr/>
               <a:t>Third level</a:t>
             </a:r>
           </a:p>
           <a:p>
             <a:pPr lvl="3"/>
             <a:r>
-              <a:rPr/>
               <a:t>Fourth level</a:t>
             </a:r>
           </a:p>
           <a:p>
             <a:pPr lvl="4"/>
             <a:r>
-              <a:rPr/>
               <a:t>Fifth level</a:t>
             </a:r>
           </a:p>
@@ -775,7 +771,7 @@
           </a:lstStyle>
           <a:p>
             <a:r>
-              <a:rPr lang="en-US" smtClean="0"/>
+              <a:rPr lang="en-US"/>
               <a:t>Click to edit Master title style</a:t>
             </a:r>
             <a:endParaRPr/>
@@ -897,7 +893,7 @@
           </a:lstStyle>
           <a:p>
             <a:r>
-              <a:rPr lang="en-US" smtClean="0"/>
+              <a:rPr lang="en-US"/>
               <a:t>Click to edit Master subtitle style</a:t>
             </a:r>
             <a:endParaRPr/>
@@ -962,7 +958,7 @@
           <a:lstStyle/>
           <a:p>
             <a:r>
-              <a:rPr lang="en-US" smtClean="0"/>
+              <a:rPr lang="en-US"/>
               <a:t>Click to edit Master title style</a:t>
             </a:r>
             <a:endParaRPr/>
@@ -986,35 +982,35 @@
           <a:p>
             <a:pPr lvl="0"/>
             <a:r>
-              <a:rPr lang="en-US" smtClean="0"/>
+              <a:rPr lang="en-US"/>
               <a:t>Edit Master text styles</a:t>
             </a:r>
           </a:p>
           <a:p>
             <a:pPr lvl="1"/>
             <a:r>
-              <a:rPr lang="en-US" smtClean="0"/>
+              <a:rPr lang="en-US"/>
               <a:t>Second level</a:t>
             </a:r>
           </a:p>
           <a:p>
             <a:pPr lvl="2"/>
             <a:r>
-              <a:rPr lang="en-US" smtClean="0"/>
+              <a:rPr lang="en-US"/>
               <a:t>Third level</a:t>
             </a:r>
           </a:p>
           <a:p>
             <a:pPr lvl="3"/>
             <a:r>
-              <a:rPr lang="en-US" smtClean="0"/>
+              <a:rPr lang="en-US"/>
               <a:t>Fourth level</a:t>
             </a:r>
           </a:p>
           <a:p>
             <a:pPr lvl="4"/>
             <a:r>
-              <a:rPr lang="en-US" smtClean="0"/>
+              <a:rPr lang="en-US"/>
               <a:t>Fifth level</a:t>
             </a:r>
             <a:endParaRPr/>
@@ -1038,7 +1034,7 @@
           <a:p>
             <a:fld id="{7AECB6C2-1084-4AED-A74A-DF028B0094EA}" type="datetimeFigureOut">
               <a:rPr lang="en-US"/>
-              <a:t>11/15/2018</a:t>
+              <a:t>11/16/2018</a:t>
             </a:fld>
             <a:endParaRPr/>
           </a:p>
@@ -1149,7 +1145,7 @@
           <a:lstStyle/>
           <a:p>
             <a:r>
-              <a:rPr lang="en-US" smtClean="0"/>
+              <a:rPr lang="en-US"/>
               <a:t>Click to edit Master title style</a:t>
             </a:r>
             <a:endParaRPr/>
@@ -1178,35 +1174,35 @@
           <a:p>
             <a:pPr lvl="0"/>
             <a:r>
-              <a:rPr lang="en-US" smtClean="0"/>
+              <a:rPr lang="en-US"/>
               <a:t>Edit Master text styles</a:t>
             </a:r>
           </a:p>
           <a:p>
             <a:pPr lvl="1"/>
             <a:r>
-              <a:rPr lang="en-US" smtClean="0"/>
+              <a:rPr lang="en-US"/>
               <a:t>Second level</a:t>
             </a:r>
           </a:p>
           <a:p>
             <a:pPr lvl="2"/>
             <a:r>
-              <a:rPr lang="en-US" smtClean="0"/>
+              <a:rPr lang="en-US"/>
               <a:t>Third level</a:t>
             </a:r>
           </a:p>
           <a:p>
             <a:pPr lvl="3"/>
             <a:r>
-              <a:rPr lang="en-US" smtClean="0"/>
+              <a:rPr lang="en-US"/>
               <a:t>Fourth level</a:t>
             </a:r>
           </a:p>
           <a:p>
             <a:pPr lvl="4"/>
             <a:r>
-              <a:rPr lang="en-US" smtClean="0"/>
+              <a:rPr lang="en-US"/>
               <a:t>Fifth level</a:t>
             </a:r>
             <a:endParaRPr/>
@@ -1230,7 +1226,7 @@
           <a:p>
             <a:fld id="{7AECB6C2-1084-4AED-A74A-DF028B0094EA}" type="datetimeFigureOut">
               <a:rPr lang="en-US"/>
-              <a:t>11/15/2018</a:t>
+              <a:t>11/16/2018</a:t>
             </a:fld>
             <a:endParaRPr/>
           </a:p>
@@ -1336,7 +1332,7 @@
           <a:lstStyle/>
           <a:p>
             <a:r>
-              <a:rPr lang="en-US" smtClean="0"/>
+              <a:rPr lang="en-US"/>
               <a:t>Click to edit Master title style</a:t>
             </a:r>
             <a:endParaRPr/>
@@ -1376,35 +1372,35 @@
           <a:p>
             <a:pPr lvl="0"/>
             <a:r>
-              <a:rPr lang="en-US" smtClean="0"/>
+              <a:rPr lang="en-US"/>
               <a:t>Edit Master text styles</a:t>
             </a:r>
           </a:p>
           <a:p>
             <a:pPr lvl="1"/>
             <a:r>
-              <a:rPr lang="en-US" smtClean="0"/>
+              <a:rPr lang="en-US"/>
               <a:t>Second level</a:t>
             </a:r>
           </a:p>
           <a:p>
             <a:pPr lvl="2"/>
             <a:r>
-              <a:rPr lang="en-US" smtClean="0"/>
+              <a:rPr lang="en-US"/>
               <a:t>Third level</a:t>
             </a:r>
           </a:p>
           <a:p>
             <a:pPr lvl="3"/>
             <a:r>
-              <a:rPr lang="en-US" smtClean="0"/>
+              <a:rPr lang="en-US"/>
               <a:t>Fourth level</a:t>
             </a:r>
           </a:p>
           <a:p>
             <a:pPr lvl="4"/>
             <a:r>
-              <a:rPr lang="en-US" smtClean="0"/>
+              <a:rPr lang="en-US"/>
               <a:t>Fifth level</a:t>
             </a:r>
             <a:endParaRPr/>
@@ -1428,7 +1424,7 @@
           <a:p>
             <a:fld id="{8B5A30F4-0B4E-4E4B-BC36-C30CD13F4E17}" type="datetimeFigureOut">
               <a:rPr lang="en-US"/>
-              <a:t>11/15/2018</a:t>
+              <a:t>11/16/2018</a:t>
             </a:fld>
             <a:endParaRPr dirty="0"/>
           </a:p>
@@ -1559,7 +1555,7 @@
           </a:lstStyle>
           <a:p>
             <a:r>
-              <a:rPr lang="en-US" smtClean="0"/>
+              <a:rPr lang="en-US"/>
               <a:t>Click to edit Master title style</a:t>
             </a:r>
             <a:endParaRPr dirty="0"/>
@@ -1682,7 +1678,7 @@
           <a:p>
             <a:pPr lvl="0"/>
             <a:r>
-              <a:rPr lang="en-US" smtClean="0"/>
+              <a:rPr lang="en-US"/>
               <a:t>Edit Master text styles</a:t>
             </a:r>
           </a:p>
@@ -1746,7 +1742,7 @@
           <a:lstStyle/>
           <a:p>
             <a:r>
-              <a:rPr lang="en-US" smtClean="0"/>
+              <a:rPr lang="en-US"/>
               <a:t>Click to edit Master title style</a:t>
             </a:r>
             <a:endParaRPr/>
@@ -1806,35 +1802,35 @@
           <a:p>
             <a:pPr lvl="0"/>
             <a:r>
-              <a:rPr lang="en-US" smtClean="0"/>
+              <a:rPr lang="en-US"/>
               <a:t>Edit Master text styles</a:t>
             </a:r>
           </a:p>
           <a:p>
             <a:pPr lvl="1"/>
             <a:r>
-              <a:rPr lang="en-US" smtClean="0"/>
+              <a:rPr lang="en-US"/>
               <a:t>Second level</a:t>
             </a:r>
           </a:p>
           <a:p>
             <a:pPr lvl="2"/>
             <a:r>
-              <a:rPr lang="en-US" smtClean="0"/>
+              <a:rPr lang="en-US"/>
               <a:t>Third level</a:t>
             </a:r>
           </a:p>
           <a:p>
             <a:pPr lvl="3"/>
             <a:r>
-              <a:rPr lang="en-US" smtClean="0"/>
+              <a:rPr lang="en-US"/>
               <a:t>Fourth level</a:t>
             </a:r>
           </a:p>
           <a:p>
             <a:pPr lvl="4"/>
             <a:r>
-              <a:rPr lang="en-US" smtClean="0"/>
+              <a:rPr lang="en-US"/>
               <a:t>Fifth level</a:t>
             </a:r>
             <a:endParaRPr lang="en-US" dirty="0"/>
@@ -1893,35 +1889,35 @@
           <a:p>
             <a:pPr lvl="0"/>
             <a:r>
-              <a:rPr lang="en-US" smtClean="0"/>
+              <a:rPr lang="en-US"/>
               <a:t>Edit Master text styles</a:t>
             </a:r>
           </a:p>
           <a:p>
             <a:pPr lvl="1"/>
             <a:r>
-              <a:rPr lang="en-US" smtClean="0"/>
+              <a:rPr lang="en-US"/>
               <a:t>Second level</a:t>
             </a:r>
           </a:p>
           <a:p>
             <a:pPr lvl="2"/>
             <a:r>
-              <a:rPr lang="en-US" smtClean="0"/>
+              <a:rPr lang="en-US"/>
               <a:t>Third level</a:t>
             </a:r>
           </a:p>
           <a:p>
             <a:pPr lvl="3"/>
             <a:r>
-              <a:rPr lang="en-US" smtClean="0"/>
+              <a:rPr lang="en-US"/>
               <a:t>Fourth level</a:t>
             </a:r>
           </a:p>
           <a:p>
             <a:pPr lvl="4"/>
             <a:r>
-              <a:rPr lang="en-US" smtClean="0"/>
+              <a:rPr lang="en-US"/>
               <a:t>Fifth level</a:t>
             </a:r>
             <a:endParaRPr/>
@@ -1945,7 +1941,7 @@
           <a:p>
             <a:fld id="{2DD204D1-F9BD-4643-8480-6EA41EB484F1}" type="datetimeFigureOut">
               <a:rPr lang="en-US"/>
-              <a:t>11/15/2018</a:t>
+              <a:t>11/16/2018</a:t>
             </a:fld>
             <a:endParaRPr/>
           </a:p>
@@ -2055,7 +2051,7 @@
           </a:lstStyle>
           <a:p>
             <a:r>
-              <a:rPr lang="en-US" smtClean="0"/>
+              <a:rPr lang="en-US"/>
               <a:t>Click to edit Master title style</a:t>
             </a:r>
             <a:endParaRPr/>
@@ -2126,7 +2122,7 @@
           <a:p>
             <a:pPr lvl="0"/>
             <a:r>
-              <a:rPr lang="en-US" smtClean="0"/>
+              <a:rPr lang="en-US"/>
               <a:t>Edit Master text styles</a:t>
             </a:r>
           </a:p>
@@ -2184,35 +2180,35 @@
           <a:p>
             <a:pPr lvl="0"/>
             <a:r>
-              <a:rPr lang="en-US" smtClean="0"/>
+              <a:rPr lang="en-US"/>
               <a:t>Edit Master text styles</a:t>
             </a:r>
           </a:p>
           <a:p>
             <a:pPr lvl="1"/>
             <a:r>
-              <a:rPr lang="en-US" smtClean="0"/>
+              <a:rPr lang="en-US"/>
               <a:t>Second level</a:t>
             </a:r>
           </a:p>
           <a:p>
             <a:pPr lvl="2"/>
             <a:r>
-              <a:rPr lang="en-US" smtClean="0"/>
+              <a:rPr lang="en-US"/>
               <a:t>Third level</a:t>
             </a:r>
           </a:p>
           <a:p>
             <a:pPr lvl="3"/>
             <a:r>
-              <a:rPr lang="en-US" smtClean="0"/>
+              <a:rPr lang="en-US"/>
               <a:t>Fourth level</a:t>
             </a:r>
           </a:p>
           <a:p>
             <a:pPr lvl="4"/>
             <a:r>
-              <a:rPr lang="en-US" smtClean="0"/>
+              <a:rPr lang="en-US"/>
               <a:t>Fifth level</a:t>
             </a:r>
             <a:endParaRPr/>
@@ -2283,7 +2279,7 @@
           <a:p>
             <a:pPr lvl="0"/>
             <a:r>
-              <a:rPr lang="en-US" smtClean="0"/>
+              <a:rPr lang="en-US"/>
               <a:t>Edit Master text styles</a:t>
             </a:r>
           </a:p>
@@ -2341,35 +2337,35 @@
           <a:p>
             <a:pPr lvl="0"/>
             <a:r>
-              <a:rPr lang="en-US" smtClean="0"/>
+              <a:rPr lang="en-US"/>
               <a:t>Edit Master text styles</a:t>
             </a:r>
           </a:p>
           <a:p>
             <a:pPr lvl="1"/>
             <a:r>
-              <a:rPr lang="en-US" smtClean="0"/>
+              <a:rPr lang="en-US"/>
               <a:t>Second level</a:t>
             </a:r>
           </a:p>
           <a:p>
             <a:pPr lvl="2"/>
             <a:r>
-              <a:rPr lang="en-US" smtClean="0"/>
+              <a:rPr lang="en-US"/>
               <a:t>Third level</a:t>
             </a:r>
           </a:p>
           <a:p>
             <a:pPr lvl="3"/>
             <a:r>
-              <a:rPr lang="en-US" smtClean="0"/>
+              <a:rPr lang="en-US"/>
               <a:t>Fourth level</a:t>
             </a:r>
           </a:p>
           <a:p>
             <a:pPr lvl="4"/>
             <a:r>
-              <a:rPr lang="en-US" smtClean="0"/>
+              <a:rPr lang="en-US"/>
               <a:t>Fifth level</a:t>
             </a:r>
             <a:endParaRPr/>
@@ -2393,7 +2389,7 @@
           <a:p>
             <a:fld id="{2DD204D1-F9BD-4643-8480-6EA41EB484F1}" type="datetimeFigureOut">
               <a:rPr lang="en-US"/>
-              <a:t>11/15/2018</a:t>
+              <a:t>11/16/2018</a:t>
             </a:fld>
             <a:endParaRPr/>
           </a:p>
@@ -2499,7 +2495,7 @@
           <a:lstStyle/>
           <a:p>
             <a:r>
-              <a:rPr lang="en-US" smtClean="0"/>
+              <a:rPr lang="en-US"/>
               <a:t>Click to edit Master title style</a:t>
             </a:r>
             <a:endParaRPr/>
@@ -2523,7 +2519,7 @@
           <a:p>
             <a:fld id="{2DD204D1-F9BD-4643-8480-6EA41EB484F1}" type="datetimeFigureOut">
               <a:rPr lang="en-US"/>
-              <a:t>11/15/2018</a:t>
+              <a:t>11/16/2018</a:t>
             </a:fld>
             <a:endParaRPr/>
           </a:p>
@@ -2630,7 +2626,7 @@
           <a:p>
             <a:fld id="{2DD204D1-F9BD-4643-8480-6EA41EB484F1}" type="datetimeFigureOut">
               <a:rPr lang="en-US"/>
-              <a:t>11/15/2018</a:t>
+              <a:t>11/16/2018</a:t>
             </a:fld>
             <a:endParaRPr/>
           </a:p>
@@ -2806,7 +2802,7 @@
           </a:lstStyle>
           <a:p>
             <a:r>
-              <a:rPr lang="en-US" smtClean="0"/>
+              <a:rPr lang="en-US"/>
               <a:t>Click to edit Master title style</a:t>
             </a:r>
             <a:endParaRPr/>
@@ -2877,7 +2873,7 @@
           <a:p>
             <a:pPr lvl="0"/>
             <a:r>
-              <a:rPr lang="en-US" smtClean="0"/>
+              <a:rPr lang="en-US"/>
               <a:t>Edit Master text styles</a:t>
             </a:r>
           </a:p>
@@ -2935,35 +2931,35 @@
           <a:p>
             <a:pPr lvl="0"/>
             <a:r>
-              <a:rPr lang="en-US" smtClean="0"/>
+              <a:rPr lang="en-US"/>
               <a:t>Edit Master text styles</a:t>
             </a:r>
           </a:p>
           <a:p>
             <a:pPr lvl="1"/>
             <a:r>
-              <a:rPr lang="en-US" smtClean="0"/>
+              <a:rPr lang="en-US"/>
               <a:t>Second level</a:t>
             </a:r>
           </a:p>
           <a:p>
             <a:pPr lvl="2"/>
             <a:r>
-              <a:rPr lang="en-US" smtClean="0"/>
+              <a:rPr lang="en-US"/>
               <a:t>Third level</a:t>
             </a:r>
           </a:p>
           <a:p>
             <a:pPr lvl="3"/>
             <a:r>
-              <a:rPr lang="en-US" smtClean="0"/>
+              <a:rPr lang="en-US"/>
               <a:t>Fourth level</a:t>
             </a:r>
           </a:p>
           <a:p>
             <a:pPr lvl="4"/>
             <a:r>
-              <a:rPr lang="en-US" smtClean="0"/>
+              <a:rPr lang="en-US"/>
               <a:t>Fifth level</a:t>
             </a:r>
             <a:endParaRPr/>
@@ -2987,7 +2983,7 @@
           <a:p>
             <a:fld id="{126BF754-515F-40B9-8D24-D54D5825B3D0}" type="datetimeFigureOut">
               <a:rPr lang="en-US"/>
-              <a:t>11/15/2018</a:t>
+              <a:t>11/16/2018</a:t>
             </a:fld>
             <a:endParaRPr/>
           </a:p>
@@ -3163,7 +3159,7 @@
           </a:lstStyle>
           <a:p>
             <a:r>
-              <a:rPr lang="en-US" smtClean="0"/>
+              <a:rPr lang="en-US"/>
               <a:t>Click to edit Master title style</a:t>
             </a:r>
             <a:endParaRPr/>
@@ -3230,7 +3226,7 @@
           </a:lstStyle>
           <a:p>
             <a:r>
-              <a:rPr lang="en-US" smtClean="0"/>
+              <a:rPr lang="en-US"/>
               <a:t>Click icon to add picture</a:t>
             </a:r>
             <a:endParaRPr/>
@@ -3301,7 +3297,7 @@
           <a:p>
             <a:pPr lvl="0"/>
             <a:r>
-              <a:rPr lang="en-US" smtClean="0"/>
+              <a:rPr lang="en-US"/>
               <a:t>Edit Master text styles</a:t>
             </a:r>
           </a:p>
@@ -3324,7 +3320,7 @@
           <a:p>
             <a:fld id="{126BF754-515F-40B9-8D24-D54D5825B3D0}" type="datetimeFigureOut">
               <a:rPr lang="en-US"/>
-              <a:t>11/15/2018</a:t>
+              <a:t>11/16/2018</a:t>
             </a:fld>
             <a:endParaRPr/>
           </a:p>
@@ -3513,7 +3509,7 @@
           <a:lstStyle/>
           <a:p>
             <a:r>
-              <a:rPr lang="en-US" smtClean="0"/>
+              <a:rPr lang="en-US"/>
               <a:t>Click to edit Master title style</a:t>
             </a:r>
             <a:endParaRPr dirty="0"/>
@@ -3619,7 +3615,7 @@
             <a:fld id="{2DD204D1-F9BD-4643-8480-6EA41EB484F1}" type="datetimeFigureOut">
               <a:rPr lang="en-US" smtClean="0"/>
               <a:pPr/>
-              <a:t>11/15/2018</a:t>
+              <a:t>11/16/2018</a:t>
             </a:fld>
             <a:endParaRPr lang="en-US"/>
           </a:p>
@@ -4087,10 +4083,9 @@
           <a:p>
             <a:pPr algn="ctr"/>
             <a:r>
-              <a:rPr lang="en-US" dirty="0" smtClean="0"/>
+              <a:rPr lang="en-US" dirty="0"/>
               <a:t>SQL Server and JSON</a:t>
             </a:r>
-            <a:endParaRPr lang="en-US" dirty="0"/>
           </a:p>
         </p:txBody>
       </p:sp>
@@ -4118,10 +4113,9 @@
               <a:buNone/>
             </a:pPr>
             <a:r>
-              <a:rPr lang="en-US" dirty="0" smtClean="0"/>
+              <a:rPr lang="en-US" dirty="0"/>
               <a:t>It’s not a Horror Movie!</a:t>
             </a:r>
-            <a:endParaRPr lang="en-US" dirty="0"/>
           </a:p>
         </p:txBody>
       </p:sp>
@@ -4165,18 +4159,9 @@
   <p:clrMapOvr>
     <a:masterClrMapping/>
   </p:clrMapOvr>
-  <mc:AlternateContent xmlns:mc="http://schemas.openxmlformats.org/markup-compatibility/2006" xmlns:p14="http://schemas.microsoft.com/office/powerpoint/2010/main">
-    <mc:Choice Requires="p14">
-      <p:transition spd="med" p14:dur="700">
-        <p:fade/>
-      </p:transition>
-    </mc:Choice>
-    <mc:Fallback xmlns="">
-      <p:transition spd="med">
-        <p:fade/>
-      </p:transition>
-    </mc:Fallback>
-  </mc:AlternateContent>
+  <p:transition spd="slow">
+    <p:randomBar dir="vert"/>
+  </p:transition>
 </p:sld>
 </file>
 
@@ -4207,6 +4192,256 @@
             <p:ph type="title"/>
           </p:nvPr>
         </p:nvSpPr>
+        <p:spPr/>
+        <p:txBody>
+          <a:bodyPr/>
+          <a:lstStyle/>
+          <a:p>
+            <a:r>
+              <a:rPr lang="en-US" dirty="0"/>
+              <a:t>SQL Server 2016 Support for JSON</a:t>
+            </a:r>
+          </a:p>
+        </p:txBody>
+      </p:sp>
+      <p:sp>
+        <p:nvSpPr>
+          <p:cNvPr id="14" name="Content Placeholder 13"/>
+          <p:cNvSpPr>
+            <a:spLocks noGrp="1"/>
+          </p:cNvSpPr>
+          <p:nvPr>
+            <p:ph sz="half" idx="1"/>
+          </p:nvPr>
+        </p:nvSpPr>
+        <p:spPr/>
+        <p:txBody>
+          <a:bodyPr>
+            <a:normAutofit lnSpcReduction="10000"/>
+          </a:bodyPr>
+          <a:lstStyle/>
+          <a:p>
+            <a:r>
+              <a:rPr lang="en-US" dirty="0"/>
+              <a:t>Facilitating Data In</a:t>
+            </a:r>
+          </a:p>
+          <a:p>
+            <a:pPr lvl="1"/>
+            <a:r>
+              <a:rPr lang="en-US" dirty="0"/>
+              <a:t>ISJSON</a:t>
+            </a:r>
+          </a:p>
+          <a:p>
+            <a:pPr lvl="1"/>
+            <a:r>
+              <a:rPr lang="en-US" dirty="0"/>
+              <a:t>OPENROWSET</a:t>
+            </a:r>
+          </a:p>
+          <a:p>
+            <a:pPr lvl="1"/>
+            <a:r>
+              <a:rPr lang="en-US" dirty="0"/>
+              <a:t>OPENJSON</a:t>
+            </a:r>
+          </a:p>
+          <a:p>
+            <a:pPr lvl="1"/>
+            <a:endParaRPr lang="en-US" dirty="0"/>
+          </a:p>
+          <a:p>
+            <a:pPr marL="0" indent="0">
+              <a:buNone/>
+            </a:pPr>
+            <a:r>
+              <a:rPr lang="en-US" dirty="0"/>
+              <a:t>Note: No JSON-specific column data type. Use </a:t>
+            </a:r>
+            <a:r>
+              <a:rPr lang="en-US" dirty="0" err="1"/>
+              <a:t>nvarchar</a:t>
+            </a:r>
+            <a:r>
+              <a:rPr lang="en-US" dirty="0"/>
+              <a:t>(max)</a:t>
+            </a:r>
+          </a:p>
+          <a:p>
+            <a:endParaRPr lang="en-US" dirty="0"/>
+          </a:p>
+          <a:p>
+            <a:endParaRPr lang="en-US" dirty="0"/>
+          </a:p>
+          <a:p>
+            <a:pPr marL="0" indent="0">
+              <a:buNone/>
+            </a:pPr>
+            <a:r>
+              <a:rPr lang="en-US" sz="1400" dirty="0"/>
+              <a:t>Photo taken at Museum of Pop Culture – Seattle, WA</a:t>
+            </a:r>
+          </a:p>
+          <a:p>
+            <a:pPr marL="0" indent="0">
+              <a:buNone/>
+            </a:pPr>
+            <a:endParaRPr lang="en-US" sz="1400" dirty="0"/>
+          </a:p>
+        </p:txBody>
+      </p:sp>
+      <p:sp>
+        <p:nvSpPr>
+          <p:cNvPr id="2" name="Content Placeholder 1"/>
+          <p:cNvSpPr>
+            <a:spLocks noGrp="1"/>
+          </p:cNvSpPr>
+          <p:nvPr>
+            <p:ph sz="half" idx="2"/>
+          </p:nvPr>
+        </p:nvSpPr>
+        <p:spPr/>
+        <p:txBody>
+          <a:bodyPr>
+            <a:normAutofit lnSpcReduction="10000"/>
+          </a:bodyPr>
+          <a:lstStyle/>
+          <a:p>
+            <a:r>
+              <a:rPr lang="en-US" dirty="0"/>
+              <a:t>Facilitating Data Out</a:t>
+            </a:r>
+          </a:p>
+          <a:p>
+            <a:pPr lvl="1"/>
+            <a:r>
+              <a:rPr lang="en-US" dirty="0"/>
+              <a:t>FOR JSON AUTO</a:t>
+            </a:r>
+          </a:p>
+          <a:p>
+            <a:pPr lvl="1"/>
+            <a:r>
+              <a:rPr lang="en-US" dirty="0"/>
+              <a:t>FOR JSON PATH</a:t>
+            </a:r>
+          </a:p>
+          <a:p>
+            <a:pPr lvl="1"/>
+            <a:r>
+              <a:rPr lang="en-US" dirty="0"/>
+              <a:t>FOR JSON PATH, ROOT</a:t>
+            </a:r>
+          </a:p>
+          <a:p>
+            <a:pPr lvl="1"/>
+            <a:r>
+              <a:rPr lang="en-US" dirty="0"/>
+              <a:t>INCLUDE_NULL_VALUES</a:t>
+            </a:r>
+          </a:p>
+          <a:p>
+            <a:pPr lvl="1"/>
+            <a:r>
+              <a:rPr lang="en-US" dirty="0"/>
+              <a:t>JSON_VALUE</a:t>
+            </a:r>
+          </a:p>
+          <a:p>
+            <a:pPr lvl="1"/>
+            <a:r>
+              <a:rPr lang="en-US" dirty="0"/>
+              <a:t>JSON_QUERY</a:t>
+            </a:r>
+          </a:p>
+          <a:p>
+            <a:endParaRPr lang="en-US" dirty="0"/>
+          </a:p>
+        </p:txBody>
+      </p:sp>
+      <p:pic>
+        <p:nvPicPr>
+          <p:cNvPr id="3" name="Picture 2"/>
+          <p:cNvPicPr>
+            <a:picLocks noChangeAspect="1"/>
+          </p:cNvPicPr>
+          <p:nvPr/>
+        </p:nvPicPr>
+        <p:blipFill>
+          <a:blip r:embed="rId2" cstate="print">
+            <a:extLst>
+              <a:ext uri="{28A0092B-C50C-407E-A947-70E740481C1C}">
+                <a14:useLocalDpi xmlns:a14="http://schemas.microsoft.com/office/drawing/2010/main" val="0"/>
+              </a:ext>
+            </a:extLst>
+          </a:blip>
+          <a:stretch>
+            <a:fillRect/>
+          </a:stretch>
+        </p:blipFill>
+        <p:spPr>
+          <a:xfrm rot="5400000">
+            <a:off x="9407763" y="4305300"/>
+            <a:ext cx="2133600" cy="1600200"/>
+          </a:xfrm>
+          <a:prstGeom prst="rect">
+            <a:avLst/>
+          </a:prstGeom>
+        </p:spPr>
+      </p:pic>
+    </p:spTree>
+    <p:extLst>
+      <p:ext uri="{BB962C8B-B14F-4D97-AF65-F5344CB8AC3E}">
+        <p14:creationId xmlns:p14="http://schemas.microsoft.com/office/powerpoint/2010/main" val="425493384"/>
+      </p:ext>
+    </p:extLst>
+  </p:cSld>
+  <p:clrMapOvr>
+    <a:masterClrMapping/>
+  </p:clrMapOvr>
+  <mc:AlternateContent xmlns:mc="http://schemas.openxmlformats.org/markup-compatibility/2006" xmlns:p14="http://schemas.microsoft.com/office/powerpoint/2010/main">
+    <mc:Choice Requires="p14">
+      <p:transition spd="med" p14:dur="700">
+        <p:fade/>
+      </p:transition>
+    </mc:Choice>
+    <mc:Fallback xmlns="">
+      <p:transition spd="med">
+        <p:fade/>
+      </p:transition>
+    </mc:Fallback>
+  </mc:AlternateContent>
+</p:sld>
+</file>
+
+<file path=ppt/slides/slide11.xml><?xml version="1.0" encoding="utf-8"?>
+<p:sld xmlns:a="http://schemas.openxmlformats.org/drawingml/2006/main" xmlns:r="http://schemas.openxmlformats.org/officeDocument/2006/relationships" xmlns:p="http://schemas.openxmlformats.org/presentationml/2006/main">
+  <p:cSld>
+    <p:spTree>
+      <p:nvGrpSpPr>
+        <p:cNvPr id="1" name=""/>
+        <p:cNvGrpSpPr/>
+        <p:nvPr/>
+      </p:nvGrpSpPr>
+      <p:grpSpPr>
+        <a:xfrm>
+          <a:off x="0" y="0"/>
+          <a:ext cx="0" cy="0"/>
+          <a:chOff x="0" y="0"/>
+          <a:chExt cx="0" cy="0"/>
+        </a:xfrm>
+      </p:grpSpPr>
+      <p:sp>
+        <p:nvSpPr>
+          <p:cNvPr id="13" name="Title 12"/>
+          <p:cNvSpPr>
+            <a:spLocks noGrp="1"/>
+          </p:cNvSpPr>
+          <p:nvPr>
+            <p:ph type="title"/>
+          </p:nvPr>
+        </p:nvSpPr>
         <p:spPr>
           <a:xfrm>
             <a:off x="1101433" y="304800"/>
@@ -4252,42 +4487,35 @@
               <a:buNone/>
             </a:pPr>
             <a:r>
-              <a:rPr lang="en-US" sz="1800" dirty="0" smtClean="0">
-                <a:latin typeface="Calibri" panose="020F0502020204030204" pitchFamily="34" charset="0"/>
-                <a:cs typeface="Arial" panose="020B0604020202020204" pitchFamily="34" charset="0"/>
-              </a:rPr>
-              <a:t>insert </a:t>
-            </a:r>
-            <a:r>
               <a:rPr lang="en-US" sz="1800" dirty="0">
                 <a:latin typeface="Calibri" panose="020F0502020204030204" pitchFamily="34" charset="0"/>
                 <a:cs typeface="Arial" panose="020B0604020202020204" pitchFamily="34" charset="0"/>
               </a:rPr>
-              <a:t>into </a:t>
-            </a:r>
-            <a:r>
-              <a:rPr lang="en-US" sz="1800" dirty="0" err="1" smtClean="0">
+              <a:t>insert into </a:t>
+            </a:r>
+            <a:r>
+              <a:rPr lang="en-US" sz="1800" dirty="0" err="1">
                 <a:latin typeface="Calibri" panose="020F0502020204030204" pitchFamily="34" charset="0"/>
                 <a:cs typeface="Arial" panose="020B0604020202020204" pitchFamily="34" charset="0"/>
               </a:rPr>
               <a:t>dbo.MoviesJSON</a:t>
             </a:r>
             <a:r>
-              <a:rPr lang="en-US" sz="1800" dirty="0" smtClean="0">
+              <a:rPr lang="en-US" sz="1800" dirty="0">
                 <a:latin typeface="Calibri" panose="020F0502020204030204" pitchFamily="34" charset="0"/>
                 <a:cs typeface="Arial" panose="020B0604020202020204" pitchFamily="34" charset="0"/>
               </a:rPr>
               <a:t>(</a:t>
             </a:r>
             <a:r>
-              <a:rPr lang="en-US" sz="1800" dirty="0" err="1" smtClean="0">
+              <a:rPr lang="en-US" sz="1800" dirty="0" err="1">
                 <a:latin typeface="Calibri" panose="020F0502020204030204" pitchFamily="34" charset="0"/>
                 <a:cs typeface="Arial" panose="020B0604020202020204" pitchFamily="34" charset="0"/>
               </a:rPr>
               <a:t>MoviesJSON</a:t>
             </a:r>
             <a:r>
-              <a:rPr lang="en-US" sz="1800" dirty="0" smtClean="0">
+              <a:rPr lang="en-US" sz="1800" dirty="0">
                 <a:latin typeface="Calibri" panose="020F0502020204030204" pitchFamily="34" charset="0"/>
                 <a:cs typeface="Arial" panose="020B0604020202020204" pitchFamily="34" charset="0"/>
               </a:rPr>
@@ -4299,18 +4527,11 @@
               <a:buNone/>
             </a:pPr>
             <a:r>
-              <a:rPr lang="en-US" sz="1800" dirty="0" smtClean="0">
-                <a:latin typeface="Calibri" panose="020F0502020204030204" pitchFamily="34" charset="0"/>
-                <a:cs typeface="Arial" panose="020B0604020202020204" pitchFamily="34" charset="0"/>
-              </a:rPr>
-              <a:t>select </a:t>
-            </a:r>
-            <a:r>
               <a:rPr lang="en-US" sz="1800" dirty="0">
                 <a:latin typeface="Calibri" panose="020F0502020204030204" pitchFamily="34" charset="0"/>
                 <a:cs typeface="Arial" panose="020B0604020202020204" pitchFamily="34" charset="0"/>
               </a:rPr>
-              <a:t>MoviesData.*</a:t>
+              <a:t>select MoviesData.*</a:t>
             </a:r>
           </a:p>
           <a:p>
@@ -4318,7 +4539,7 @@
               <a:buNone/>
             </a:pPr>
             <a:r>
-              <a:rPr lang="en-US" sz="1800" dirty="0" smtClean="0">
+              <a:rPr lang="en-US" sz="1800" dirty="0">
                 <a:latin typeface="Calibri" panose="020F0502020204030204" pitchFamily="34" charset="0"/>
                 <a:cs typeface="Arial" panose="020B0604020202020204" pitchFamily="34" charset="0"/>
               </a:rPr>
@@ -4409,18 +4630,11 @@
               <a:buNone/>
             </a:pPr>
             <a:r>
-              <a:rPr lang="en-US" sz="1800" dirty="0" smtClean="0">
-                <a:latin typeface="Calibri" panose="020F0502020204030204" pitchFamily="34" charset="0"/>
-                <a:cs typeface="Arial" panose="020B0604020202020204" pitchFamily="34" charset="0"/>
-              </a:rPr>
-              <a:t>select </a:t>
-            </a:r>
-            <a:r>
               <a:rPr lang="en-US" sz="1800" dirty="0">
                 <a:latin typeface="Calibri" panose="020F0502020204030204" pitchFamily="34" charset="0"/>
                 <a:cs typeface="Arial" panose="020B0604020202020204" pitchFamily="34" charset="0"/>
               </a:rPr>
-              <a:t>ISJSON(</a:t>
+              <a:t>select ISJSON(</a:t>
             </a:r>
             <a:r>
               <a:rPr lang="en-US" sz="1800" dirty="0" err="1">
@@ -4523,7 +4737,7 @@
               <a:t>dbo.MoviesJSON</a:t>
             </a:r>
             <a:r>
-              <a:rPr lang="en-US" sz="1800" dirty="0" smtClean="0">
+              <a:rPr lang="en-US" sz="1800" dirty="0">
                 <a:latin typeface="Calibri" panose="020F0502020204030204" pitchFamily="34" charset="0"/>
                 <a:cs typeface="Arial" panose="020B0604020202020204" pitchFamily="34" charset="0"/>
               </a:rPr>
@@ -4543,25 +4757,21 @@
             <a:pPr marL="426645" lvl="1" indent="0">
               <a:buNone/>
             </a:pPr>
-            <a:endParaRPr lang="en-US" sz="1400" dirty="0" smtClean="0"/>
+            <a:endParaRPr lang="en-US" sz="1400" dirty="0"/>
           </a:p>
           <a:p>
             <a:pPr marL="426645" lvl="1" indent="0">
               <a:buNone/>
             </a:pPr>
-            <a:endParaRPr lang="en-US" sz="1400" dirty="0" smtClean="0"/>
+            <a:endParaRPr lang="en-US" sz="1400" dirty="0"/>
           </a:p>
           <a:p>
             <a:pPr marL="426645" lvl="1" indent="0">
               <a:buNone/>
             </a:pPr>
             <a:r>
-              <a:rPr lang="en-US" sz="1400" dirty="0" smtClean="0"/>
-              <a:t>Photo </a:t>
-            </a:r>
-            <a:r>
               <a:rPr lang="en-US" sz="1400" dirty="0"/>
-              <a:t>taken at Museum of Pop Culture – Seattle, WA</a:t>
+              <a:t>Photo taken at Museum of Pop Culture – Seattle, WA</a:t>
             </a:r>
           </a:p>
           <a:p>
@@ -4577,7 +4787,7 @@
             <a:pPr marL="0" indent="0">
               <a:buNone/>
             </a:pPr>
-            <a:endParaRPr lang="en-US" dirty="0" smtClean="0"/>
+            <a:endParaRPr lang="en-US" dirty="0"/>
           </a:p>
           <a:p>
             <a:pPr marL="0" indent="0">
@@ -4642,7 +4852,7 @@
 </p:sld>
 </file>
 
-<file path=ppt/slides/slide11.xml><?xml version="1.0" encoding="utf-8"?>
+<file path=ppt/slides/slide12.xml><?xml version="1.0" encoding="utf-8"?>
 <p:sld xmlns:a="http://schemas.openxmlformats.org/drawingml/2006/main" xmlns:r="http://schemas.openxmlformats.org/officeDocument/2006/relationships" xmlns:p="http://schemas.openxmlformats.org/presentationml/2006/main">
   <p:cSld>
     <p:spTree>
@@ -4675,10 +4885,9 @@
           <a:lstStyle/>
           <a:p>
             <a:r>
-              <a:rPr lang="en-US" dirty="0" smtClean="0"/>
+              <a:rPr lang="en-US" dirty="0"/>
               <a:t>SQL Server 2016 – JSON In Demo</a:t>
             </a:r>
-            <a:endParaRPr lang="en-US" dirty="0"/>
           </a:p>
         </p:txBody>
       </p:sp>
@@ -4702,7 +4911,7 @@
             <a:pPr marL="0" indent="0">
               <a:buNone/>
             </a:pPr>
-            <a:endParaRPr lang="en-US" dirty="0" smtClean="0"/>
+            <a:endParaRPr lang="en-US" dirty="0"/>
           </a:p>
           <a:p>
             <a:pPr marL="0" indent="0">
@@ -4775,15 +4984,11 @@
           <a:lstStyle/>
           <a:p>
             <a:r>
-              <a:rPr lang="en-US" sz="1400" dirty="0" smtClean="0"/>
-              <a:t>Image Source</a:t>
-            </a:r>
-            <a:r>
               <a:rPr lang="en-US" sz="1400" dirty="0"/>
-              <a:t>: </a:t>
-            </a:r>
-            <a:r>
-              <a:rPr lang="en-US" sz="1400" dirty="0" err="1" smtClean="0"/>
+              <a:t>Image Source: </a:t>
+            </a:r>
+            <a:r>
+              <a:rPr lang="en-US" sz="1400" dirty="0" err="1"/>
               <a:t>Pixabay</a:t>
             </a:r>
             <a:endParaRPr lang="en-US" sz="1400" dirty="0"/>
@@ -4815,7 +5020,7 @@
 </p:sld>
 </file>
 
-<file path=ppt/slides/slide12.xml><?xml version="1.0" encoding="utf-8"?>
+<file path=ppt/slides/slide13.xml><?xml version="1.0" encoding="utf-8"?>
 <p:sld xmlns:a="http://schemas.openxmlformats.org/drawingml/2006/main" xmlns:r="http://schemas.openxmlformats.org/officeDocument/2006/relationships" xmlns:p="http://schemas.openxmlformats.org/presentationml/2006/main">
   <p:cSld>
     <p:spTree>
@@ -4880,18 +5085,11 @@
               <a:buNone/>
             </a:pPr>
             <a:r>
-              <a:rPr lang="en-US" sz="6400" dirty="0" smtClean="0">
-                <a:latin typeface="Calibri" panose="020F0502020204030204" pitchFamily="34" charset="0"/>
-                <a:cs typeface="Arial" panose="020B0604020202020204" pitchFamily="34" charset="0"/>
-              </a:rPr>
-              <a:t>select </a:t>
-            </a:r>
-            <a:r>
               <a:rPr lang="en-US" sz="6400" dirty="0">
                 <a:latin typeface="Calibri" panose="020F0502020204030204" pitchFamily="34" charset="0"/>
                 <a:cs typeface="Arial" panose="020B0604020202020204" pitchFamily="34" charset="0"/>
               </a:rPr>
-              <a:t>*</a:t>
+              <a:t>select *</a:t>
             </a:r>
           </a:p>
           <a:p>
@@ -4899,7 +5097,7 @@
               <a:buNone/>
             </a:pPr>
             <a:r>
-              <a:rPr lang="en-US" sz="6400" dirty="0" smtClean="0">
+              <a:rPr lang="en-US" sz="6400" dirty="0">
                 <a:latin typeface="Calibri" panose="020F0502020204030204" pitchFamily="34" charset="0"/>
                 <a:cs typeface="Arial" panose="020B0604020202020204" pitchFamily="34" charset="0"/>
               </a:rPr>
@@ -4967,7 +5165,7 @@
               <a:buNone/>
             </a:pPr>
             <a:r>
-              <a:rPr lang="en-US" sz="6400" dirty="0" smtClean="0">
+              <a:rPr lang="en-US" sz="6400" dirty="0">
                 <a:latin typeface="Calibri" panose="020F0502020204030204" pitchFamily="34" charset="0"/>
                 <a:cs typeface="Arial" panose="020B0604020202020204" pitchFamily="34" charset="0"/>
               </a:rPr>
@@ -5006,14 +5204,7 @@
                 <a:latin typeface="Calibri" panose="020F0502020204030204" pitchFamily="34" charset="0"/>
                 <a:cs typeface="Arial" panose="020B0604020202020204" pitchFamily="34" charset="0"/>
               </a:rPr>
-              <a:t>FOR JSON PATH, </a:t>
-            </a:r>
-            <a:r>
-              <a:rPr lang="en-US" sz="6400" dirty="0" smtClean="0">
-                <a:latin typeface="Calibri" panose="020F0502020204030204" pitchFamily="34" charset="0"/>
-                <a:cs typeface="Arial" panose="020B0604020202020204" pitchFamily="34" charset="0"/>
-              </a:rPr>
-              <a:t>WITHOUT_ARRAY_WRAPPER;</a:t>
+              <a:t>FOR JSON PATH, WITHOUT_ARRAY_WRAPPER;</a:t>
             </a:r>
           </a:p>
           <a:p>
@@ -5030,12 +5221,8 @@
               <a:buNone/>
             </a:pPr>
             <a:r>
-              <a:rPr lang="en-US" sz="4300" dirty="0" smtClean="0"/>
-              <a:t>Photo </a:t>
-            </a:r>
-            <a:r>
               <a:rPr lang="en-US" sz="4300" dirty="0"/>
-              <a:t>taken at Museum of Pop Culture – Seattle, WA</a:t>
+              <a:t>Photo taken at Museum of Pop Culture – Seattle, WA</a:t>
             </a:r>
             <a:endParaRPr lang="en-US" sz="4300" dirty="0">
               <a:latin typeface="Calibri" panose="020F0502020204030204" pitchFamily="34" charset="0"/>
@@ -5084,22 +5271,22 @@
   <p:clrMapOvr>
     <a:masterClrMapping/>
   </p:clrMapOvr>
-  <mc:AlternateContent xmlns:mc="http://schemas.openxmlformats.org/markup-compatibility/2006" xmlns:p14="http://schemas.microsoft.com/office/powerpoint/2010/main">
-    <mc:Choice Requires="p14">
-      <p:transition spd="med" p14:dur="700">
-        <p:fade/>
+  <mc:AlternateContent xmlns:mc="http://schemas.openxmlformats.org/markup-compatibility/2006">
+    <mc:Choice xmlns:p14="http://schemas.microsoft.com/office/powerpoint/2010/main" Requires="p14">
+      <p:transition spd="slow" p14:dur="800">
+        <p:circle/>
       </p:transition>
     </mc:Choice>
-    <mc:Fallback xmlns="">
-      <p:transition spd="med">
-        <p:fade/>
+    <mc:Fallback>
+      <p:transition spd="slow">
+        <p:circle/>
       </p:transition>
     </mc:Fallback>
   </mc:AlternateContent>
 </p:sld>
 </file>
 
-<file path=ppt/slides/slide13.xml><?xml version="1.0" encoding="utf-8"?>
+<file path=ppt/slides/slide14.xml><?xml version="1.0" encoding="utf-8"?>
 <p:sld xmlns:a="http://schemas.openxmlformats.org/drawingml/2006/main" xmlns:r="http://schemas.openxmlformats.org/officeDocument/2006/relationships" xmlns:p="http://schemas.openxmlformats.org/presentationml/2006/main">
   <p:cSld>
     <p:spTree>
@@ -5132,10 +5319,9 @@
           <a:lstStyle/>
           <a:p>
             <a:r>
-              <a:rPr lang="en-US" dirty="0" smtClean="0"/>
+              <a:rPr lang="en-US" dirty="0"/>
               <a:t>SQL Server 2016 – JSON Out Demo</a:t>
             </a:r>
-            <a:endParaRPr lang="en-US" dirty="0"/>
           </a:p>
         </p:txBody>
       </p:sp>
@@ -5159,7 +5345,7 @@
             <a:pPr marL="0" indent="0">
               <a:buNone/>
             </a:pPr>
-            <a:endParaRPr lang="en-US" dirty="0" smtClean="0"/>
+            <a:endParaRPr lang="en-US" dirty="0"/>
           </a:p>
           <a:p>
             <a:pPr marL="0" indent="0">
@@ -5398,7 +5584,7 @@
               <a:buFont typeface="Arial" pitchFamily="34" charset="0"/>
               <a:buNone/>
             </a:pPr>
-            <a:endParaRPr lang="en-US" smtClean="0"/>
+            <a:endParaRPr lang="en-US"/>
           </a:p>
           <a:p>
             <a:pPr marL="0" indent="0">
@@ -5608,7 +5794,7 @@
               <a:buFont typeface="Arial" pitchFamily="34" charset="0"/>
               <a:buNone/>
             </a:pPr>
-            <a:endParaRPr lang="en-US" smtClean="0"/>
+            <a:endParaRPr lang="en-US"/>
           </a:p>
           <a:p>
             <a:pPr marL="0" indent="0">
@@ -5641,15 +5827,11 @@
           <a:lstStyle/>
           <a:p>
             <a:r>
-              <a:rPr lang="en-US" sz="1400" dirty="0" smtClean="0"/>
-              <a:t>Image Source</a:t>
-            </a:r>
-            <a:r>
               <a:rPr lang="en-US" sz="1400" dirty="0"/>
-              <a:t>: </a:t>
-            </a:r>
-            <a:r>
-              <a:rPr lang="en-US" sz="1400" dirty="0" err="1" smtClean="0"/>
+              <a:t>Image Source: </a:t>
+            </a:r>
+            <a:r>
+              <a:rPr lang="en-US" sz="1400" dirty="0" err="1"/>
               <a:t>Pixabay</a:t>
             </a:r>
             <a:endParaRPr lang="en-US" sz="1400" dirty="0"/>
@@ -5660,176 +5842,6 @@
     <p:extLst>
       <p:ext uri="{BB962C8B-B14F-4D97-AF65-F5344CB8AC3E}">
         <p14:creationId xmlns:p14="http://schemas.microsoft.com/office/powerpoint/2010/main" val="1681930847"/>
-      </p:ext>
-    </p:extLst>
-  </p:cSld>
-  <p:clrMapOvr>
-    <a:masterClrMapping/>
-  </p:clrMapOvr>
-  <mc:AlternateContent xmlns:mc="http://schemas.openxmlformats.org/markup-compatibility/2006" xmlns:p14="http://schemas.microsoft.com/office/powerpoint/2010/main">
-    <mc:Choice Requires="p14">
-      <p:transition spd="med" p14:dur="700">
-        <p:fade/>
-      </p:transition>
-    </mc:Choice>
-    <mc:Fallback xmlns="">
-      <p:transition spd="med">
-        <p:fade/>
-      </p:transition>
-    </mc:Fallback>
-  </mc:AlternateContent>
-</p:sld>
-</file>
-
-<file path=ppt/slides/slide14.xml><?xml version="1.0" encoding="utf-8"?>
-<p:sld xmlns:a="http://schemas.openxmlformats.org/drawingml/2006/main" xmlns:r="http://schemas.openxmlformats.org/officeDocument/2006/relationships" xmlns:p="http://schemas.openxmlformats.org/presentationml/2006/main">
-  <p:cSld>
-    <p:spTree>
-      <p:nvGrpSpPr>
-        <p:cNvPr id="1" name=""/>
-        <p:cNvGrpSpPr/>
-        <p:nvPr/>
-      </p:nvGrpSpPr>
-      <p:grpSpPr>
-        <a:xfrm>
-          <a:off x="0" y="0"/>
-          <a:ext cx="0" cy="0"/>
-          <a:chOff x="0" y="0"/>
-          <a:chExt cx="0" cy="0"/>
-        </a:xfrm>
-      </p:grpSpPr>
-      <p:sp>
-        <p:nvSpPr>
-          <p:cNvPr id="13" name="Title 12"/>
-          <p:cNvSpPr>
-            <a:spLocks noGrp="1"/>
-          </p:cNvSpPr>
-          <p:nvPr>
-            <p:ph type="title"/>
-          </p:nvPr>
-        </p:nvSpPr>
-        <p:spPr/>
-        <p:txBody>
-          <a:bodyPr>
-            <a:normAutofit/>
-          </a:bodyPr>
-          <a:lstStyle/>
-          <a:p>
-            <a:r>
-              <a:rPr lang="en-US" sz="3600" dirty="0" smtClean="0"/>
-              <a:t>Power BI / JSON Data Visualization Demo</a:t>
-            </a:r>
-            <a:endParaRPr lang="en-US" sz="3600" dirty="0"/>
-          </a:p>
-        </p:txBody>
-      </p:sp>
-      <p:sp>
-        <p:nvSpPr>
-          <p:cNvPr id="14" name="Content Placeholder 13"/>
-          <p:cNvSpPr>
-            <a:spLocks noGrp="1"/>
-          </p:cNvSpPr>
-          <p:nvPr>
-            <p:ph idx="1"/>
-          </p:nvPr>
-        </p:nvSpPr>
-        <p:spPr/>
-        <p:txBody>
-          <a:bodyPr>
-            <a:normAutofit/>
-          </a:bodyPr>
-          <a:lstStyle/>
-          <a:p>
-            <a:pPr marL="0" indent="0">
-              <a:buNone/>
-            </a:pPr>
-            <a:endParaRPr lang="en-US" dirty="0" smtClean="0"/>
-          </a:p>
-          <a:p>
-            <a:endParaRPr lang="en-US" dirty="0" smtClean="0"/>
-          </a:p>
-          <a:p>
-            <a:endParaRPr lang="en-US" dirty="0" smtClean="0"/>
-          </a:p>
-          <a:p>
-            <a:pPr marL="0" indent="0">
-              <a:buNone/>
-            </a:pPr>
-            <a:endParaRPr lang="en-US" sz="1400" dirty="0"/>
-          </a:p>
-        </p:txBody>
-      </p:sp>
-      <p:pic>
-        <p:nvPicPr>
-          <p:cNvPr id="2" name="Picture 1"/>
-          <p:cNvPicPr>
-            <a:picLocks noChangeAspect="1"/>
-          </p:cNvPicPr>
-          <p:nvPr/>
-        </p:nvPicPr>
-        <p:blipFill>
-          <a:blip r:embed="rId2" cstate="print">
-            <a:extLst>
-              <a:ext uri="{28A0092B-C50C-407E-A947-70E740481C1C}">
-                <a14:useLocalDpi xmlns:a14="http://schemas.microsoft.com/office/drawing/2010/main" val="0"/>
-              </a:ext>
-            </a:extLst>
-          </a:blip>
-          <a:stretch>
-            <a:fillRect/>
-          </a:stretch>
-        </p:blipFill>
-        <p:spPr>
-          <a:xfrm>
-            <a:off x="2284412" y="1522627"/>
-            <a:ext cx="6934200" cy="4622800"/>
-          </a:xfrm>
-          <a:prstGeom prst="rect">
-            <a:avLst/>
-          </a:prstGeom>
-        </p:spPr>
-      </p:pic>
-      <p:sp>
-        <p:nvSpPr>
-          <p:cNvPr id="6" name="Rectangle 5"/>
-          <p:cNvSpPr/>
-          <p:nvPr/>
-        </p:nvSpPr>
-        <p:spPr>
-          <a:xfrm>
-            <a:off x="1674812" y="6383978"/>
-            <a:ext cx="2198038" cy="307777"/>
-          </a:xfrm>
-          <a:prstGeom prst="rect">
-            <a:avLst/>
-          </a:prstGeom>
-        </p:spPr>
-        <p:txBody>
-          <a:bodyPr wrap="none">
-            <a:spAutoFit/>
-          </a:bodyPr>
-          <a:lstStyle/>
-          <a:p>
-            <a:r>
-              <a:rPr lang="en-US" sz="1400" dirty="0" smtClean="0"/>
-              <a:t>Image Source</a:t>
-            </a:r>
-            <a:r>
-              <a:rPr lang="en-US" sz="1400" dirty="0"/>
-              <a:t>: </a:t>
-            </a:r>
-            <a:r>
-              <a:rPr lang="en-US" sz="1400" dirty="0" err="1" smtClean="0"/>
-              <a:t>Pixabay</a:t>
-            </a:r>
-            <a:endParaRPr lang="en-US" sz="1400" dirty="0"/>
-          </a:p>
-        </p:txBody>
-      </p:sp>
-    </p:spTree>
-    <p:extLst>
-      <p:ext uri="{BB962C8B-B14F-4D97-AF65-F5344CB8AC3E}">
-        <p14:creationId xmlns:p14="http://schemas.microsoft.com/office/powerpoint/2010/main" val="1117311914"/>
       </p:ext>
     </p:extLst>
   </p:cSld>
@@ -5880,141 +5892,113 @@
         </p:nvSpPr>
         <p:spPr/>
         <p:txBody>
-          <a:bodyPr/>
-          <a:lstStyle/>
-          <a:p>
-            <a:r>
-              <a:rPr lang="en-US" dirty="0" smtClean="0"/>
-              <a:t>References</a:t>
-            </a:r>
-            <a:endParaRPr lang="en-US" dirty="0"/>
-          </a:p>
-        </p:txBody>
-      </p:sp>
-      <p:sp>
-        <p:nvSpPr>
-          <p:cNvPr id="14" name="Content Placeholder 13"/>
-          <p:cNvSpPr>
-            <a:spLocks noGrp="1"/>
-          </p:cNvSpPr>
-          <p:nvPr>
-            <p:ph idx="1"/>
-          </p:nvPr>
-        </p:nvSpPr>
-        <p:spPr/>
-        <p:txBody>
           <a:bodyPr>
             <a:normAutofit/>
           </a:bodyPr>
           <a:lstStyle/>
           <a:p>
             <a:r>
+              <a:rPr lang="en-US" sz="3600" dirty="0"/>
+              <a:t>Power BI / JSON Data Visualization Demo</a:t>
+            </a:r>
+          </a:p>
+        </p:txBody>
+      </p:sp>
+      <p:sp>
+        <p:nvSpPr>
+          <p:cNvPr id="14" name="Content Placeholder 13"/>
+          <p:cNvSpPr>
+            <a:spLocks noGrp="1"/>
+          </p:cNvSpPr>
+          <p:nvPr>
+            <p:ph idx="1"/>
+          </p:nvPr>
+        </p:nvSpPr>
+        <p:spPr/>
+        <p:txBody>
+          <a:bodyPr>
+            <a:normAutofit/>
+          </a:bodyPr>
+          <a:lstStyle/>
+          <a:p>
+            <a:pPr marL="0" indent="0">
+              <a:buNone/>
+            </a:pPr>
+            <a:endParaRPr lang="en-US" dirty="0"/>
+          </a:p>
+          <a:p>
+            <a:endParaRPr lang="en-US" dirty="0"/>
+          </a:p>
+          <a:p>
+            <a:endParaRPr lang="en-US" dirty="0"/>
+          </a:p>
+          <a:p>
+            <a:pPr marL="0" indent="0">
+              <a:buNone/>
+            </a:pPr>
+            <a:endParaRPr lang="en-US" sz="1400" dirty="0"/>
+          </a:p>
+        </p:txBody>
+      </p:sp>
+      <p:pic>
+        <p:nvPicPr>
+          <p:cNvPr id="2" name="Picture 1"/>
+          <p:cNvPicPr>
+            <a:picLocks noChangeAspect="1"/>
+          </p:cNvPicPr>
+          <p:nvPr/>
+        </p:nvPicPr>
+        <p:blipFill>
+          <a:blip r:embed="rId2" cstate="print">
+            <a:extLst>
+              <a:ext uri="{28A0092B-C50C-407E-A947-70E740481C1C}">
+                <a14:useLocalDpi xmlns:a14="http://schemas.microsoft.com/office/drawing/2010/main" val="0"/>
+              </a:ext>
+            </a:extLst>
+          </a:blip>
+          <a:stretch>
+            <a:fillRect/>
+          </a:stretch>
+        </p:blipFill>
+        <p:spPr>
+          <a:xfrm>
+            <a:off x="2284412" y="1522627"/>
+            <a:ext cx="6934200" cy="4622800"/>
+          </a:xfrm>
+          <a:prstGeom prst="rect">
+            <a:avLst/>
+          </a:prstGeom>
+        </p:spPr>
+      </p:pic>
+      <p:sp>
+        <p:nvSpPr>
+          <p:cNvPr id="6" name="Rectangle 5"/>
+          <p:cNvSpPr/>
+          <p:nvPr/>
+        </p:nvSpPr>
+        <p:spPr>
+          <a:xfrm>
+            <a:off x="1674812" y="6383978"/>
+            <a:ext cx="2198038" cy="307777"/>
+          </a:xfrm>
+          <a:prstGeom prst="rect">
+            <a:avLst/>
+          </a:prstGeom>
+        </p:spPr>
+        <p:txBody>
+          <a:bodyPr wrap="none">
+            <a:spAutoFit/>
+          </a:bodyPr>
+          <a:lstStyle/>
+          <a:p>
+            <a:r>
               <a:rPr lang="en-US" sz="1400" dirty="0"/>
-              <a:t>https://github.com/prust/wikipedia-movie-data</a:t>
-            </a:r>
-          </a:p>
-          <a:p>
-            <a:r>
-              <a:rPr lang="en-US" sz="1400" dirty="0">
-                <a:hlinkClick r:id="rId2"/>
-              </a:rPr>
-              <a:t>http://www.json.org</a:t>
-            </a:r>
-            <a:r>
-              <a:rPr lang="en-US" sz="1400" dirty="0" smtClean="0">
-                <a:hlinkClick r:id="rId2"/>
-              </a:rPr>
-              <a:t>/</a:t>
-            </a:r>
-            <a:endParaRPr lang="en-US" sz="1400" dirty="0" smtClean="0"/>
-          </a:p>
-          <a:p>
-            <a:r>
-              <a:rPr lang="en-US" sz="1400" dirty="0"/>
-              <a:t>https://docs.microsoft.com/en-us/sql/relational-databases/json/json-data-sql-server?view=sql-server-2017</a:t>
-            </a:r>
-            <a:endParaRPr lang="en-US" sz="1400" dirty="0" smtClean="0"/>
-          </a:p>
-          <a:p>
-            <a:r>
-              <a:rPr lang="en-US" sz="1400" dirty="0">
-                <a:hlinkClick r:id="rId3"/>
-              </a:rPr>
-              <a:t>https://www.red-gate.com/simple-talk/sql/learn-sql-server/json-support-in-sql-server-2016</a:t>
-            </a:r>
-            <a:r>
-              <a:rPr lang="en-US" sz="1400" dirty="0" smtClean="0">
-                <a:hlinkClick r:id="rId3"/>
-              </a:rPr>
-              <a:t>/</a:t>
-            </a:r>
-            <a:endParaRPr lang="en-US" sz="1400" dirty="0" smtClean="0"/>
-          </a:p>
-          <a:p>
-            <a:r>
-              <a:rPr lang="en-US" sz="1400" dirty="0"/>
-              <a:t>https://docs.microsoft.com/en-us/sql/relational-databases/json/solve-common-issues-with-json-in-sql-server?view=sql-server-2017</a:t>
-            </a:r>
-            <a:endParaRPr lang="en-US" sz="1400" dirty="0" smtClean="0"/>
-          </a:p>
-          <a:p>
-            <a:r>
-              <a:rPr lang="en-US" sz="1400" dirty="0">
-                <a:hlinkClick r:id="rId4"/>
-              </a:rPr>
-              <a:t>https://</a:t>
-            </a:r>
-            <a:r>
-              <a:rPr lang="en-US" sz="1400" dirty="0" smtClean="0">
-                <a:hlinkClick r:id="rId4"/>
-              </a:rPr>
-              <a:t>channel9.msdn.com/Shows/Data-Exposed/SQL-Server-2016-and-JSON-Support</a:t>
-            </a:r>
-            <a:endParaRPr lang="en-US" sz="1400" dirty="0" smtClean="0"/>
-          </a:p>
-          <a:p>
-            <a:r>
-              <a:rPr lang="en-US" sz="1400" dirty="0">
-                <a:hlinkClick r:id="rId5"/>
-              </a:rPr>
-              <a:t>https://</a:t>
-            </a:r>
-            <a:r>
-              <a:rPr lang="en-US" sz="1400" dirty="0" smtClean="0">
-                <a:hlinkClick r:id="rId5"/>
-              </a:rPr>
-              <a:t>channel9.msdn.com/Shows/Data-Exposed/Using-JSON-in-SQL-Server-2016-and-Azure-SQL-Database</a:t>
-            </a:r>
-            <a:endParaRPr lang="en-US" sz="1400" dirty="0" smtClean="0"/>
-          </a:p>
-          <a:p>
-            <a:r>
-              <a:rPr lang="en-US" sz="1400" dirty="0"/>
-              <a:t>https://channel9.msdn.com/events/DataDriven/SQLServer2016/JSON-as-a-bridge-betwen-NoSQL-and-relational-worlds</a:t>
-            </a:r>
-          </a:p>
-          <a:p>
-            <a:endParaRPr lang="en-US" sz="1400" dirty="0" smtClean="0"/>
-          </a:p>
-          <a:p>
-            <a:endParaRPr lang="en-US" sz="1400" dirty="0"/>
-          </a:p>
-          <a:p>
-            <a:pPr marL="0" indent="0">
-              <a:buNone/>
-            </a:pPr>
-            <a:endParaRPr lang="en-US" sz="1400" dirty="0" smtClean="0"/>
-          </a:p>
-          <a:p>
-            <a:endParaRPr lang="en-US" sz="1400" dirty="0" smtClean="0"/>
-          </a:p>
-          <a:p>
-            <a:endParaRPr lang="en-US" sz="1400" dirty="0" smtClean="0"/>
-          </a:p>
-          <a:p>
-            <a:pPr marL="0" indent="0">
-              <a:buNone/>
-            </a:pPr>
+              <a:t>Image Source: </a:t>
+            </a:r>
+            <a:r>
+              <a:rPr lang="en-US" sz="1400" dirty="0" err="1"/>
+              <a:t>Pixabay</a:t>
+            </a:r>
             <a:endParaRPr lang="en-US" sz="1400" dirty="0"/>
           </a:p>
         </p:txBody>
@@ -6022,7 +6006,7 @@
     </p:spTree>
     <p:extLst>
       <p:ext uri="{BB962C8B-B14F-4D97-AF65-F5344CB8AC3E}">
-        <p14:creationId xmlns:p14="http://schemas.microsoft.com/office/powerpoint/2010/main" val="1488384442"/>
+        <p14:creationId xmlns:p14="http://schemas.microsoft.com/office/powerpoint/2010/main" val="1117311914"/>
       </p:ext>
     </p:extLst>
   </p:cSld>
@@ -6077,10 +6061,9 @@
           <a:lstStyle/>
           <a:p>
             <a:r>
-              <a:rPr lang="en-US" dirty="0" smtClean="0"/>
-              <a:t>Thank You!</a:t>
-            </a:r>
-            <a:endParaRPr lang="en-US" dirty="0"/>
+              <a:rPr lang="en-US" dirty="0"/>
+              <a:t>References</a:t>
+            </a:r>
           </a:p>
         </p:txBody>
       </p:sp>
@@ -6101,56 +6084,221 @@
           </a:bodyPr>
           <a:lstStyle/>
           <a:p>
-            <a:endParaRPr lang="en-US" dirty="0" smtClean="0"/>
+            <a:r>
+              <a:rPr lang="en-US" sz="1400" dirty="0"/>
+              <a:t>https://github.com/prust/wikipedia-movie-data</a:t>
+            </a:r>
+          </a:p>
+          <a:p>
+            <a:r>
+              <a:rPr lang="en-US" sz="1400" dirty="0">
+                <a:hlinkClick r:id="rId2"/>
+              </a:rPr>
+              <a:t>http://www.json.org/</a:t>
+            </a:r>
+            <a:endParaRPr lang="en-US" sz="1400" dirty="0"/>
+          </a:p>
+          <a:p>
+            <a:r>
+              <a:rPr lang="en-US" sz="1400" dirty="0"/>
+              <a:t>https://docs.microsoft.com/en-us/sql/relational-databases/json/json-data-sql-server?view=sql-server-2017</a:t>
+            </a:r>
+          </a:p>
+          <a:p>
+            <a:r>
+              <a:rPr lang="en-US" sz="1400" dirty="0">
+                <a:hlinkClick r:id="rId3"/>
+              </a:rPr>
+              <a:t>https://www.red-gate.com/simple-talk/sql/learn-sql-server/json-support-in-sql-server-2016/</a:t>
+            </a:r>
+            <a:endParaRPr lang="en-US" sz="1400" dirty="0"/>
+          </a:p>
+          <a:p>
+            <a:r>
+              <a:rPr lang="en-US" sz="1400" dirty="0"/>
+              <a:t>https://docs.microsoft.com/en-us/sql/relational-databases/json/solve-common-issues-with-json-in-sql-server?view=sql-server-2017</a:t>
+            </a:r>
+          </a:p>
+          <a:p>
+            <a:r>
+              <a:rPr lang="en-US" sz="1400" dirty="0">
+                <a:hlinkClick r:id="rId4"/>
+              </a:rPr>
+              <a:t>https://channel9.msdn.com/Shows/Data-Exposed/SQL-Server-2016-and-JSON-Support</a:t>
+            </a:r>
+            <a:endParaRPr lang="en-US" sz="1400" dirty="0"/>
+          </a:p>
+          <a:p>
+            <a:r>
+              <a:rPr lang="en-US" sz="1400" dirty="0">
+                <a:hlinkClick r:id="rId5"/>
+              </a:rPr>
+              <a:t>https://channel9.msdn.com/Shows/Data-Exposed/Using-JSON-in-SQL-Server-2016-and-Azure-SQL-Database</a:t>
+            </a:r>
+            <a:endParaRPr lang="en-US" sz="1400" dirty="0"/>
+          </a:p>
+          <a:p>
+            <a:r>
+              <a:rPr lang="en-US" sz="1400" dirty="0"/>
+              <a:t>https://channel9.msdn.com/events/DataDriven/SQLServer2016/JSON-as-a-bridge-betwen-NoSQL-and-relational-worlds</a:t>
+            </a:r>
+          </a:p>
+          <a:p>
+            <a:endParaRPr lang="en-US" sz="1400" dirty="0"/>
+          </a:p>
+          <a:p>
+            <a:endParaRPr lang="en-US" sz="1400" dirty="0"/>
           </a:p>
           <a:p>
             <a:pPr marL="0" indent="0">
               <a:buNone/>
             </a:pPr>
-            <a:r>
-              <a:rPr lang="en-US" dirty="0" smtClean="0"/>
+            <a:endParaRPr lang="en-US" sz="1400" dirty="0"/>
+          </a:p>
+          <a:p>
+            <a:endParaRPr lang="en-US" sz="1400" dirty="0"/>
+          </a:p>
+          <a:p>
+            <a:endParaRPr lang="en-US" sz="1400" dirty="0"/>
+          </a:p>
+          <a:p>
+            <a:pPr marL="0" indent="0">
+              <a:buNone/>
+            </a:pPr>
+            <a:endParaRPr lang="en-US" sz="1400" dirty="0"/>
+          </a:p>
+        </p:txBody>
+      </p:sp>
+    </p:spTree>
+    <p:extLst>
+      <p:ext uri="{BB962C8B-B14F-4D97-AF65-F5344CB8AC3E}">
+        <p14:creationId xmlns:p14="http://schemas.microsoft.com/office/powerpoint/2010/main" val="1488384442"/>
+      </p:ext>
+    </p:extLst>
+  </p:cSld>
+  <p:clrMapOvr>
+    <a:masterClrMapping/>
+  </p:clrMapOvr>
+  <mc:AlternateContent xmlns:mc="http://schemas.openxmlformats.org/markup-compatibility/2006" xmlns:p14="http://schemas.microsoft.com/office/powerpoint/2010/main">
+    <mc:Choice Requires="p14">
+      <p:transition spd="med" p14:dur="700">
+        <p:fade/>
+      </p:transition>
+    </mc:Choice>
+    <mc:Fallback xmlns="">
+      <p:transition spd="med">
+        <p:fade/>
+      </p:transition>
+    </mc:Fallback>
+  </mc:AlternateContent>
+</p:sld>
+</file>
+
+<file path=ppt/slides/slide17.xml><?xml version="1.0" encoding="utf-8"?>
+<p:sld xmlns:a="http://schemas.openxmlformats.org/drawingml/2006/main" xmlns:r="http://schemas.openxmlformats.org/officeDocument/2006/relationships" xmlns:p="http://schemas.openxmlformats.org/presentationml/2006/main">
+  <p:cSld>
+    <p:spTree>
+      <p:nvGrpSpPr>
+        <p:cNvPr id="1" name=""/>
+        <p:cNvGrpSpPr/>
+        <p:nvPr/>
+      </p:nvGrpSpPr>
+      <p:grpSpPr>
+        <a:xfrm>
+          <a:off x="0" y="0"/>
+          <a:ext cx="0" cy="0"/>
+          <a:chOff x="0" y="0"/>
+          <a:chExt cx="0" cy="0"/>
+        </a:xfrm>
+      </p:grpSpPr>
+      <p:sp>
+        <p:nvSpPr>
+          <p:cNvPr id="13" name="Title 12"/>
+          <p:cNvSpPr>
+            <a:spLocks noGrp="1"/>
+          </p:cNvSpPr>
+          <p:nvPr>
+            <p:ph type="title"/>
+          </p:nvPr>
+        </p:nvSpPr>
+        <p:spPr/>
+        <p:txBody>
+          <a:bodyPr/>
+          <a:lstStyle/>
+          <a:p>
+            <a:r>
+              <a:rPr lang="en-US" dirty="0"/>
+              <a:t>Thank You!</a:t>
+            </a:r>
+          </a:p>
+        </p:txBody>
+      </p:sp>
+      <p:sp>
+        <p:nvSpPr>
+          <p:cNvPr id="14" name="Content Placeholder 13"/>
+          <p:cNvSpPr>
+            <a:spLocks noGrp="1"/>
+          </p:cNvSpPr>
+          <p:nvPr>
+            <p:ph idx="1"/>
+          </p:nvPr>
+        </p:nvSpPr>
+        <p:spPr/>
+        <p:txBody>
+          <a:bodyPr>
+            <a:normAutofit/>
+          </a:bodyPr>
+          <a:lstStyle/>
+          <a:p>
+            <a:endParaRPr lang="en-US" dirty="0"/>
+          </a:p>
+          <a:p>
+            <a:pPr marL="0" indent="0">
+              <a:buNone/>
+            </a:pPr>
+            <a:r>
+              <a:rPr lang="en-US" dirty="0"/>
               <a:t>Contact Info:</a:t>
             </a:r>
-            <a:endParaRPr lang="en-US" dirty="0"/>
-          </a:p>
-          <a:p>
-            <a:r>
-              <a:rPr lang="en-US" dirty="0" smtClean="0"/>
+          </a:p>
+          <a:p>
+            <a:r>
+              <a:rPr lang="en-US" dirty="0"/>
               <a:t>Email: </a:t>
             </a:r>
             <a:r>
-              <a:rPr lang="en-US" dirty="0" smtClean="0">
+              <a:rPr lang="en-US" dirty="0">
                 <a:hlinkClick r:id="rId2"/>
               </a:rPr>
               <a:t>adipesa@wellesley.edu</a:t>
             </a:r>
-            <a:endParaRPr lang="en-US" dirty="0" smtClean="0"/>
-          </a:p>
-          <a:p>
-            <a:r>
-              <a:rPr lang="en-US" dirty="0" smtClean="0"/>
+            <a:endParaRPr lang="en-US" dirty="0"/>
+          </a:p>
+          <a:p>
+            <a:r>
+              <a:rPr lang="en-US" dirty="0"/>
               <a:t>Twitter: @</a:t>
             </a:r>
             <a:r>
-              <a:rPr lang="en-US" dirty="0" err="1" smtClean="0"/>
+              <a:rPr lang="en-US" dirty="0" err="1"/>
               <a:t>adipesa</a:t>
             </a:r>
-            <a:endParaRPr lang="en-US" dirty="0" smtClean="0"/>
-          </a:p>
-          <a:p>
             <a:endParaRPr lang="en-US" dirty="0"/>
           </a:p>
           <a:p>
+            <a:endParaRPr lang="en-US" dirty="0"/>
+          </a:p>
+          <a:p>
             <a:pPr marL="0" indent="0">
               <a:buNone/>
             </a:pPr>
-            <a:endParaRPr lang="en-US" dirty="0" smtClean="0"/>
-          </a:p>
-          <a:p>
-            <a:endParaRPr lang="en-US" dirty="0" smtClean="0"/>
-          </a:p>
-          <a:p>
-            <a:endParaRPr lang="en-US" dirty="0" smtClean="0"/>
+            <a:endParaRPr lang="en-US" dirty="0"/>
+          </a:p>
+          <a:p>
+            <a:endParaRPr lang="en-US" dirty="0"/>
+          </a:p>
+          <a:p>
+            <a:endParaRPr lang="en-US" dirty="0"/>
           </a:p>
           <a:p>
             <a:pPr marL="0" indent="0">
@@ -6234,6 +6382,657 @@
       </p:grpSpPr>
       <p:sp>
         <p:nvSpPr>
+          <p:cNvPr id="4" name="Title 3"/>
+          <p:cNvSpPr>
+            <a:spLocks noGrp="1"/>
+          </p:cNvSpPr>
+          <p:nvPr>
+            <p:ph type="title"/>
+          </p:nvPr>
+        </p:nvSpPr>
+        <p:spPr>
+          <a:xfrm>
+            <a:off x="850028" y="484487"/>
+            <a:ext cx="10512862" cy="638009"/>
+          </a:xfrm>
+        </p:spPr>
+        <p:txBody>
+          <a:bodyPr>
+            <a:normAutofit fontScale="90000"/>
+          </a:bodyPr>
+          <a:lstStyle/>
+          <a:p>
+            <a:r>
+              <a:rPr lang="en-US" b="1" dirty="0">
+                <a:latin typeface="+mn-lt"/>
+              </a:rPr>
+              <a:t>Boston Code Camp 30 - Thanks to our Sponsors!</a:t>
+            </a:r>
+            <a:endParaRPr lang="en-US" dirty="0">
+              <a:latin typeface="+mn-lt"/>
+            </a:endParaRPr>
+          </a:p>
+        </p:txBody>
+      </p:sp>
+      <p:sp>
+        <p:nvSpPr>
+          <p:cNvPr id="5" name="Content Placeholder 4"/>
+          <p:cNvSpPr>
+            <a:spLocks noGrp="1"/>
+          </p:cNvSpPr>
+          <p:nvPr>
+            <p:ph sz="half" idx="1"/>
+          </p:nvPr>
+        </p:nvSpPr>
+        <p:spPr>
+          <a:xfrm>
+            <a:off x="380900" y="1080112"/>
+            <a:ext cx="7465655" cy="5624635"/>
+          </a:xfrm>
+        </p:spPr>
+        <p:txBody>
+          <a:bodyPr/>
+          <a:lstStyle/>
+          <a:p>
+            <a:r>
+              <a:rPr lang="en-US" dirty="0"/>
+              <a:t>Platinum</a:t>
+            </a:r>
+            <a:br>
+              <a:rPr lang="en-US" dirty="0"/>
+            </a:br>
+            <a:endParaRPr lang="en-US" sz="4799" dirty="0"/>
+          </a:p>
+          <a:p>
+            <a:r>
+              <a:rPr lang="en-US" dirty="0"/>
+              <a:t>Gold</a:t>
+            </a:r>
+          </a:p>
+          <a:p>
+            <a:endParaRPr lang="en-US" dirty="0"/>
+          </a:p>
+          <a:p>
+            <a:endParaRPr lang="en-US" dirty="0"/>
+          </a:p>
+          <a:p>
+            <a:r>
+              <a:rPr lang="en-US" dirty="0"/>
+              <a:t>Silver</a:t>
+            </a:r>
+            <a:br>
+              <a:rPr lang="en-US" dirty="0"/>
+            </a:br>
+            <a:br>
+              <a:rPr lang="en-US" dirty="0"/>
+            </a:br>
+            <a:br>
+              <a:rPr lang="en-US" dirty="0"/>
+            </a:br>
+            <a:endParaRPr lang="en-US" dirty="0"/>
+          </a:p>
+          <a:p>
+            <a:endParaRPr lang="en-US" sz="1400" dirty="0"/>
+          </a:p>
+          <a:p>
+            <a:r>
+              <a:rPr lang="en-US" dirty="0"/>
+              <a:t>Bronze</a:t>
+            </a:r>
+          </a:p>
+        </p:txBody>
+      </p:sp>
+      <p:sp>
+        <p:nvSpPr>
+          <p:cNvPr id="6" name="Content Placeholder 5"/>
+          <p:cNvSpPr>
+            <a:spLocks noGrp="1"/>
+          </p:cNvSpPr>
+          <p:nvPr>
+            <p:ph sz="half" idx="2"/>
+          </p:nvPr>
+        </p:nvSpPr>
+        <p:spPr>
+          <a:xfrm>
+            <a:off x="8065306" y="1003932"/>
+            <a:ext cx="3732828" cy="5535758"/>
+          </a:xfrm>
+        </p:spPr>
+        <p:txBody>
+          <a:bodyPr/>
+          <a:lstStyle/>
+          <a:p>
+            <a:r>
+              <a:rPr lang="en-US" dirty="0"/>
+              <a:t>In-Kind Donations</a:t>
+            </a:r>
+          </a:p>
+        </p:txBody>
+      </p:sp>
+      <p:pic>
+        <p:nvPicPr>
+          <p:cNvPr id="9" name="Picture 8"/>
+          <p:cNvPicPr>
+            <a:picLocks noChangeAspect="1"/>
+          </p:cNvPicPr>
+          <p:nvPr/>
+        </p:nvPicPr>
+        <p:blipFill>
+          <a:blip r:embed="rId2" cstate="email">
+            <a:extLst>
+              <a:ext uri="{28A0092B-C50C-407E-A947-70E740481C1C}">
+                <a14:useLocalDpi xmlns:a14="http://schemas.microsoft.com/office/drawing/2010/main"/>
+              </a:ext>
+            </a:extLst>
+          </a:blip>
+          <a:stretch>
+            <a:fillRect/>
+          </a:stretch>
+        </p:blipFill>
+        <p:spPr>
+          <a:xfrm>
+            <a:off x="3392325" y="4307382"/>
+            <a:ext cx="1883616" cy="1130170"/>
+          </a:xfrm>
+          <a:prstGeom prst="rect">
+            <a:avLst/>
+          </a:prstGeom>
+        </p:spPr>
+      </p:pic>
+      <p:pic>
+        <p:nvPicPr>
+          <p:cNvPr id="13" name="Picture 12"/>
+          <p:cNvPicPr>
+            <a:picLocks noChangeAspect="1"/>
+          </p:cNvPicPr>
+          <p:nvPr/>
+        </p:nvPicPr>
+        <p:blipFill>
+          <a:blip r:embed="rId3" cstate="email">
+            <a:extLst>
+              <a:ext uri="{28A0092B-C50C-407E-A947-70E740481C1C}">
+                <a14:useLocalDpi xmlns:a14="http://schemas.microsoft.com/office/drawing/2010/main"/>
+              </a:ext>
+            </a:extLst>
+          </a:blip>
+          <a:stretch>
+            <a:fillRect/>
+          </a:stretch>
+        </p:blipFill>
+        <p:spPr>
+          <a:xfrm>
+            <a:off x="5657094" y="5854037"/>
+            <a:ext cx="1652635" cy="730859"/>
+          </a:xfrm>
+          <a:prstGeom prst="rect">
+            <a:avLst/>
+          </a:prstGeom>
+        </p:spPr>
+      </p:pic>
+      <p:pic>
+        <p:nvPicPr>
+          <p:cNvPr id="16" name="Picture 15"/>
+          <p:cNvPicPr>
+            <a:picLocks noChangeAspect="1"/>
+          </p:cNvPicPr>
+          <p:nvPr/>
+        </p:nvPicPr>
+        <p:blipFill>
+          <a:blip r:embed="rId4" cstate="email">
+            <a:extLst>
+              <a:ext uri="{28A0092B-C50C-407E-A947-70E740481C1C}">
+                <a14:useLocalDpi xmlns:a14="http://schemas.microsoft.com/office/drawing/2010/main"/>
+              </a:ext>
+            </a:extLst>
+          </a:blip>
+          <a:stretch>
+            <a:fillRect/>
+          </a:stretch>
+        </p:blipFill>
+        <p:spPr>
+          <a:xfrm>
+            <a:off x="9157910" y="2213880"/>
+            <a:ext cx="809700" cy="778316"/>
+          </a:xfrm>
+          <a:prstGeom prst="rect">
+            <a:avLst/>
+          </a:prstGeom>
+        </p:spPr>
+      </p:pic>
+      <p:pic>
+        <p:nvPicPr>
+          <p:cNvPr id="24" name="Picture 23"/>
+          <p:cNvPicPr>
+            <a:picLocks noChangeAspect="1"/>
+          </p:cNvPicPr>
+          <p:nvPr/>
+        </p:nvPicPr>
+        <p:blipFill>
+          <a:blip r:embed="rId5" cstate="email">
+            <a:extLst>
+              <a:ext uri="{28A0092B-C50C-407E-A947-70E740481C1C}">
+                <a14:useLocalDpi xmlns:a14="http://schemas.microsoft.com/office/drawing/2010/main"/>
+              </a:ext>
+            </a:extLst>
+          </a:blip>
+          <a:stretch>
+            <a:fillRect/>
+          </a:stretch>
+        </p:blipFill>
+        <p:spPr>
+          <a:xfrm>
+            <a:off x="2623980" y="725378"/>
+            <a:ext cx="3407539" cy="1253441"/>
+          </a:xfrm>
+          <a:prstGeom prst="rect">
+            <a:avLst/>
+          </a:prstGeom>
+        </p:spPr>
+      </p:pic>
+      <p:pic>
+        <p:nvPicPr>
+          <p:cNvPr id="14" name="Picture 13"/>
+          <p:cNvPicPr>
+            <a:picLocks noChangeAspect="1"/>
+          </p:cNvPicPr>
+          <p:nvPr/>
+        </p:nvPicPr>
+        <p:blipFill>
+          <a:blip r:embed="rId6" cstate="email">
+            <a:extLst>
+              <a:ext uri="{28A0092B-C50C-407E-A947-70E740481C1C}">
+                <a14:useLocalDpi xmlns:a14="http://schemas.microsoft.com/office/drawing/2010/main"/>
+              </a:ext>
+            </a:extLst>
+          </a:blip>
+          <a:stretch>
+            <a:fillRect/>
+          </a:stretch>
+        </p:blipFill>
+        <p:spPr>
+          <a:xfrm>
+            <a:off x="8744424" y="1632777"/>
+            <a:ext cx="1735269" cy="452187"/>
+          </a:xfrm>
+          <a:prstGeom prst="rect">
+            <a:avLst/>
+          </a:prstGeom>
+        </p:spPr>
+      </p:pic>
+      <p:cxnSp>
+        <p:nvCxnSpPr>
+          <p:cNvPr id="10" name="Straight Connector 9"/>
+          <p:cNvCxnSpPr/>
+          <p:nvPr/>
+        </p:nvCxnSpPr>
+        <p:spPr>
+          <a:xfrm>
+            <a:off x="7910039" y="1181685"/>
+            <a:ext cx="0" cy="4875530"/>
+          </a:xfrm>
+          <a:prstGeom prst="line">
+            <a:avLst/>
+          </a:prstGeom>
+        </p:spPr>
+        <p:style>
+          <a:lnRef idx="1">
+            <a:schemeClr val="accent1"/>
+          </a:lnRef>
+          <a:fillRef idx="0">
+            <a:schemeClr val="accent1"/>
+          </a:fillRef>
+          <a:effectRef idx="0">
+            <a:schemeClr val="accent1"/>
+          </a:effectRef>
+          <a:fontRef idx="minor">
+            <a:schemeClr val="tx1"/>
+          </a:fontRef>
+        </p:style>
+      </p:cxnSp>
+      <p:pic>
+        <p:nvPicPr>
+          <p:cNvPr id="11" name="Picture 10"/>
+          <p:cNvPicPr>
+            <a:picLocks noChangeAspect="1"/>
+          </p:cNvPicPr>
+          <p:nvPr/>
+        </p:nvPicPr>
+        <p:blipFill>
+          <a:blip r:embed="rId7">
+            <a:extLst>
+              <a:ext uri="{28A0092B-C50C-407E-A947-70E740481C1C}">
+                <a14:useLocalDpi xmlns:a14="http://schemas.microsoft.com/office/drawing/2010/main"/>
+              </a:ext>
+            </a:extLst>
+          </a:blip>
+          <a:stretch>
+            <a:fillRect/>
+          </a:stretch>
+        </p:blipFill>
+        <p:spPr>
+          <a:xfrm>
+            <a:off x="1834276" y="1810817"/>
+            <a:ext cx="2460163" cy="1119374"/>
+          </a:xfrm>
+          <a:prstGeom prst="rect">
+            <a:avLst/>
+          </a:prstGeom>
+        </p:spPr>
+      </p:pic>
+      <p:pic>
+        <p:nvPicPr>
+          <p:cNvPr id="17" name="Picture 16"/>
+          <p:cNvPicPr>
+            <a:picLocks noChangeAspect="1"/>
+          </p:cNvPicPr>
+          <p:nvPr/>
+        </p:nvPicPr>
+        <p:blipFill>
+          <a:blip r:embed="rId8" cstate="email">
+            <a:extLst>
+              <a:ext uri="{28A0092B-C50C-407E-A947-70E740481C1C}">
+                <a14:useLocalDpi xmlns:a14="http://schemas.microsoft.com/office/drawing/2010/main"/>
+              </a:ext>
+            </a:extLst>
+          </a:blip>
+          <a:stretch>
+            <a:fillRect/>
+          </a:stretch>
+        </p:blipFill>
+        <p:spPr>
+          <a:xfrm>
+            <a:off x="5836530" y="4307382"/>
+            <a:ext cx="1652636" cy="1194383"/>
+          </a:xfrm>
+          <a:prstGeom prst="rect">
+            <a:avLst/>
+          </a:prstGeom>
+        </p:spPr>
+      </p:pic>
+      <p:pic>
+        <p:nvPicPr>
+          <p:cNvPr id="8" name="Picture 7">
+            <a:extLst>
+              <a:ext uri="{FF2B5EF4-FFF2-40B4-BE49-F238E27FC236}">
+                <a16:creationId xmlns:a16="http://schemas.microsoft.com/office/drawing/2014/main" id="{6AE8C789-CEFB-48AB-A1F2-4AEC4E01189F}"/>
+              </a:ext>
+            </a:extLst>
+          </p:cNvPr>
+          <p:cNvPicPr>
+            <a:picLocks noChangeAspect="1"/>
+          </p:cNvPicPr>
+          <p:nvPr/>
+        </p:nvPicPr>
+        <p:blipFill>
+          <a:blip r:embed="rId9" cstate="email">
+            <a:extLst>
+              <a:ext uri="{28A0092B-C50C-407E-A947-70E740481C1C}">
+                <a14:useLocalDpi xmlns:a14="http://schemas.microsoft.com/office/drawing/2010/main"/>
+              </a:ext>
+            </a:extLst>
+          </a:blip>
+          <a:stretch>
+            <a:fillRect/>
+          </a:stretch>
+        </p:blipFill>
+        <p:spPr>
+          <a:xfrm>
+            <a:off x="4697135" y="1822069"/>
+            <a:ext cx="2599267" cy="1170127"/>
+          </a:xfrm>
+          <a:prstGeom prst="rect">
+            <a:avLst/>
+          </a:prstGeom>
+        </p:spPr>
+      </p:pic>
+      <p:pic>
+        <p:nvPicPr>
+          <p:cNvPr id="19" name="Picture 18">
+            <a:extLst>
+              <a:ext uri="{FF2B5EF4-FFF2-40B4-BE49-F238E27FC236}">
+                <a16:creationId xmlns:a16="http://schemas.microsoft.com/office/drawing/2014/main" id="{5E1798E0-3136-47AC-ADD6-D95FB830C6C1}"/>
+              </a:ext>
+            </a:extLst>
+          </p:cNvPr>
+          <p:cNvPicPr>
+            <a:picLocks noChangeAspect="1"/>
+          </p:cNvPicPr>
+          <p:nvPr/>
+        </p:nvPicPr>
+        <p:blipFill>
+          <a:blip r:embed="rId10" cstate="email">
+            <a:extLst>
+              <a:ext uri="{28A0092B-C50C-407E-A947-70E740481C1C}">
+                <a14:useLocalDpi xmlns:a14="http://schemas.microsoft.com/office/drawing/2010/main"/>
+              </a:ext>
+            </a:extLst>
+          </a:blip>
+          <a:stretch>
+            <a:fillRect/>
+          </a:stretch>
+        </p:blipFill>
+        <p:spPr>
+          <a:xfrm>
+            <a:off x="1757782" y="3419042"/>
+            <a:ext cx="2724487" cy="826428"/>
+          </a:xfrm>
+          <a:prstGeom prst="rect">
+            <a:avLst/>
+          </a:prstGeom>
+        </p:spPr>
+      </p:pic>
+      <p:pic>
+        <p:nvPicPr>
+          <p:cNvPr id="25" name="Picture 24">
+            <a:extLst>
+              <a:ext uri="{FF2B5EF4-FFF2-40B4-BE49-F238E27FC236}">
+                <a16:creationId xmlns:a16="http://schemas.microsoft.com/office/drawing/2014/main" id="{E8ED068F-32F0-4688-8423-9058BF6EE524}"/>
+              </a:ext>
+            </a:extLst>
+          </p:cNvPr>
+          <p:cNvPicPr>
+            <a:picLocks noChangeAspect="1"/>
+          </p:cNvPicPr>
+          <p:nvPr/>
+        </p:nvPicPr>
+        <p:blipFill>
+          <a:blip r:embed="rId11" cstate="email">
+            <a:extLst>
+              <a:ext uri="{28A0092B-C50C-407E-A947-70E740481C1C}">
+                <a14:useLocalDpi xmlns:a14="http://schemas.microsoft.com/office/drawing/2010/main"/>
+              </a:ext>
+            </a:extLst>
+          </a:blip>
+          <a:stretch>
+            <a:fillRect/>
+          </a:stretch>
+        </p:blipFill>
+        <p:spPr>
+          <a:xfrm>
+            <a:off x="494978" y="4540814"/>
+            <a:ext cx="2678595" cy="803579"/>
+          </a:xfrm>
+          <a:prstGeom prst="rect">
+            <a:avLst/>
+          </a:prstGeom>
+        </p:spPr>
+      </p:pic>
+      <p:pic>
+        <p:nvPicPr>
+          <p:cNvPr id="27" name="Picture 26">
+            <a:extLst>
+              <a:ext uri="{FF2B5EF4-FFF2-40B4-BE49-F238E27FC236}">
+                <a16:creationId xmlns:a16="http://schemas.microsoft.com/office/drawing/2014/main" id="{3DA48536-A345-4A36-8C41-B116DBEA1EFB}"/>
+              </a:ext>
+            </a:extLst>
+          </p:cNvPr>
+          <p:cNvPicPr>
+            <a:picLocks noChangeAspect="1"/>
+          </p:cNvPicPr>
+          <p:nvPr/>
+        </p:nvPicPr>
+        <p:blipFill>
+          <a:blip r:embed="rId12">
+            <a:extLst>
+              <a:ext uri="{28A0092B-C50C-407E-A947-70E740481C1C}">
+                <a14:useLocalDpi xmlns:a14="http://schemas.microsoft.com/office/drawing/2010/main"/>
+              </a:ext>
+            </a:extLst>
+          </a:blip>
+          <a:stretch>
+            <a:fillRect/>
+          </a:stretch>
+        </p:blipFill>
+        <p:spPr>
+          <a:xfrm>
+            <a:off x="4545753" y="3360613"/>
+            <a:ext cx="2857155" cy="857147"/>
+          </a:xfrm>
+          <a:prstGeom prst="rect">
+            <a:avLst/>
+          </a:prstGeom>
+        </p:spPr>
+      </p:pic>
+      <p:pic>
+        <p:nvPicPr>
+          <p:cNvPr id="29" name="Picture 28">
+            <a:extLst>
+              <a:ext uri="{FF2B5EF4-FFF2-40B4-BE49-F238E27FC236}">
+                <a16:creationId xmlns:a16="http://schemas.microsoft.com/office/drawing/2014/main" id="{6C3547FD-1E5A-4E00-91FE-EA923F94F7AD}"/>
+              </a:ext>
+            </a:extLst>
+          </p:cNvPr>
+          <p:cNvPicPr>
+            <a:picLocks noChangeAspect="1"/>
+          </p:cNvPicPr>
+          <p:nvPr/>
+        </p:nvPicPr>
+        <p:blipFill>
+          <a:blip r:embed="rId13" cstate="email">
+            <a:extLst>
+              <a:ext uri="{28A0092B-C50C-407E-A947-70E740481C1C}">
+                <a14:useLocalDpi xmlns:a14="http://schemas.microsoft.com/office/drawing/2010/main"/>
+              </a:ext>
+            </a:extLst>
+          </a:blip>
+          <a:stretch>
+            <a:fillRect/>
+          </a:stretch>
+        </p:blipFill>
+        <p:spPr>
+          <a:xfrm>
+            <a:off x="1932385" y="5826404"/>
+            <a:ext cx="3343556" cy="728386"/>
+          </a:xfrm>
+          <a:prstGeom prst="rect">
+            <a:avLst/>
+          </a:prstGeom>
+        </p:spPr>
+      </p:pic>
+      <p:pic>
+        <p:nvPicPr>
+          <p:cNvPr id="31" name="Picture 30">
+            <a:extLst>
+              <a:ext uri="{FF2B5EF4-FFF2-40B4-BE49-F238E27FC236}">
+                <a16:creationId xmlns:a16="http://schemas.microsoft.com/office/drawing/2014/main" id="{A6CE2CF2-BCBB-4C9E-88A2-9E2FD7DF87DF}"/>
+              </a:ext>
+            </a:extLst>
+          </p:cNvPr>
+          <p:cNvPicPr>
+            <a:picLocks noChangeAspect="1"/>
+          </p:cNvPicPr>
+          <p:nvPr/>
+        </p:nvPicPr>
+        <p:blipFill>
+          <a:blip r:embed="rId14">
+            <a:extLst>
+              <a:ext uri="{28A0092B-C50C-407E-A947-70E740481C1C}">
+                <a14:useLocalDpi xmlns:a14="http://schemas.microsoft.com/office/drawing/2010/main"/>
+              </a:ext>
+            </a:extLst>
+          </a:blip>
+          <a:stretch>
+            <a:fillRect/>
+          </a:stretch>
+        </p:blipFill>
+        <p:spPr>
+          <a:xfrm>
+            <a:off x="8848470" y="3335107"/>
+            <a:ext cx="1428577" cy="476192"/>
+          </a:xfrm>
+          <a:prstGeom prst="rect">
+            <a:avLst/>
+          </a:prstGeom>
+        </p:spPr>
+      </p:pic>
+      <p:pic>
+        <p:nvPicPr>
+          <p:cNvPr id="33" name="Picture 32">
+            <a:extLst>
+              <a:ext uri="{FF2B5EF4-FFF2-40B4-BE49-F238E27FC236}">
+                <a16:creationId xmlns:a16="http://schemas.microsoft.com/office/drawing/2014/main" id="{AF03FBA9-BE7E-4560-B182-26F3285335E5}"/>
+              </a:ext>
+            </a:extLst>
+          </p:cNvPr>
+          <p:cNvPicPr>
+            <a:picLocks noChangeAspect="1"/>
+          </p:cNvPicPr>
+          <p:nvPr/>
+        </p:nvPicPr>
+        <p:blipFill>
+          <a:blip r:embed="rId15">
+            <a:extLst>
+              <a:ext uri="{28A0092B-C50C-407E-A947-70E740481C1C}">
+                <a14:useLocalDpi xmlns:a14="http://schemas.microsoft.com/office/drawing/2010/main"/>
+              </a:ext>
+            </a:extLst>
+          </a:blip>
+          <a:stretch>
+            <a:fillRect/>
+          </a:stretch>
+        </p:blipFill>
+        <p:spPr>
+          <a:xfrm>
+            <a:off x="8849642" y="4249087"/>
+            <a:ext cx="1428956" cy="523951"/>
+          </a:xfrm>
+          <a:prstGeom prst="rect">
+            <a:avLst/>
+          </a:prstGeom>
+        </p:spPr>
+      </p:pic>
+    </p:spTree>
+    <p:extLst>
+      <p:ext uri="{BB962C8B-B14F-4D97-AF65-F5344CB8AC3E}">
+        <p14:creationId xmlns:p14="http://schemas.microsoft.com/office/powerpoint/2010/main" val="725759334"/>
+      </p:ext>
+    </p:extLst>
+  </p:cSld>
+  <p:clrMapOvr>
+    <a:masterClrMapping/>
+  </p:clrMapOvr>
+</p:sld>
+</file>
+
+<file path=ppt/slides/slide3.xml><?xml version="1.0" encoding="utf-8"?>
+<p:sld xmlns:a="http://schemas.openxmlformats.org/drawingml/2006/main" xmlns:r="http://schemas.openxmlformats.org/officeDocument/2006/relationships" xmlns:p="http://schemas.openxmlformats.org/presentationml/2006/main">
+  <p:cSld>
+    <p:spTree>
+      <p:nvGrpSpPr>
+        <p:cNvPr id="1" name=""/>
+        <p:cNvGrpSpPr/>
+        <p:nvPr/>
+      </p:nvGrpSpPr>
+      <p:grpSpPr>
+        <a:xfrm>
+          <a:off x="0" y="0"/>
+          <a:ext cx="0" cy="0"/>
+          <a:chOff x="0" y="0"/>
+          <a:chExt cx="0" cy="0"/>
+        </a:xfrm>
+      </p:grpSpPr>
+      <p:sp>
+        <p:nvSpPr>
           <p:cNvPr id="13" name="Title 12"/>
           <p:cNvSpPr>
             <a:spLocks noGrp="1"/>
@@ -6248,10 +7047,9 @@
           <a:lstStyle/>
           <a:p>
             <a:r>
-              <a:rPr lang="en-US" dirty="0" smtClean="0"/>
+              <a:rPr lang="en-US" dirty="0"/>
               <a:t>About Me</a:t>
             </a:r>
-            <a:endParaRPr lang="en-US" dirty="0"/>
           </a:p>
         </p:txBody>
       </p:sp>
@@ -6271,52 +7069,50 @@
           <a:lstStyle/>
           <a:p>
             <a:r>
-              <a:rPr lang="en-US" dirty="0" smtClean="0"/>
+              <a:rPr lang="en-US" dirty="0"/>
               <a:t>Business Intelligence and Integration Architect at Wellesley College</a:t>
             </a:r>
+          </a:p>
+          <a:p>
+            <a:r>
+              <a:rPr lang="en-US" dirty="0"/>
+              <a:t>Oracle Database Design and Development – 30 years</a:t>
+            </a:r>
+          </a:p>
+          <a:p>
+            <a:r>
+              <a:rPr lang="en-US" dirty="0"/>
+              <a:t>SQL Server Database and Business Intelligence Stack – 5 years</a:t>
+            </a:r>
+          </a:p>
+          <a:p>
+            <a:r>
+              <a:rPr lang="en-US" dirty="0"/>
+              <a:t>Boston Code Camp 26, 27, 28, 29 Attendee</a:t>
+            </a:r>
+          </a:p>
+          <a:p>
+            <a:r>
+              <a:rPr lang="en-US" dirty="0"/>
+              <a:t>First Time Presenter</a:t>
+            </a:r>
+          </a:p>
+          <a:p>
+            <a:r>
+              <a:rPr lang="en-US" dirty="0"/>
+              <a:t>Email: adipesa@wellesley.edu</a:t>
+            </a:r>
+          </a:p>
+          <a:p>
+            <a:r>
+              <a:rPr lang="en-US" dirty="0"/>
+              <a:t>Twitter: @</a:t>
+            </a:r>
+            <a:r>
+              <a:rPr lang="en-US" dirty="0" err="1"/>
+              <a:t>adipesa</a:t>
+            </a:r>
             <a:endParaRPr lang="en-US" dirty="0"/>
-          </a:p>
-          <a:p>
-            <a:r>
-              <a:rPr lang="en-US" dirty="0" smtClean="0"/>
-              <a:t>Oracle Database Design and Development – 30 years</a:t>
-            </a:r>
-            <a:endParaRPr lang="en-US" dirty="0"/>
-          </a:p>
-          <a:p>
-            <a:r>
-              <a:rPr lang="en-US" dirty="0" smtClean="0"/>
-              <a:t>SQL Server Database and Business Intelligence Stack – 5 years</a:t>
-            </a:r>
-          </a:p>
-          <a:p>
-            <a:r>
-              <a:rPr lang="en-US" dirty="0" smtClean="0"/>
-              <a:t>Boston Code Camp 26, 27, 28, 29 Attendee</a:t>
-            </a:r>
-          </a:p>
-          <a:p>
-            <a:r>
-              <a:rPr lang="en-US" dirty="0" smtClean="0"/>
-              <a:t>First Time Presenter</a:t>
-            </a:r>
-          </a:p>
-          <a:p>
-            <a:r>
-              <a:rPr lang="en-US" dirty="0" smtClean="0"/>
-              <a:t>Email: adipesa@wellesley.edu</a:t>
-            </a:r>
-          </a:p>
-          <a:p>
-            <a:r>
-              <a:rPr lang="en-US" dirty="0" smtClean="0"/>
-              <a:t>Twitter: @</a:t>
-            </a:r>
-            <a:r>
-              <a:rPr lang="en-US" dirty="0" err="1" smtClean="0"/>
-              <a:t>adipesa</a:t>
-            </a:r>
-            <a:endParaRPr lang="en-US" dirty="0" smtClean="0"/>
           </a:p>
           <a:p>
             <a:endParaRPr lang="en-US" dirty="0"/>
@@ -6363,143 +7159,9 @@
   <p:clrMapOvr>
     <a:masterClrMapping/>
   </p:clrMapOvr>
-  <mc:AlternateContent xmlns:mc="http://schemas.openxmlformats.org/markup-compatibility/2006" xmlns:p14="http://schemas.microsoft.com/office/powerpoint/2010/main">
-    <mc:Choice Requires="p14">
-      <p:transition spd="med" p14:dur="700">
-        <p:fade/>
-      </p:transition>
-    </mc:Choice>
-    <mc:Fallback xmlns="">
-      <p:transition spd="med">
-        <p:fade/>
-      </p:transition>
-    </mc:Fallback>
-  </mc:AlternateContent>
-</p:sld>
-</file>
-
-<file path=ppt/slides/slide3.xml><?xml version="1.0" encoding="utf-8"?>
-<p:sld xmlns:a="http://schemas.openxmlformats.org/drawingml/2006/main" xmlns:r="http://schemas.openxmlformats.org/officeDocument/2006/relationships" xmlns:p="http://schemas.openxmlformats.org/presentationml/2006/main">
-  <p:cSld>
-    <p:spTree>
-      <p:nvGrpSpPr>
-        <p:cNvPr id="1" name=""/>
-        <p:cNvGrpSpPr/>
-        <p:nvPr/>
-      </p:nvGrpSpPr>
-      <p:grpSpPr>
-        <a:xfrm>
-          <a:off x="0" y="0"/>
-          <a:ext cx="0" cy="0"/>
-          <a:chOff x="0" y="0"/>
-          <a:chExt cx="0" cy="0"/>
-        </a:xfrm>
-      </p:grpSpPr>
-      <p:sp>
-        <p:nvSpPr>
-          <p:cNvPr id="13" name="Title 12"/>
-          <p:cNvSpPr>
-            <a:spLocks noGrp="1"/>
-          </p:cNvSpPr>
-          <p:nvPr>
-            <p:ph type="title"/>
-          </p:nvPr>
-        </p:nvSpPr>
-        <p:spPr/>
-        <p:txBody>
-          <a:bodyPr/>
-          <a:lstStyle/>
-          <a:p>
-            <a:r>
-              <a:rPr lang="en-US" dirty="0" smtClean="0"/>
-              <a:t>AGENDA</a:t>
-            </a:r>
-            <a:endParaRPr lang="en-US" dirty="0"/>
-          </a:p>
-        </p:txBody>
-      </p:sp>
-      <p:sp>
-        <p:nvSpPr>
-          <p:cNvPr id="14" name="Content Placeholder 13"/>
-          <p:cNvSpPr>
-            <a:spLocks noGrp="1"/>
-          </p:cNvSpPr>
-          <p:nvPr>
-            <p:ph idx="1"/>
-          </p:nvPr>
-        </p:nvSpPr>
-        <p:spPr/>
-        <p:txBody>
-          <a:bodyPr/>
-          <a:lstStyle/>
-          <a:p>
-            <a:r>
-              <a:rPr lang="en-US" dirty="0" smtClean="0"/>
-              <a:t>What is JSON?</a:t>
-            </a:r>
-            <a:endParaRPr lang="en-US" dirty="0"/>
-          </a:p>
-          <a:p>
-            <a:r>
-              <a:rPr lang="en-US" dirty="0" smtClean="0"/>
-              <a:t>Why Use JSON with SQL Server?</a:t>
-            </a:r>
-            <a:endParaRPr lang="en-US" dirty="0"/>
-          </a:p>
-          <a:p>
-            <a:r>
-              <a:rPr lang="en-US" dirty="0" smtClean="0"/>
-              <a:t>SQL Server 2016 Support for JSON</a:t>
-            </a:r>
-          </a:p>
-          <a:p>
-            <a:r>
-              <a:rPr lang="en-US" dirty="0" smtClean="0"/>
-              <a:t>Get JSON Formatted Data Into SQL Server Tables</a:t>
-            </a:r>
-          </a:p>
-          <a:p>
-            <a:r>
-              <a:rPr lang="en-US" dirty="0" smtClean="0"/>
-              <a:t>Get Data Out from SQL Server Tables in JSON Format</a:t>
-            </a:r>
-          </a:p>
-          <a:p>
-            <a:r>
-              <a:rPr lang="en-US" dirty="0" smtClean="0"/>
-              <a:t>Power BI Visualization of JSON Data</a:t>
-            </a:r>
-          </a:p>
-          <a:p>
-            <a:endParaRPr lang="en-US" dirty="0" smtClean="0"/>
-          </a:p>
-          <a:p>
-            <a:endParaRPr lang="en-US" dirty="0"/>
-          </a:p>
-        </p:txBody>
-      </p:sp>
-    </p:spTree>
-    <p:extLst>
-      <p:ext uri="{BB962C8B-B14F-4D97-AF65-F5344CB8AC3E}">
-        <p14:creationId xmlns:p14="http://schemas.microsoft.com/office/powerpoint/2010/main" val="711182959"/>
-      </p:ext>
-    </p:extLst>
-  </p:cSld>
-  <p:clrMapOvr>
-    <a:masterClrMapping/>
-  </p:clrMapOvr>
-  <mc:AlternateContent xmlns:mc="http://schemas.openxmlformats.org/markup-compatibility/2006" xmlns:p14="http://schemas.microsoft.com/office/powerpoint/2010/main">
-    <mc:Choice Requires="p14">
-      <p:transition spd="med" p14:dur="700">
-        <p:fade/>
-      </p:transition>
-    </mc:Choice>
-    <mc:Fallback xmlns="">
-      <p:transition spd="med">
-        <p:fade/>
-      </p:transition>
-    </mc:Fallback>
-  </mc:AlternateContent>
+  <p:transition spd="slow">
+    <p:wipe/>
+  </p:transition>
 </p:sld>
 </file>
 
@@ -6536,10 +7198,131 @@
           <a:lstStyle/>
           <a:p>
             <a:r>
-              <a:rPr lang="en-US" dirty="0" smtClean="0"/>
+              <a:rPr lang="en-US" dirty="0"/>
+              <a:t>AGENDA</a:t>
+            </a:r>
+          </a:p>
+        </p:txBody>
+      </p:sp>
+      <p:sp>
+        <p:nvSpPr>
+          <p:cNvPr id="14" name="Content Placeholder 13"/>
+          <p:cNvSpPr>
+            <a:spLocks noGrp="1"/>
+          </p:cNvSpPr>
+          <p:nvPr>
+            <p:ph idx="1"/>
+          </p:nvPr>
+        </p:nvSpPr>
+        <p:spPr/>
+        <p:txBody>
+          <a:bodyPr/>
+          <a:lstStyle/>
+          <a:p>
+            <a:r>
+              <a:rPr lang="en-US" dirty="0"/>
               <a:t>What is JSON?</a:t>
             </a:r>
+          </a:p>
+          <a:p>
+            <a:r>
+              <a:rPr lang="en-US" dirty="0"/>
+              <a:t>Why Use JSON with SQL Server?</a:t>
+            </a:r>
+          </a:p>
+          <a:p>
+            <a:r>
+              <a:rPr lang="en-US" dirty="0"/>
+              <a:t>SQL Server 2016 Support for JSON</a:t>
+            </a:r>
+          </a:p>
+          <a:p>
+            <a:r>
+              <a:rPr lang="en-US" dirty="0"/>
+              <a:t>Get JSON Formatted Data Into SQL Server Tables</a:t>
+            </a:r>
+          </a:p>
+          <a:p>
+            <a:r>
+              <a:rPr lang="en-US" dirty="0"/>
+              <a:t>Get Data Out from SQL Server Tables in JSON Format</a:t>
+            </a:r>
+          </a:p>
+          <a:p>
+            <a:r>
+              <a:rPr lang="en-US" dirty="0"/>
+              <a:t>Power BI Visualization of JSON Data</a:t>
+            </a:r>
+          </a:p>
+          <a:p>
             <a:endParaRPr lang="en-US" dirty="0"/>
+          </a:p>
+          <a:p>
+            <a:endParaRPr lang="en-US" dirty="0"/>
+          </a:p>
+        </p:txBody>
+      </p:sp>
+    </p:spTree>
+    <p:extLst>
+      <p:ext uri="{BB962C8B-B14F-4D97-AF65-F5344CB8AC3E}">
+        <p14:creationId xmlns:p14="http://schemas.microsoft.com/office/powerpoint/2010/main" val="711182959"/>
+      </p:ext>
+    </p:extLst>
+  </p:cSld>
+  <p:clrMapOvr>
+    <a:masterClrMapping/>
+  </p:clrMapOvr>
+  <mc:AlternateContent xmlns:mc="http://schemas.openxmlformats.org/markup-compatibility/2006">
+    <mc:Choice xmlns:p14="http://schemas.microsoft.com/office/powerpoint/2010/main" Requires="p14">
+      <p:transition p14:dur="100">
+        <p:cut/>
+      </p:transition>
+    </mc:Choice>
+    <mc:Fallback>
+      <p:transition>
+        <p:cut/>
+      </p:transition>
+    </mc:Fallback>
+  </mc:AlternateContent>
+</p:sld>
+</file>
+
+<file path=ppt/slides/slide5.xml><?xml version="1.0" encoding="utf-8"?>
+<p:sld xmlns:a="http://schemas.openxmlformats.org/drawingml/2006/main" xmlns:r="http://schemas.openxmlformats.org/officeDocument/2006/relationships" xmlns:p="http://schemas.openxmlformats.org/presentationml/2006/main">
+  <p:cSld>
+    <p:spTree>
+      <p:nvGrpSpPr>
+        <p:cNvPr id="1" name=""/>
+        <p:cNvGrpSpPr/>
+        <p:nvPr/>
+      </p:nvGrpSpPr>
+      <p:grpSpPr>
+        <a:xfrm>
+          <a:off x="0" y="0"/>
+          <a:ext cx="0" cy="0"/>
+          <a:chOff x="0" y="0"/>
+          <a:chExt cx="0" cy="0"/>
+        </a:xfrm>
+      </p:grpSpPr>
+      <p:sp>
+        <p:nvSpPr>
+          <p:cNvPr id="13" name="Title 12"/>
+          <p:cNvSpPr>
+            <a:spLocks noGrp="1"/>
+          </p:cNvSpPr>
+          <p:nvPr>
+            <p:ph type="title"/>
+          </p:nvPr>
+        </p:nvSpPr>
+        <p:spPr/>
+        <p:txBody>
+          <a:bodyPr/>
+          <a:lstStyle/>
+          <a:p>
+            <a:r>
+              <a:rPr lang="en-US" dirty="0"/>
+              <a:t>What is JSON?</a:t>
+            </a:r>
           </a:p>
         </p:txBody>
       </p:sp>
@@ -6561,109 +7344,92 @@
           <a:lstStyle/>
           <a:p>
             <a:r>
-              <a:rPr lang="en-US" b="1" dirty="0" smtClean="0"/>
+              <a:rPr lang="en-US" b="1" dirty="0"/>
               <a:t>J</a:t>
             </a:r>
             <a:r>
-              <a:rPr lang="en-US" dirty="0" smtClean="0"/>
+              <a:rPr lang="en-US" dirty="0"/>
               <a:t>ava</a:t>
             </a:r>
             <a:r>
-              <a:rPr lang="en-US" b="1" dirty="0" smtClean="0"/>
+              <a:rPr lang="en-US" b="1" dirty="0"/>
               <a:t>S</a:t>
             </a:r>
             <a:r>
-              <a:rPr lang="en-US" dirty="0" smtClean="0"/>
+              <a:rPr lang="en-US" dirty="0"/>
               <a:t>cript </a:t>
             </a:r>
             <a:r>
-              <a:rPr lang="en-US" b="1" dirty="0" smtClean="0"/>
+              <a:rPr lang="en-US" b="1" dirty="0"/>
               <a:t>O</a:t>
             </a:r>
             <a:r>
-              <a:rPr lang="en-US" dirty="0" smtClean="0"/>
+              <a:rPr lang="en-US" dirty="0"/>
               <a:t>bject </a:t>
             </a:r>
             <a:r>
-              <a:rPr lang="en-US" b="1" dirty="0" smtClean="0"/>
+              <a:rPr lang="en-US" b="1" dirty="0"/>
               <a:t>N</a:t>
             </a:r>
             <a:r>
-              <a:rPr lang="en-US" dirty="0" smtClean="0"/>
+              <a:rPr lang="en-US" dirty="0"/>
               <a:t>otation</a:t>
             </a:r>
-            <a:endParaRPr lang="en-US" dirty="0"/>
-          </a:p>
-          <a:p>
-            <a:r>
-              <a:rPr lang="en-US" dirty="0" smtClean="0"/>
+          </a:p>
+          <a:p>
+            <a:r>
+              <a:rPr lang="en-US" dirty="0"/>
               <a:t>Lightweight Data Interchange Format</a:t>
             </a:r>
           </a:p>
           <a:p>
             <a:r>
-              <a:rPr lang="en-US" dirty="0" smtClean="0"/>
+              <a:rPr lang="en-US" dirty="0"/>
               <a:t>Facilitates Integration of Data Between Systems / Applications</a:t>
             </a:r>
-            <a:endParaRPr lang="en-US" dirty="0"/>
-          </a:p>
-          <a:p>
-            <a:r>
-              <a:rPr lang="en-US" dirty="0" smtClean="0"/>
+          </a:p>
+          <a:p>
+            <a:r>
+              <a:rPr lang="en-US" dirty="0"/>
               <a:t>Easy to Read and Write</a:t>
             </a:r>
           </a:p>
           <a:p>
             <a:r>
-              <a:rPr lang="en-US" dirty="0" smtClean="0"/>
-              <a:t>Easy to Parse and </a:t>
-            </a:r>
-            <a:r>
-              <a:rPr lang="en-US" dirty="0" smtClean="0"/>
-              <a:t>Generate</a:t>
+              <a:rPr lang="en-US" dirty="0"/>
+              <a:t>Easy to Parse and Generate</a:t>
             </a:r>
           </a:p>
           <a:p>
             <a:pPr marL="0" indent="0">
               <a:buNone/>
             </a:pPr>
-            <a:endParaRPr lang="en-US" sz="1800" dirty="0" smtClean="0"/>
+            <a:endParaRPr lang="en-US" sz="1800" dirty="0"/>
           </a:p>
           <a:p>
             <a:pPr marL="0" indent="0">
               <a:buNone/>
             </a:pPr>
             <a:r>
-              <a:rPr lang="en-US" sz="1400" dirty="0" smtClean="0"/>
-              <a:t>Source</a:t>
-            </a:r>
-            <a:r>
               <a:rPr lang="en-US" sz="1400" dirty="0"/>
-              <a:t>: </a:t>
+              <a:t>Source: </a:t>
             </a:r>
             <a:r>
               <a:rPr lang="en-US" sz="1400" dirty="0">
                 <a:hlinkClick r:id="rId2"/>
               </a:rPr>
-              <a:t>http://www.json.org</a:t>
-            </a:r>
-            <a:r>
-              <a:rPr lang="en-US" sz="1400" dirty="0" smtClean="0">
-                <a:hlinkClick r:id="rId2"/>
-              </a:rPr>
-              <a:t>/</a:t>
-            </a:r>
-            <a:endParaRPr lang="en-US" sz="1400" dirty="0" smtClean="0"/>
+              <a:t>http://www.json.org/</a:t>
+            </a:r>
+            <a:endParaRPr lang="en-US" sz="1400" dirty="0"/>
           </a:p>
           <a:p>
             <a:pPr marL="0" indent="0">
               <a:buNone/>
             </a:pPr>
             <a:r>
-              <a:rPr lang="en-US" sz="1400" dirty="0" smtClean="0"/>
+              <a:rPr lang="en-US" sz="1400" dirty="0"/>
               <a:t>Photo taken at Museum of Pop Culture – Seattle, WA</a:t>
             </a:r>
-            <a:endParaRPr lang="en-US" sz="1400" dirty="0"/>
           </a:p>
         </p:txBody>
       </p:sp>
@@ -6722,7 +7488,7 @@
 </p:sld>
 </file>
 
-<file path=ppt/slides/slide5.xml><?xml version="1.0" encoding="utf-8"?>
+<file path=ppt/slides/slide6.xml><?xml version="1.0" encoding="utf-8"?>
 <p:sld xmlns:a="http://schemas.openxmlformats.org/drawingml/2006/main" xmlns:r="http://schemas.openxmlformats.org/officeDocument/2006/relationships" xmlns:p="http://schemas.openxmlformats.org/presentationml/2006/main">
   <p:cSld>
     <p:spTree>
@@ -6755,10 +7521,9 @@
           <a:lstStyle/>
           <a:p>
             <a:r>
-              <a:rPr lang="en-US" dirty="0" smtClean="0"/>
+              <a:rPr lang="en-US" dirty="0"/>
               <a:t>What is JSON?</a:t>
             </a:r>
-            <a:endParaRPr lang="en-US" dirty="0"/>
           </a:p>
         </p:txBody>
       </p:sp>
@@ -6780,7 +7545,7 @@
           <a:lstStyle/>
           <a:p>
             <a:r>
-              <a:rPr lang="en-US" dirty="0" smtClean="0"/>
+              <a:rPr lang="en-US" dirty="0"/>
               <a:t>Name / Value Pairs</a:t>
             </a:r>
           </a:p>
@@ -6790,128 +7555,63 @@
               <a:rPr lang="en-US" sz="1900" dirty="0">
                 <a:latin typeface="Calibri" panose="020F0502020204030204" pitchFamily="34" charset="0"/>
               </a:rPr>
-              <a:t>{"title":"Scream","year":1996,"director":"Wes </a:t>
-            </a:r>
+              <a:t>{"title":"Scream","year":1996,"director":"Wes Craven"}</a:t>
+            </a:r>
+          </a:p>
+          <a:p>
+            <a:pPr lvl="1"/>
             <a:r>
               <a:rPr lang="en-US" sz="1900" dirty="0">
                 <a:latin typeface="Calibri" panose="020F0502020204030204" pitchFamily="34" charset="0"/>
               </a:rPr>
-              <a:t>Craven"}</a:t>
-            </a:r>
-            <a:endParaRPr lang="en-US" sz="1900" dirty="0" smtClean="0">
-              <a:latin typeface="Calibri" panose="020F0502020204030204" pitchFamily="34" charset="0"/>
-            </a:endParaRPr>
+              <a:t>{"title":"Halloween","year":1978,"director":"John Carpenter"}</a:t>
+            </a:r>
+          </a:p>
+          <a:p>
+            <a:r>
+              <a:rPr lang="en-US" dirty="0"/>
+              <a:t>JSON Data Types</a:t>
+            </a:r>
           </a:p>
           <a:p>
             <a:pPr lvl="1"/>
+            <a:r>
+              <a:rPr lang="en-US" dirty="0"/>
+              <a:t>String, Number, Boolean (true or false), null</a:t>
+            </a:r>
+          </a:p>
+          <a:p>
+            <a:pPr lvl="1"/>
+            <a:r>
+              <a:rPr lang="en-US" dirty="0"/>
+              <a:t>Array</a:t>
+            </a:r>
+          </a:p>
+          <a:p>
+            <a:pPr lvl="2"/>
             <a:r>
               <a:rPr lang="en-US" sz="1900" dirty="0">
                 <a:latin typeface="Calibri" panose="020F0502020204030204" pitchFamily="34" charset="0"/>
               </a:rPr>
-              <a:t>{"title":"Halloween","year":1978,"director":"John </a:t>
-            </a:r>
-            <a:r>
-              <a:rPr lang="en-US" sz="1900" dirty="0">
-                <a:latin typeface="Calibri" panose="020F0502020204030204" pitchFamily="34" charset="0"/>
-              </a:rPr>
-              <a:t>Carpenter"}</a:t>
-            </a:r>
-            <a:endParaRPr lang="en-US" sz="1900" dirty="0" smtClean="0">
-              <a:latin typeface="Calibri" panose="020F0502020204030204" pitchFamily="34" charset="0"/>
-            </a:endParaRPr>
-          </a:p>
-          <a:p>
-            <a:r>
-              <a:rPr lang="en-US" dirty="0" smtClean="0"/>
-              <a:t>JSON Data Types</a:t>
+              <a:t>"genre":["Horror", "Slasher"]</a:t>
             </a:r>
           </a:p>
           <a:p>
             <a:pPr lvl="1"/>
             <a:r>
-              <a:rPr lang="en-US" dirty="0" smtClean="0"/>
-              <a:t>String, Number, Boolean (true or false), null</a:t>
-            </a:r>
-            <a:endParaRPr lang="en-US" dirty="0"/>
-          </a:p>
-          <a:p>
-            <a:pPr lvl="1"/>
-            <a:r>
-              <a:rPr lang="en-US" dirty="0" smtClean="0"/>
-              <a:t>Array</a:t>
-            </a:r>
-            <a:endParaRPr lang="en-US" dirty="0" smtClean="0"/>
-          </a:p>
-          <a:p>
-            <a:pPr lvl="2"/>
-            <a:r>
-              <a:rPr lang="en-US" sz="1900" dirty="0" smtClean="0">
-                <a:latin typeface="Calibri" panose="020F0502020204030204" pitchFamily="34" charset="0"/>
-              </a:rPr>
-              <a:t>"</a:t>
-            </a:r>
-            <a:r>
-              <a:rPr lang="en-US" sz="1900" dirty="0">
-                <a:latin typeface="Calibri" panose="020F0502020204030204" pitchFamily="34" charset="0"/>
-              </a:rPr>
-              <a:t>genre</a:t>
-            </a:r>
-            <a:r>
-              <a:rPr lang="en-US" sz="1900" dirty="0" smtClean="0">
-                <a:latin typeface="Calibri" panose="020F0502020204030204" pitchFamily="34" charset="0"/>
-              </a:rPr>
-              <a:t>":["</a:t>
-            </a:r>
-            <a:r>
-              <a:rPr lang="en-US" sz="1900" dirty="0">
-                <a:latin typeface="Calibri" panose="020F0502020204030204" pitchFamily="34" charset="0"/>
-              </a:rPr>
-              <a:t>Horror", "Slasher</a:t>
-            </a:r>
-            <a:r>
-              <a:rPr lang="en-US" sz="1900" dirty="0" smtClean="0">
-                <a:latin typeface="Calibri" panose="020F0502020204030204" pitchFamily="34" charset="0"/>
-              </a:rPr>
-              <a:t>"]</a:t>
-            </a:r>
-          </a:p>
-          <a:p>
-            <a:pPr lvl="1"/>
-            <a:r>
-              <a:rPr lang="en-US" dirty="0" smtClean="0">
+              <a:rPr lang="en-US" dirty="0">
                 <a:latin typeface="Calibri" panose="020F0502020204030204" pitchFamily="34" charset="0"/>
               </a:rPr>
               <a:t>Object</a:t>
             </a:r>
-            <a:endParaRPr lang="en-US" dirty="0" smtClean="0">
-              <a:latin typeface="Calibri" panose="020F0502020204030204" pitchFamily="34" charset="0"/>
-            </a:endParaRPr>
           </a:p>
           <a:p>
             <a:pPr lvl="2"/>
-            <a:r>
-              <a:rPr lang="en-US" sz="1700" dirty="0" smtClean="0">
-                <a:latin typeface="Calibri" panose="020F0502020204030204" pitchFamily="34" charset="0"/>
-              </a:rPr>
-              <a:t>"</a:t>
-            </a:r>
             <a:r>
               <a:rPr lang="en-US" sz="1700" dirty="0">
                 <a:latin typeface="Calibri" panose="020F0502020204030204" pitchFamily="34" charset="0"/>
               </a:rPr>
-              <a:t>movie</a:t>
-            </a:r>
-            <a:r>
-              <a:rPr lang="en-US" sz="1700" dirty="0" smtClean="0">
-                <a:latin typeface="Calibri" panose="020F0502020204030204" pitchFamily="34" charset="0"/>
-              </a:rPr>
-              <a:t>":{"</a:t>
-            </a:r>
-            <a:r>
-              <a:rPr lang="en-US" sz="1700" dirty="0">
-                <a:latin typeface="Calibri" panose="020F0502020204030204" pitchFamily="34" charset="0"/>
-              </a:rPr>
-              <a:t>MovieId":29213,"Title":"Friday the 13th","ReleaseYear":1980,"Director":"Sean S. Cunningham","</a:t>
+              <a:t>"movie":{"MovieId":29213,"Title":"Friday the 13th","ReleaseYear":1980,"Director":"Sean S. Cunningham","</a:t>
             </a:r>
             <a:r>
               <a:rPr lang="en-US" sz="1700" dirty="0" err="1">
@@ -6920,82 +7620,10 @@
               <a:t>CastListing</a:t>
             </a:r>
             <a:r>
-              <a:rPr lang="en-US" sz="1700" dirty="0" smtClean="0">
-                <a:latin typeface="Calibri" panose="020F0502020204030204" pitchFamily="34" charset="0"/>
-              </a:rPr>
-              <a:t>":["</a:t>
-            </a:r>
-            <a:r>
               <a:rPr lang="en-US" sz="1700" dirty="0">
                 <a:latin typeface="Calibri" panose="020F0502020204030204" pitchFamily="34" charset="0"/>
               </a:rPr>
-              <a:t>Betsy </a:t>
-            </a:r>
-            <a:r>
-              <a:rPr lang="en-US" sz="1700" dirty="0" smtClean="0">
-                <a:latin typeface="Calibri" panose="020F0502020204030204" pitchFamily="34" charset="0"/>
-              </a:rPr>
-              <a:t>Palmer</a:t>
-            </a:r>
-            <a:r>
-              <a:rPr lang="en-US" sz="1700" dirty="0">
-                <a:latin typeface="Calibri" panose="020F0502020204030204" pitchFamily="34" charset="0"/>
-              </a:rPr>
-              <a:t>"</a:t>
-            </a:r>
-            <a:r>
-              <a:rPr lang="en-US" sz="1700" dirty="0" smtClean="0">
-                <a:latin typeface="Calibri" panose="020F0502020204030204" pitchFamily="34" charset="0"/>
-              </a:rPr>
-              <a:t>, </a:t>
-            </a:r>
-            <a:r>
-              <a:rPr lang="en-US" sz="1700" dirty="0">
-                <a:latin typeface="Calibri" panose="020F0502020204030204" pitchFamily="34" charset="0"/>
-              </a:rPr>
-              <a:t>"</a:t>
-            </a:r>
-            <a:r>
-              <a:rPr lang="en-US" sz="1700" dirty="0" smtClean="0">
-                <a:latin typeface="Calibri" panose="020F0502020204030204" pitchFamily="34" charset="0"/>
-              </a:rPr>
-              <a:t>Adrienne King</a:t>
-            </a:r>
-            <a:r>
-              <a:rPr lang="en-US" sz="1700" dirty="0">
-                <a:latin typeface="Calibri" panose="020F0502020204030204" pitchFamily="34" charset="0"/>
-              </a:rPr>
-              <a:t>"</a:t>
-            </a:r>
-            <a:r>
-              <a:rPr lang="en-US" sz="1700" dirty="0" smtClean="0">
-                <a:latin typeface="Calibri" panose="020F0502020204030204" pitchFamily="34" charset="0"/>
-              </a:rPr>
-              <a:t>, </a:t>
-            </a:r>
-            <a:r>
-              <a:rPr lang="en-US" sz="1700" dirty="0">
-                <a:latin typeface="Calibri" panose="020F0502020204030204" pitchFamily="34" charset="0"/>
-              </a:rPr>
-              <a:t>"</a:t>
-            </a:r>
-            <a:r>
-              <a:rPr lang="en-US" sz="1700" dirty="0" smtClean="0">
-                <a:latin typeface="Calibri" panose="020F0502020204030204" pitchFamily="34" charset="0"/>
-              </a:rPr>
-              <a:t>Kevin Bacon</a:t>
-            </a:r>
-            <a:r>
-              <a:rPr lang="en-US" sz="1700" dirty="0">
-                <a:latin typeface="Calibri" panose="020F0502020204030204" pitchFamily="34" charset="0"/>
-              </a:rPr>
-              <a:t>"</a:t>
-            </a:r>
-            <a:r>
-              <a:rPr lang="en-US" sz="1700" dirty="0" smtClean="0">
-                <a:latin typeface="Calibri" panose="020F0502020204030204" pitchFamily="34" charset="0"/>
-              </a:rPr>
-              <a:t>],"</a:t>
+              <a:t>":["Betsy Palmer", "Adrienne King", "Kevin Bacon"],"</a:t>
             </a:r>
             <a:r>
               <a:rPr lang="en-US" sz="1700" dirty="0" err="1">
@@ -7004,14 +7632,11 @@
               <a:t>Genre":"Horror</a:t>
             </a:r>
             <a:r>
-              <a:rPr lang="en-US" sz="1700" dirty="0" smtClean="0">
+              <a:rPr lang="en-US" sz="1700" dirty="0">
                 <a:latin typeface="Calibri" panose="020F0502020204030204" pitchFamily="34" charset="0"/>
               </a:rPr>
               <a:t>"}</a:t>
             </a:r>
-            <a:endParaRPr lang="en-US" sz="1700" dirty="0" smtClean="0">
-              <a:latin typeface="Calibri" panose="020F0502020204030204" pitchFamily="34" charset="0"/>
-            </a:endParaRPr>
           </a:p>
           <a:p>
             <a:pPr marL="0" indent="0">
@@ -7024,19 +7649,15 @@
               <a:buNone/>
             </a:pPr>
             <a:r>
-              <a:rPr lang="en-US" sz="1400" dirty="0" smtClean="0"/>
-              <a:t>Photo taken </a:t>
-            </a:r>
-            <a:r>
               <a:rPr lang="en-US" sz="1400" dirty="0"/>
-              <a:t>at Museum of Pop Culture – Seattle, WA</a:t>
+              <a:t>Photo taken at Museum of Pop Culture – Seattle, WA</a:t>
             </a:r>
           </a:p>
           <a:p>
             <a:pPr marL="0" indent="0">
               <a:buNone/>
             </a:pPr>
-            <a:endParaRPr lang="en-US" dirty="0" smtClean="0"/>
+            <a:endParaRPr lang="en-US" dirty="0"/>
           </a:p>
         </p:txBody>
       </p:sp>
@@ -7080,14 +7701,14 @@
   <p:clrMapOvr>
     <a:masterClrMapping/>
   </p:clrMapOvr>
-  <mc:AlternateContent xmlns:mc="http://schemas.openxmlformats.org/markup-compatibility/2006" xmlns:p14="http://schemas.microsoft.com/office/powerpoint/2010/main">
-    <mc:Choice Requires="p14">
-      <p:transition spd="med" p14:dur="700">
-        <p:fade/>
+  <mc:AlternateContent xmlns:mc="http://schemas.openxmlformats.org/markup-compatibility/2006">
+    <mc:Choice xmlns:p159="http://schemas.microsoft.com/office/powerpoint/2015/09/main" Requires="p159">
+      <p:transition xmlns:p14="http://schemas.microsoft.com/office/powerpoint/2010/main" spd="slow" p14:dur="2000">
+        <p159:morph option="byObject"/>
       </p:transition>
     </mc:Choice>
-    <mc:Fallback xmlns="">
-      <p:transition spd="med">
+    <mc:Fallback>
+      <p:transition spd="slow">
         <p:fade/>
       </p:transition>
     </mc:Fallback>
@@ -7095,7 +7716,7 @@
 </p:sld>
 </file>
 
-<file path=ppt/slides/slide6.xml><?xml version="1.0" encoding="utf-8"?>
+<file path=ppt/slides/slide7.xml><?xml version="1.0" encoding="utf-8"?>
 <p:sld xmlns:a="http://schemas.openxmlformats.org/drawingml/2006/main" xmlns:r="http://schemas.openxmlformats.org/officeDocument/2006/relationships" xmlns:p="http://schemas.openxmlformats.org/presentationml/2006/main">
   <p:cSld>
     <p:spTree>
@@ -7128,10 +7749,9 @@
           <a:lstStyle/>
           <a:p>
             <a:r>
-              <a:rPr lang="en-US" dirty="0" smtClean="0"/>
+              <a:rPr lang="en-US" dirty="0"/>
               <a:t>Movies JSON Data Set</a:t>
             </a:r>
-            <a:endParaRPr lang="en-US" dirty="0"/>
           </a:p>
         </p:txBody>
       </p:sp>
@@ -7186,7 +7806,7 @@
 </p:sld>
 </file>
 
-<file path=ppt/slides/slide7.xml><?xml version="1.0" encoding="utf-8"?>
+<file path=ppt/slides/slide8.xml><?xml version="1.0" encoding="utf-8"?>
 <p:sld xmlns:a="http://schemas.openxmlformats.org/drawingml/2006/main" xmlns:r="http://schemas.openxmlformats.org/officeDocument/2006/relationships" xmlns:p="http://schemas.openxmlformats.org/presentationml/2006/main">
   <p:cSld>
     <p:spTree>
@@ -7243,48 +7863,33 @@
           <a:lstStyle/>
           <a:p>
             <a:r>
-              <a:rPr lang="en-US" dirty="0" smtClean="0"/>
+              <a:rPr lang="en-US" dirty="0"/>
               <a:t>Automate Data In to SQL Server From NoSQL Sources</a:t>
             </a:r>
-            <a:endParaRPr lang="en-US" dirty="0"/>
-          </a:p>
-          <a:p>
-            <a:r>
-              <a:rPr lang="en-US" dirty="0" smtClean="0"/>
+          </a:p>
+          <a:p>
+            <a:r>
+              <a:rPr lang="en-US" dirty="0"/>
               <a:t>Automate Data Out From SQL Server from NoSQL Sources</a:t>
             </a:r>
           </a:p>
           <a:p>
             <a:r>
-              <a:rPr lang="en-US" dirty="0" smtClean="0"/>
+              <a:rPr lang="en-US" dirty="0"/>
               <a:t>Integrate Data To / From Many Cloud-Based Services</a:t>
             </a:r>
-            <a:endParaRPr lang="en-US" dirty="0"/>
-          </a:p>
-          <a:p>
-            <a:r>
-              <a:rPr lang="en-US" dirty="0" smtClean="0"/>
+          </a:p>
+          <a:p>
+            <a:r>
+              <a:rPr lang="en-US" dirty="0"/>
               <a:t>Represents Nested Relationships Flexibly</a:t>
             </a:r>
           </a:p>
           <a:p>
             <a:r>
               <a:rPr lang="en-US" dirty="0"/>
-              <a:t>More </a:t>
-            </a:r>
-            <a:r>
-              <a:rPr lang="en-US" dirty="0" smtClean="0"/>
-              <a:t>Compact and Readable Than </a:t>
-            </a:r>
-            <a:r>
-              <a:rPr lang="en-US" dirty="0"/>
-              <a:t>CSV </a:t>
-            </a:r>
-            <a:r>
-              <a:rPr lang="en-US" dirty="0" smtClean="0"/>
-              <a:t>and XML Formats</a:t>
-            </a:r>
-            <a:endParaRPr lang="en-US" dirty="0"/>
+              <a:t>More Compact and Readable Than CSV and XML Formats</a:t>
+            </a:r>
           </a:p>
           <a:p>
             <a:pPr marL="0" indent="0">
@@ -7296,32 +7901,28 @@
             <a:pPr marL="0" indent="0">
               <a:buNone/>
             </a:pPr>
-            <a:endParaRPr lang="en-US" sz="1400" dirty="0" smtClean="0"/>
+            <a:endParaRPr lang="en-US" sz="1400" dirty="0"/>
           </a:p>
           <a:p>
             <a:pPr marL="0" indent="0">
               <a:buNone/>
             </a:pPr>
             <a:r>
-              <a:rPr lang="en-US" sz="1400" dirty="0" smtClean="0"/>
-              <a:t>Photo taken </a:t>
-            </a:r>
-            <a:r>
               <a:rPr lang="en-US" sz="1400" dirty="0"/>
-              <a:t>at Museum of Pop Culture – Seattle, WA</a:t>
+              <a:t>Photo taken at Museum of Pop Culture – Seattle, WA</a:t>
             </a:r>
           </a:p>
           <a:p>
             <a:pPr marL="0" indent="0">
               <a:buNone/>
             </a:pPr>
-            <a:endParaRPr lang="en-US" sz="1400" dirty="0" smtClean="0"/>
-          </a:p>
-          <a:p>
-            <a:endParaRPr lang="en-US" dirty="0" smtClean="0"/>
-          </a:p>
-          <a:p>
-            <a:endParaRPr lang="en-US" dirty="0" smtClean="0"/>
+            <a:endParaRPr lang="en-US" sz="1400" dirty="0"/>
+          </a:p>
+          <a:p>
+            <a:endParaRPr lang="en-US" dirty="0"/>
+          </a:p>
+          <a:p>
+            <a:endParaRPr lang="en-US" dirty="0"/>
           </a:p>
           <a:p>
             <a:pPr marL="0" indent="0">
@@ -7386,7 +7987,7 @@
 </p:sld>
 </file>
 
-<file path=ppt/slides/slide8.xml><?xml version="1.0" encoding="utf-8"?>
+<file path=ppt/slides/slide9.xml><?xml version="1.0" encoding="utf-8"?>
 <p:sld xmlns:a="http://schemas.openxmlformats.org/drawingml/2006/main" xmlns:r="http://schemas.openxmlformats.org/officeDocument/2006/relationships" xmlns:p="http://schemas.openxmlformats.org/presentationml/2006/main">
   <p:cSld>
     <p:spTree>
@@ -7419,11 +8020,11 @@
           <a:lstStyle/>
           <a:p>
             <a:r>
-              <a:rPr lang="en-US" dirty="0" smtClean="0"/>
+              <a:rPr lang="en-US" dirty="0"/>
               <a:t>SQL Server 2016 Support for JSON</a:t>
             </a:r>
             <a:br>
-              <a:rPr lang="en-US" dirty="0" smtClean="0"/>
+              <a:rPr lang="en-US" dirty="0"/>
             </a:br>
             <a:endParaRPr lang="en-US" dirty="0"/>
           </a:p>
@@ -7481,10 +8082,9 @@
           <a:lstStyle/>
           <a:p>
             <a:r>
-              <a:rPr lang="en-US" sz="1400" dirty="0" smtClean="0"/>
+              <a:rPr lang="en-US" sz="1400" dirty="0"/>
               <a:t>Source: https://docs.microsoft.com/en-us/sql/relational-databases/json/json-data-sql-server?view=sql-server-2017</a:t>
             </a:r>
-            <a:endParaRPr lang="en-US" sz="1400" dirty="0"/>
           </a:p>
         </p:txBody>
       </p:sp>
@@ -7492,270 +8092,6 @@
     <p:extLst>
       <p:ext uri="{BB962C8B-B14F-4D97-AF65-F5344CB8AC3E}">
         <p14:creationId xmlns:p14="http://schemas.microsoft.com/office/powerpoint/2010/main" val="1653943558"/>
-      </p:ext>
-    </p:extLst>
-  </p:cSld>
-  <p:clrMapOvr>
-    <a:masterClrMapping/>
-  </p:clrMapOvr>
-  <mc:AlternateContent xmlns:mc="http://schemas.openxmlformats.org/markup-compatibility/2006" xmlns:p14="http://schemas.microsoft.com/office/powerpoint/2010/main">
-    <mc:Choice Requires="p14">
-      <p:transition spd="med" p14:dur="700">
-        <p:fade/>
-      </p:transition>
-    </mc:Choice>
-    <mc:Fallback xmlns="">
-      <p:transition spd="med">
-        <p:fade/>
-      </p:transition>
-    </mc:Fallback>
-  </mc:AlternateContent>
-</p:sld>
-</file>
-
-<file path=ppt/slides/slide9.xml><?xml version="1.0" encoding="utf-8"?>
-<p:sld xmlns:a="http://schemas.openxmlformats.org/drawingml/2006/main" xmlns:r="http://schemas.openxmlformats.org/officeDocument/2006/relationships" xmlns:p="http://schemas.openxmlformats.org/presentationml/2006/main">
-  <p:cSld>
-    <p:spTree>
-      <p:nvGrpSpPr>
-        <p:cNvPr id="1" name=""/>
-        <p:cNvGrpSpPr/>
-        <p:nvPr/>
-      </p:nvGrpSpPr>
-      <p:grpSpPr>
-        <a:xfrm>
-          <a:off x="0" y="0"/>
-          <a:ext cx="0" cy="0"/>
-          <a:chOff x="0" y="0"/>
-          <a:chExt cx="0" cy="0"/>
-        </a:xfrm>
-      </p:grpSpPr>
-      <p:sp>
-        <p:nvSpPr>
-          <p:cNvPr id="13" name="Title 12"/>
-          <p:cNvSpPr>
-            <a:spLocks noGrp="1"/>
-          </p:cNvSpPr>
-          <p:nvPr>
-            <p:ph type="title"/>
-          </p:nvPr>
-        </p:nvSpPr>
-        <p:spPr/>
-        <p:txBody>
-          <a:bodyPr/>
-          <a:lstStyle/>
-          <a:p>
-            <a:r>
-              <a:rPr lang="en-US" dirty="0"/>
-              <a:t>SQL Server 2016 Support for JSON</a:t>
-            </a:r>
-          </a:p>
-        </p:txBody>
-      </p:sp>
-      <p:sp>
-        <p:nvSpPr>
-          <p:cNvPr id="14" name="Content Placeholder 13"/>
-          <p:cNvSpPr>
-            <a:spLocks noGrp="1"/>
-          </p:cNvSpPr>
-          <p:nvPr>
-            <p:ph sz="half" idx="1"/>
-          </p:nvPr>
-        </p:nvSpPr>
-        <p:spPr/>
-        <p:txBody>
-          <a:bodyPr>
-            <a:normAutofit lnSpcReduction="10000"/>
-          </a:bodyPr>
-          <a:lstStyle/>
-          <a:p>
-            <a:r>
-              <a:rPr lang="en-US" dirty="0" smtClean="0"/>
-              <a:t>Facilitating Data </a:t>
-            </a:r>
-            <a:r>
-              <a:rPr lang="en-US" dirty="0" smtClean="0"/>
-              <a:t>In</a:t>
-            </a:r>
-            <a:endParaRPr lang="en-US" dirty="0" smtClean="0"/>
-          </a:p>
-          <a:p>
-            <a:pPr lvl="1"/>
-            <a:r>
-              <a:rPr lang="en-US" dirty="0" smtClean="0"/>
-              <a:t>ISJSON</a:t>
-            </a:r>
-          </a:p>
-          <a:p>
-            <a:pPr lvl="1"/>
-            <a:r>
-              <a:rPr lang="en-US" dirty="0" smtClean="0"/>
-              <a:t>OPENROWSET</a:t>
-            </a:r>
-          </a:p>
-          <a:p>
-            <a:pPr lvl="1"/>
-            <a:r>
-              <a:rPr lang="en-US" dirty="0" smtClean="0"/>
-              <a:t>OPENJSON</a:t>
-            </a:r>
-          </a:p>
-          <a:p>
-            <a:pPr lvl="1"/>
-            <a:endParaRPr lang="en-US" dirty="0" smtClean="0"/>
-          </a:p>
-          <a:p>
-            <a:pPr marL="0" indent="0">
-              <a:buNone/>
-            </a:pPr>
-            <a:r>
-              <a:rPr lang="en-US" dirty="0" smtClean="0"/>
-              <a:t>Note: No JSON-specific column data type. Use </a:t>
-            </a:r>
-            <a:r>
-              <a:rPr lang="en-US" dirty="0" err="1" smtClean="0"/>
-              <a:t>nvarchar</a:t>
-            </a:r>
-            <a:r>
-              <a:rPr lang="en-US" dirty="0" smtClean="0"/>
-              <a:t>(max)</a:t>
-            </a:r>
-            <a:endParaRPr lang="en-US" dirty="0" smtClean="0"/>
-          </a:p>
-          <a:p>
-            <a:endParaRPr lang="en-US" dirty="0" smtClean="0"/>
-          </a:p>
-          <a:p>
-            <a:endParaRPr lang="en-US" dirty="0" smtClean="0"/>
-          </a:p>
-          <a:p>
-            <a:pPr marL="0" indent="0">
-              <a:buNone/>
-            </a:pPr>
-            <a:r>
-              <a:rPr lang="en-US" sz="1400" dirty="0"/>
-              <a:t>Photo </a:t>
-            </a:r>
-            <a:r>
-              <a:rPr lang="en-US" sz="1400" dirty="0" smtClean="0"/>
-              <a:t>taken </a:t>
-            </a:r>
-            <a:r>
-              <a:rPr lang="en-US" sz="1400" dirty="0"/>
-              <a:t>at Museum of Pop Culture – Seattle, WA</a:t>
-            </a:r>
-          </a:p>
-          <a:p>
-            <a:pPr marL="0" indent="0">
-              <a:buNone/>
-            </a:pPr>
-            <a:endParaRPr lang="en-US" sz="1400" dirty="0"/>
-          </a:p>
-        </p:txBody>
-      </p:sp>
-      <p:sp>
-        <p:nvSpPr>
-          <p:cNvPr id="2" name="Content Placeholder 1"/>
-          <p:cNvSpPr>
-            <a:spLocks noGrp="1"/>
-          </p:cNvSpPr>
-          <p:nvPr>
-            <p:ph sz="half" idx="2"/>
-          </p:nvPr>
-        </p:nvSpPr>
-        <p:spPr/>
-        <p:txBody>
-          <a:bodyPr>
-            <a:normAutofit lnSpcReduction="10000"/>
-          </a:bodyPr>
-          <a:lstStyle/>
-          <a:p>
-            <a:r>
-              <a:rPr lang="en-US" dirty="0"/>
-              <a:t>Facilitating Data Out</a:t>
-            </a:r>
-          </a:p>
-          <a:p>
-            <a:pPr lvl="1"/>
-            <a:r>
-              <a:rPr lang="en-US" dirty="0"/>
-              <a:t>FOR JSON AUTO</a:t>
-            </a:r>
-          </a:p>
-          <a:p>
-            <a:pPr lvl="1"/>
-            <a:r>
-              <a:rPr lang="en-US" dirty="0"/>
-              <a:t>FOR JSON PATH</a:t>
-            </a:r>
-          </a:p>
-          <a:p>
-            <a:pPr lvl="1"/>
-            <a:r>
-              <a:rPr lang="en-US" dirty="0"/>
-              <a:t>FOR JSON PATH, ROOT</a:t>
-            </a:r>
-          </a:p>
-          <a:p>
-            <a:pPr lvl="1"/>
-            <a:r>
-              <a:rPr lang="en-US" dirty="0"/>
-              <a:t>INCLUDE_NULL_VALUES</a:t>
-            </a:r>
-          </a:p>
-          <a:p>
-            <a:pPr lvl="1"/>
-            <a:r>
-              <a:rPr lang="en-US" dirty="0"/>
-              <a:t>JSON_VALUE</a:t>
-            </a:r>
-          </a:p>
-          <a:p>
-            <a:pPr lvl="1"/>
-            <a:r>
-              <a:rPr lang="en-US" dirty="0"/>
-              <a:t>JSON_QUERY</a:t>
-            </a:r>
-          </a:p>
-          <a:p>
-            <a:endParaRPr lang="en-US" dirty="0"/>
-          </a:p>
-        </p:txBody>
-      </p:sp>
-      <p:pic>
-        <p:nvPicPr>
-          <p:cNvPr id="3" name="Picture 2"/>
-          <p:cNvPicPr>
-            <a:picLocks noChangeAspect="1"/>
-          </p:cNvPicPr>
-          <p:nvPr/>
-        </p:nvPicPr>
-        <p:blipFill>
-          <a:blip r:embed="rId2" cstate="print">
-            <a:extLst>
-              <a:ext uri="{28A0092B-C50C-407E-A947-70E740481C1C}">
-                <a14:useLocalDpi xmlns:a14="http://schemas.microsoft.com/office/drawing/2010/main" val="0"/>
-              </a:ext>
-            </a:extLst>
-          </a:blip>
-          <a:stretch>
-            <a:fillRect/>
-          </a:stretch>
-        </p:blipFill>
-        <p:spPr>
-          <a:xfrm rot="5400000">
-            <a:off x="9407763" y="4305300"/>
-            <a:ext cx="2133600" cy="1600200"/>
-          </a:xfrm>
-          <a:prstGeom prst="rect">
-            <a:avLst/>
-          </a:prstGeom>
-        </p:spPr>
-      </p:pic>
-    </p:spTree>
-    <p:extLst>
-      <p:ext uri="{BB962C8B-B14F-4D97-AF65-F5344CB8AC3E}">
-        <p14:creationId xmlns:p14="http://schemas.microsoft.com/office/powerpoint/2010/main" val="425493384"/>
       </p:ext>
     </p:extLst>
   </p:cSld>

--- a/SQL Server and JSON.pptx
+++ b/SQL Server and JSON.pptx
@@ -5,10 +5,10 @@
     <p:sldMasterId id="2147483660" r:id="rId4"/>
   </p:sldMasterIdLst>
   <p:notesMasterIdLst>
-    <p:notesMasterId r:id="rId22"/>
+    <p:notesMasterId r:id="rId23"/>
   </p:notesMasterIdLst>
   <p:handoutMasterIdLst>
-    <p:handoutMasterId r:id="rId23"/>
+    <p:handoutMasterId r:id="rId24"/>
   </p:handoutMasterIdLst>
   <p:sldIdLst>
     <p:sldId id="264" r:id="rId5"/>
@@ -27,7 +27,8 @@
     <p:sldId id="297" r:id="rId18"/>
     <p:sldId id="291" r:id="rId19"/>
     <p:sldId id="286" r:id="rId20"/>
-    <p:sldId id="298" r:id="rId21"/>
+    <p:sldId id="300" r:id="rId21"/>
+    <p:sldId id="298" r:id="rId22"/>
   </p:sldIdLst>
   <p:sldSz cx="12188825" cy="6858000"/>
   <p:notesSz cx="6858000" cy="9144000"/>
@@ -249,7 +250,7 @@
                   <a:schemeClr val="tx2"/>
                 </a:solidFill>
               </a:rPr>
-              <a:t>11/16/2018</a:t>
+              <a:t>03/26/2019</a:t>
             </a:fld>
             <a:endParaRPr>
               <a:solidFill>
@@ -439,7 +440,7 @@
             <a:fld id="{F95CF31C-F757-429C-A789-86504F04C3BE}" type="datetimeFigureOut">
               <a:rPr lang="en-US"/>
               <a:pPr/>
-              <a:t>11/16/2018</a:t>
+              <a:t>03/26/2019</a:t>
             </a:fld>
             <a:endParaRPr/>
           </a:p>
@@ -1034,7 +1035,7 @@
           <a:p>
             <a:fld id="{7AECB6C2-1084-4AED-A74A-DF028B0094EA}" type="datetimeFigureOut">
               <a:rPr lang="en-US"/>
-              <a:t>11/16/2018</a:t>
+              <a:t>03/26/2019</a:t>
             </a:fld>
             <a:endParaRPr/>
           </a:p>
@@ -1226,7 +1227,7 @@
           <a:p>
             <a:fld id="{7AECB6C2-1084-4AED-A74A-DF028B0094EA}" type="datetimeFigureOut">
               <a:rPr lang="en-US"/>
-              <a:t>11/16/2018</a:t>
+              <a:t>03/26/2019</a:t>
             </a:fld>
             <a:endParaRPr/>
           </a:p>
@@ -1424,7 +1425,7 @@
           <a:p>
             <a:fld id="{8B5A30F4-0B4E-4E4B-BC36-C30CD13F4E17}" type="datetimeFigureOut">
               <a:rPr lang="en-US"/>
-              <a:t>11/16/2018</a:t>
+              <a:t>03/26/2019</a:t>
             </a:fld>
             <a:endParaRPr dirty="0"/>
           </a:p>
@@ -1941,7 +1942,7 @@
           <a:p>
             <a:fld id="{2DD204D1-F9BD-4643-8480-6EA41EB484F1}" type="datetimeFigureOut">
               <a:rPr lang="en-US"/>
-              <a:t>11/16/2018</a:t>
+              <a:t>03/26/2019</a:t>
             </a:fld>
             <a:endParaRPr/>
           </a:p>
@@ -2389,7 +2390,7 @@
           <a:p>
             <a:fld id="{2DD204D1-F9BD-4643-8480-6EA41EB484F1}" type="datetimeFigureOut">
               <a:rPr lang="en-US"/>
-              <a:t>11/16/2018</a:t>
+              <a:t>03/26/2019</a:t>
             </a:fld>
             <a:endParaRPr/>
           </a:p>
@@ -2519,7 +2520,7 @@
           <a:p>
             <a:fld id="{2DD204D1-F9BD-4643-8480-6EA41EB484F1}" type="datetimeFigureOut">
               <a:rPr lang="en-US"/>
-              <a:t>11/16/2018</a:t>
+              <a:t>03/26/2019</a:t>
             </a:fld>
             <a:endParaRPr/>
           </a:p>
@@ -2626,7 +2627,7 @@
           <a:p>
             <a:fld id="{2DD204D1-F9BD-4643-8480-6EA41EB484F1}" type="datetimeFigureOut">
               <a:rPr lang="en-US"/>
-              <a:t>11/16/2018</a:t>
+              <a:t>03/26/2019</a:t>
             </a:fld>
             <a:endParaRPr/>
           </a:p>
@@ -2983,7 +2984,7 @@
           <a:p>
             <a:fld id="{126BF754-515F-40B9-8D24-D54D5825B3D0}" type="datetimeFigureOut">
               <a:rPr lang="en-US"/>
-              <a:t>11/16/2018</a:t>
+              <a:t>03/26/2019</a:t>
             </a:fld>
             <a:endParaRPr/>
           </a:p>
@@ -3320,7 +3321,7 @@
           <a:p>
             <a:fld id="{126BF754-515F-40B9-8D24-D54D5825B3D0}" type="datetimeFigureOut">
               <a:rPr lang="en-US"/>
-              <a:t>11/16/2018</a:t>
+              <a:t>03/26/2019</a:t>
             </a:fld>
             <a:endParaRPr/>
           </a:p>
@@ -3615,7 +3616,7 @@
             <a:fld id="{2DD204D1-F9BD-4643-8480-6EA41EB484F1}" type="datetimeFigureOut">
               <a:rPr lang="en-US" smtClean="0"/>
               <a:pPr/>
-              <a:t>11/16/2018</a:t>
+              <a:t>03/26/2019</a:t>
             </a:fld>
             <a:endParaRPr lang="en-US"/>
           </a:p>
@@ -5271,13 +5272,13 @@
   <p:clrMapOvr>
     <a:masterClrMapping/>
   </p:clrMapOvr>
-  <mc:AlternateContent xmlns:mc="http://schemas.openxmlformats.org/markup-compatibility/2006">
-    <mc:Choice xmlns:p14="http://schemas.microsoft.com/office/powerpoint/2010/main" Requires="p14">
+  <mc:AlternateContent xmlns:mc="http://schemas.openxmlformats.org/markup-compatibility/2006" xmlns:p14="http://schemas.microsoft.com/office/powerpoint/2010/main">
+    <mc:Choice Requires="p14">
       <p:transition spd="slow" p14:dur="800">
         <p:circle/>
       </p:transition>
     </mc:Choice>
-    <mc:Fallback>
+    <mc:Fallback xmlns="">
       <p:transition spd="slow">
         <p:circle/>
       </p:transition>
@@ -6061,9 +6062,10 @@
           <a:lstStyle/>
           <a:p>
             <a:r>
-              <a:rPr lang="en-US" dirty="0"/>
-              <a:t>References</a:t>
-            </a:r>
+              <a:rPr lang="en-US" dirty="0" smtClean="0"/>
+              <a:t>Questions?</a:t>
+            </a:r>
+            <a:endParaRPr lang="en-US" dirty="0"/>
           </a:p>
         </p:txBody>
       </p:sp>
@@ -6083,66 +6085,6 @@
             <a:normAutofit/>
           </a:bodyPr>
           <a:lstStyle/>
-          <a:p>
-            <a:r>
-              <a:rPr lang="en-US" sz="1400" dirty="0"/>
-              <a:t>https://github.com/prust/wikipedia-movie-data</a:t>
-            </a:r>
-          </a:p>
-          <a:p>
-            <a:r>
-              <a:rPr lang="en-US" sz="1400" dirty="0">
-                <a:hlinkClick r:id="rId2"/>
-              </a:rPr>
-              <a:t>http://www.json.org/</a:t>
-            </a:r>
-            <a:endParaRPr lang="en-US" sz="1400" dirty="0"/>
-          </a:p>
-          <a:p>
-            <a:r>
-              <a:rPr lang="en-US" sz="1400" dirty="0"/>
-              <a:t>https://docs.microsoft.com/en-us/sql/relational-databases/json/json-data-sql-server?view=sql-server-2017</a:t>
-            </a:r>
-          </a:p>
-          <a:p>
-            <a:r>
-              <a:rPr lang="en-US" sz="1400" dirty="0">
-                <a:hlinkClick r:id="rId3"/>
-              </a:rPr>
-              <a:t>https://www.red-gate.com/simple-talk/sql/learn-sql-server/json-support-in-sql-server-2016/</a:t>
-            </a:r>
-            <a:endParaRPr lang="en-US" sz="1400" dirty="0"/>
-          </a:p>
-          <a:p>
-            <a:r>
-              <a:rPr lang="en-US" sz="1400" dirty="0"/>
-              <a:t>https://docs.microsoft.com/en-us/sql/relational-databases/json/solve-common-issues-with-json-in-sql-server?view=sql-server-2017</a:t>
-            </a:r>
-          </a:p>
-          <a:p>
-            <a:r>
-              <a:rPr lang="en-US" sz="1400" dirty="0">
-                <a:hlinkClick r:id="rId4"/>
-              </a:rPr>
-              <a:t>https://channel9.msdn.com/Shows/Data-Exposed/SQL-Server-2016-and-JSON-Support</a:t>
-            </a:r>
-            <a:endParaRPr lang="en-US" sz="1400" dirty="0"/>
-          </a:p>
-          <a:p>
-            <a:r>
-              <a:rPr lang="en-US" sz="1400" dirty="0">
-                <a:hlinkClick r:id="rId5"/>
-              </a:rPr>
-              <a:t>https://channel9.msdn.com/Shows/Data-Exposed/Using-JSON-in-SQL-Server-2016-and-Azure-SQL-Database</a:t>
-            </a:r>
-            <a:endParaRPr lang="en-US" sz="1400" dirty="0"/>
-          </a:p>
-          <a:p>
-            <a:r>
-              <a:rPr lang="en-US" sz="1400" dirty="0"/>
-              <a:t>https://channel9.msdn.com/events/DataDriven/SQLServer2016/JSON-as-a-bridge-betwen-NoSQL-and-relational-worlds</a:t>
-            </a:r>
-          </a:p>
           <a:p>
             <a:endParaRPr lang="en-US" sz="1400" dirty="0"/>
           </a:p>
@@ -6195,6 +6137,172 @@
 </file>
 
 <file path=ppt/slides/slide17.xml><?xml version="1.0" encoding="utf-8"?>
+<p:sld xmlns:a="http://schemas.openxmlformats.org/drawingml/2006/main" xmlns:r="http://schemas.openxmlformats.org/officeDocument/2006/relationships" xmlns:p="http://schemas.openxmlformats.org/presentationml/2006/main">
+  <p:cSld>
+    <p:spTree>
+      <p:nvGrpSpPr>
+        <p:cNvPr id="1" name=""/>
+        <p:cNvGrpSpPr/>
+        <p:nvPr/>
+      </p:nvGrpSpPr>
+      <p:grpSpPr>
+        <a:xfrm>
+          <a:off x="0" y="0"/>
+          <a:ext cx="0" cy="0"/>
+          <a:chOff x="0" y="0"/>
+          <a:chExt cx="0" cy="0"/>
+        </a:xfrm>
+      </p:grpSpPr>
+      <p:sp>
+        <p:nvSpPr>
+          <p:cNvPr id="13" name="Title 12"/>
+          <p:cNvSpPr>
+            <a:spLocks noGrp="1"/>
+          </p:cNvSpPr>
+          <p:nvPr>
+            <p:ph type="title"/>
+          </p:nvPr>
+        </p:nvSpPr>
+        <p:spPr/>
+        <p:txBody>
+          <a:bodyPr/>
+          <a:lstStyle/>
+          <a:p>
+            <a:r>
+              <a:rPr lang="en-US" dirty="0"/>
+              <a:t>References</a:t>
+            </a:r>
+          </a:p>
+        </p:txBody>
+      </p:sp>
+      <p:sp>
+        <p:nvSpPr>
+          <p:cNvPr id="14" name="Content Placeholder 13"/>
+          <p:cNvSpPr>
+            <a:spLocks noGrp="1"/>
+          </p:cNvSpPr>
+          <p:nvPr>
+            <p:ph idx="1"/>
+          </p:nvPr>
+        </p:nvSpPr>
+        <p:spPr/>
+        <p:txBody>
+          <a:bodyPr>
+            <a:normAutofit/>
+          </a:bodyPr>
+          <a:lstStyle/>
+          <a:p>
+            <a:r>
+              <a:rPr lang="en-US" sz="1400" dirty="0"/>
+              <a:t>https://github.com/prust/wikipedia-movie-data</a:t>
+            </a:r>
+          </a:p>
+          <a:p>
+            <a:r>
+              <a:rPr lang="en-US" sz="1400" dirty="0">
+                <a:hlinkClick r:id="rId2"/>
+              </a:rPr>
+              <a:t>http://www.json.org/</a:t>
+            </a:r>
+            <a:endParaRPr lang="en-US" sz="1400" dirty="0"/>
+          </a:p>
+          <a:p>
+            <a:r>
+              <a:rPr lang="en-US" sz="1400" dirty="0"/>
+              <a:t>https://docs.microsoft.com/en-us/sql/relational-databases/json/json-data-sql-server?view=sql-server-2017</a:t>
+            </a:r>
+          </a:p>
+          <a:p>
+            <a:r>
+              <a:rPr lang="en-US" sz="1400" dirty="0">
+                <a:hlinkClick r:id="rId3"/>
+              </a:rPr>
+              <a:t>https://www.red-gate.com/simple-talk/sql/learn-sql-server/json-support-in-sql-server-2016/</a:t>
+            </a:r>
+            <a:endParaRPr lang="en-US" sz="1400" dirty="0"/>
+          </a:p>
+          <a:p>
+            <a:r>
+              <a:rPr lang="en-US" sz="1400" dirty="0"/>
+              <a:t>https://docs.microsoft.com/en-us/sql/relational-databases/json/solve-common-issues-with-json-in-sql-server?view=sql-server-2017</a:t>
+            </a:r>
+          </a:p>
+          <a:p>
+            <a:r>
+              <a:rPr lang="en-US" sz="1400" dirty="0">
+                <a:hlinkClick r:id="rId4"/>
+              </a:rPr>
+              <a:t>https://channel9.msdn.com/Shows/Data-Exposed/SQL-Server-2016-and-JSON-Support</a:t>
+            </a:r>
+            <a:endParaRPr lang="en-US" sz="1400" dirty="0"/>
+          </a:p>
+          <a:p>
+            <a:r>
+              <a:rPr lang="en-US" sz="1400" dirty="0">
+                <a:hlinkClick r:id="rId5"/>
+              </a:rPr>
+              <a:t>https://channel9.msdn.com/Shows/Data-Exposed/Using-JSON-in-SQL-Server-2016-and-Azure-SQL-Database</a:t>
+            </a:r>
+            <a:endParaRPr lang="en-US" sz="1400" dirty="0"/>
+          </a:p>
+          <a:p>
+            <a:r>
+              <a:rPr lang="en-US" sz="1400" dirty="0"/>
+              <a:t>https://channel9.msdn.com/events/DataDriven/SQLServer2016/JSON-as-a-bridge-betwen-NoSQL-and-relational-worlds</a:t>
+            </a:r>
+          </a:p>
+          <a:p>
+            <a:endParaRPr lang="en-US" sz="1400" dirty="0"/>
+          </a:p>
+          <a:p>
+            <a:endParaRPr lang="en-US" sz="1400" dirty="0"/>
+          </a:p>
+          <a:p>
+            <a:pPr marL="0" indent="0">
+              <a:buNone/>
+            </a:pPr>
+            <a:endParaRPr lang="en-US" sz="1400" dirty="0"/>
+          </a:p>
+          <a:p>
+            <a:endParaRPr lang="en-US" sz="1400" dirty="0"/>
+          </a:p>
+          <a:p>
+            <a:endParaRPr lang="en-US" sz="1400" dirty="0"/>
+          </a:p>
+          <a:p>
+            <a:pPr marL="0" indent="0">
+              <a:buNone/>
+            </a:pPr>
+            <a:endParaRPr lang="en-US" sz="1400" dirty="0"/>
+          </a:p>
+        </p:txBody>
+      </p:sp>
+    </p:spTree>
+    <p:extLst>
+      <p:ext uri="{BB962C8B-B14F-4D97-AF65-F5344CB8AC3E}">
+        <p14:creationId xmlns:p14="http://schemas.microsoft.com/office/powerpoint/2010/main" val="2820822236"/>
+      </p:ext>
+    </p:extLst>
+  </p:cSld>
+  <p:clrMapOvr>
+    <a:masterClrMapping/>
+  </p:clrMapOvr>
+  <mc:AlternateContent xmlns:mc="http://schemas.openxmlformats.org/markup-compatibility/2006" xmlns:p14="http://schemas.microsoft.com/office/powerpoint/2010/main">
+    <mc:Choice Requires="p14">
+      <p:transition spd="med" p14:dur="700">
+        <p:fade/>
+      </p:transition>
+    </mc:Choice>
+    <mc:Fallback xmlns="">
+      <p:transition spd="med">
+        <p:fade/>
+      </p:transition>
+    </mc:Fallback>
+  </mc:AlternateContent>
+</p:sld>
+</file>
+
+<file path=ppt/slides/slide18.xml><?xml version="1.0" encoding="utf-8"?>
 <p:sld xmlns:a="http://schemas.openxmlformats.org/drawingml/2006/main" xmlns:r="http://schemas.openxmlformats.org/officeDocument/2006/relationships" xmlns:p="http://schemas.openxmlformats.org/presentationml/2006/main">
   <p:cSld>
     <p:spTree>
@@ -6398,603 +6506,48 @@
         </p:spPr>
         <p:txBody>
           <a:bodyPr>
-            <a:normAutofit fontScale="90000"/>
+            <a:normAutofit/>
           </a:bodyPr>
           <a:lstStyle/>
           <a:p>
             <a:r>
-              <a:rPr lang="en-US" b="1" dirty="0">
+              <a:rPr lang="en-US" sz="3200" b="1" dirty="0" smtClean="0">
                 <a:latin typeface="+mn-lt"/>
               </a:rPr>
-              <a:t>Boston Code Camp 30 - Thanks to our Sponsors!</a:t>
-            </a:r>
-            <a:endParaRPr lang="en-US" dirty="0">
+              <a:t>Thank You </a:t>
+            </a:r>
+            <a:r>
+              <a:rPr lang="en-US" sz="3200" b="1" dirty="0" smtClean="0">
+                <a:latin typeface="+mn-lt"/>
+              </a:rPr>
+              <a:t>SQL Saturday 813 Boston BI Sponsors!</a:t>
+            </a:r>
+            <a:endParaRPr lang="en-US" sz="3200" dirty="0">
               <a:latin typeface="+mn-lt"/>
             </a:endParaRPr>
           </a:p>
         </p:txBody>
       </p:sp>
-      <p:sp>
-        <p:nvSpPr>
-          <p:cNvPr id="5" name="Content Placeholder 4"/>
-          <p:cNvSpPr>
-            <a:spLocks noGrp="1"/>
-          </p:cNvSpPr>
-          <p:nvPr>
-            <p:ph sz="half" idx="1"/>
-          </p:nvPr>
-        </p:nvSpPr>
-        <p:spPr>
-          <a:xfrm>
-            <a:off x="380900" y="1080112"/>
-            <a:ext cx="7465655" cy="5624635"/>
-          </a:xfrm>
-        </p:spPr>
-        <p:txBody>
-          <a:bodyPr/>
-          <a:lstStyle/>
-          <a:p>
-            <a:r>
-              <a:rPr lang="en-US" dirty="0"/>
-              <a:t>Platinum</a:t>
-            </a:r>
-            <a:br>
-              <a:rPr lang="en-US" dirty="0"/>
-            </a:br>
-            <a:endParaRPr lang="en-US" sz="4799" dirty="0"/>
-          </a:p>
-          <a:p>
-            <a:r>
-              <a:rPr lang="en-US" dirty="0"/>
-              <a:t>Gold</a:t>
-            </a:r>
-          </a:p>
-          <a:p>
-            <a:endParaRPr lang="en-US" dirty="0"/>
-          </a:p>
-          <a:p>
-            <a:endParaRPr lang="en-US" dirty="0"/>
-          </a:p>
-          <a:p>
-            <a:r>
-              <a:rPr lang="en-US" dirty="0"/>
-              <a:t>Silver</a:t>
-            </a:r>
-            <a:br>
-              <a:rPr lang="en-US" dirty="0"/>
-            </a:br>
-            <a:br>
-              <a:rPr lang="en-US" dirty="0"/>
-            </a:br>
-            <a:br>
-              <a:rPr lang="en-US" dirty="0"/>
-            </a:br>
-            <a:endParaRPr lang="en-US" dirty="0"/>
-          </a:p>
-          <a:p>
-            <a:endParaRPr lang="en-US" sz="1400" dirty="0"/>
-          </a:p>
-          <a:p>
-            <a:r>
-              <a:rPr lang="en-US" dirty="0"/>
-              <a:t>Bronze</a:t>
-            </a:r>
-          </a:p>
-        </p:txBody>
-      </p:sp>
-      <p:sp>
-        <p:nvSpPr>
-          <p:cNvPr id="6" name="Content Placeholder 5"/>
-          <p:cNvSpPr>
-            <a:spLocks noGrp="1"/>
-          </p:cNvSpPr>
-          <p:nvPr>
-            <p:ph sz="half" idx="2"/>
-          </p:nvPr>
-        </p:nvSpPr>
-        <p:spPr>
-          <a:xfrm>
-            <a:off x="8065306" y="1003932"/>
-            <a:ext cx="3732828" cy="5535758"/>
-          </a:xfrm>
-        </p:spPr>
-        <p:txBody>
-          <a:bodyPr/>
-          <a:lstStyle/>
-          <a:p>
-            <a:r>
-              <a:rPr lang="en-US" dirty="0"/>
-              <a:t>In-Kind Donations</a:t>
-            </a:r>
-          </a:p>
-        </p:txBody>
-      </p:sp>
       <p:pic>
         <p:nvPicPr>
-          <p:cNvPr id="9" name="Picture 8"/>
+          <p:cNvPr id="2" name="Content Placeholder 1"/>
           <p:cNvPicPr>
-            <a:picLocks noChangeAspect="1"/>
+            <a:picLocks noGrp="1" noChangeAspect="1"/>
           </p:cNvPicPr>
-          <p:nvPr/>
+          <p:nvPr>
+            <p:ph sz="half" idx="1"/>
+          </p:nvPr>
         </p:nvPicPr>
         <p:blipFill>
-          <a:blip r:embed="rId2" cstate="email">
-            <a:extLst>
-              <a:ext uri="{28A0092B-C50C-407E-A947-70E740481C1C}">
-                <a14:useLocalDpi xmlns:a14="http://schemas.microsoft.com/office/drawing/2010/main"/>
-              </a:ext>
-            </a:extLst>
-          </a:blip>
+          <a:blip r:embed="rId2"/>
           <a:stretch>
             <a:fillRect/>
           </a:stretch>
         </p:blipFill>
         <p:spPr>
           <a:xfrm>
-            <a:off x="3392325" y="4307382"/>
-            <a:ext cx="1883616" cy="1130170"/>
-          </a:xfrm>
-          <a:prstGeom prst="rect">
-            <a:avLst/>
-          </a:prstGeom>
-        </p:spPr>
-      </p:pic>
-      <p:pic>
-        <p:nvPicPr>
-          <p:cNvPr id="13" name="Picture 12"/>
-          <p:cNvPicPr>
-            <a:picLocks noChangeAspect="1"/>
-          </p:cNvPicPr>
-          <p:nvPr/>
-        </p:nvPicPr>
-        <p:blipFill>
-          <a:blip r:embed="rId3" cstate="email">
-            <a:extLst>
-              <a:ext uri="{28A0092B-C50C-407E-A947-70E740481C1C}">
-                <a14:useLocalDpi xmlns:a14="http://schemas.microsoft.com/office/drawing/2010/main"/>
-              </a:ext>
-            </a:extLst>
-          </a:blip>
-          <a:stretch>
-            <a:fillRect/>
-          </a:stretch>
-        </p:blipFill>
-        <p:spPr>
-          <a:xfrm>
-            <a:off x="5657094" y="5854037"/>
-            <a:ext cx="1652635" cy="730859"/>
-          </a:xfrm>
-          <a:prstGeom prst="rect">
-            <a:avLst/>
-          </a:prstGeom>
-        </p:spPr>
-      </p:pic>
-      <p:pic>
-        <p:nvPicPr>
-          <p:cNvPr id="16" name="Picture 15"/>
-          <p:cNvPicPr>
-            <a:picLocks noChangeAspect="1"/>
-          </p:cNvPicPr>
-          <p:nvPr/>
-        </p:nvPicPr>
-        <p:blipFill>
-          <a:blip r:embed="rId4" cstate="email">
-            <a:extLst>
-              <a:ext uri="{28A0092B-C50C-407E-A947-70E740481C1C}">
-                <a14:useLocalDpi xmlns:a14="http://schemas.microsoft.com/office/drawing/2010/main"/>
-              </a:ext>
-            </a:extLst>
-          </a:blip>
-          <a:stretch>
-            <a:fillRect/>
-          </a:stretch>
-        </p:blipFill>
-        <p:spPr>
-          <a:xfrm>
-            <a:off x="9157910" y="2213880"/>
-            <a:ext cx="809700" cy="778316"/>
-          </a:xfrm>
-          <a:prstGeom prst="rect">
-            <a:avLst/>
-          </a:prstGeom>
-        </p:spPr>
-      </p:pic>
-      <p:pic>
-        <p:nvPicPr>
-          <p:cNvPr id="24" name="Picture 23"/>
-          <p:cNvPicPr>
-            <a:picLocks noChangeAspect="1"/>
-          </p:cNvPicPr>
-          <p:nvPr/>
-        </p:nvPicPr>
-        <p:blipFill>
-          <a:blip r:embed="rId5" cstate="email">
-            <a:extLst>
-              <a:ext uri="{28A0092B-C50C-407E-A947-70E740481C1C}">
-                <a14:useLocalDpi xmlns:a14="http://schemas.microsoft.com/office/drawing/2010/main"/>
-              </a:ext>
-            </a:extLst>
-          </a:blip>
-          <a:stretch>
-            <a:fillRect/>
-          </a:stretch>
-        </p:blipFill>
-        <p:spPr>
-          <a:xfrm>
-            <a:off x="2623980" y="725378"/>
-            <a:ext cx="3407539" cy="1253441"/>
-          </a:xfrm>
-          <a:prstGeom prst="rect">
-            <a:avLst/>
-          </a:prstGeom>
-        </p:spPr>
-      </p:pic>
-      <p:pic>
-        <p:nvPicPr>
-          <p:cNvPr id="14" name="Picture 13"/>
-          <p:cNvPicPr>
-            <a:picLocks noChangeAspect="1"/>
-          </p:cNvPicPr>
-          <p:nvPr/>
-        </p:nvPicPr>
-        <p:blipFill>
-          <a:blip r:embed="rId6" cstate="email">
-            <a:extLst>
-              <a:ext uri="{28A0092B-C50C-407E-A947-70E740481C1C}">
-                <a14:useLocalDpi xmlns:a14="http://schemas.microsoft.com/office/drawing/2010/main"/>
-              </a:ext>
-            </a:extLst>
-          </a:blip>
-          <a:stretch>
-            <a:fillRect/>
-          </a:stretch>
-        </p:blipFill>
-        <p:spPr>
-          <a:xfrm>
-            <a:off x="8744424" y="1632777"/>
-            <a:ext cx="1735269" cy="452187"/>
-          </a:xfrm>
-          <a:prstGeom prst="rect">
-            <a:avLst/>
-          </a:prstGeom>
-        </p:spPr>
-      </p:pic>
-      <p:cxnSp>
-        <p:nvCxnSpPr>
-          <p:cNvPr id="10" name="Straight Connector 9"/>
-          <p:cNvCxnSpPr/>
-          <p:nvPr/>
-        </p:nvCxnSpPr>
-        <p:spPr>
-          <a:xfrm>
-            <a:off x="7910039" y="1181685"/>
-            <a:ext cx="0" cy="4875530"/>
-          </a:xfrm>
-          <a:prstGeom prst="line">
-            <a:avLst/>
-          </a:prstGeom>
-        </p:spPr>
-        <p:style>
-          <a:lnRef idx="1">
-            <a:schemeClr val="accent1"/>
-          </a:lnRef>
-          <a:fillRef idx="0">
-            <a:schemeClr val="accent1"/>
-          </a:fillRef>
-          <a:effectRef idx="0">
-            <a:schemeClr val="accent1"/>
-          </a:effectRef>
-          <a:fontRef idx="minor">
-            <a:schemeClr val="tx1"/>
-          </a:fontRef>
-        </p:style>
-      </p:cxnSp>
-      <p:pic>
-        <p:nvPicPr>
-          <p:cNvPr id="11" name="Picture 10"/>
-          <p:cNvPicPr>
-            <a:picLocks noChangeAspect="1"/>
-          </p:cNvPicPr>
-          <p:nvPr/>
-        </p:nvPicPr>
-        <p:blipFill>
-          <a:blip r:embed="rId7">
-            <a:extLst>
-              <a:ext uri="{28A0092B-C50C-407E-A947-70E740481C1C}">
-                <a14:useLocalDpi xmlns:a14="http://schemas.microsoft.com/office/drawing/2010/main"/>
-              </a:ext>
-            </a:extLst>
-          </a:blip>
-          <a:stretch>
-            <a:fillRect/>
-          </a:stretch>
-        </p:blipFill>
-        <p:spPr>
-          <a:xfrm>
-            <a:off x="1834276" y="1810817"/>
-            <a:ext cx="2460163" cy="1119374"/>
-          </a:xfrm>
-          <a:prstGeom prst="rect">
-            <a:avLst/>
-          </a:prstGeom>
-        </p:spPr>
-      </p:pic>
-      <p:pic>
-        <p:nvPicPr>
-          <p:cNvPr id="17" name="Picture 16"/>
-          <p:cNvPicPr>
-            <a:picLocks noChangeAspect="1"/>
-          </p:cNvPicPr>
-          <p:nvPr/>
-        </p:nvPicPr>
-        <p:blipFill>
-          <a:blip r:embed="rId8" cstate="email">
-            <a:extLst>
-              <a:ext uri="{28A0092B-C50C-407E-A947-70E740481C1C}">
-                <a14:useLocalDpi xmlns:a14="http://schemas.microsoft.com/office/drawing/2010/main"/>
-              </a:ext>
-            </a:extLst>
-          </a:blip>
-          <a:stretch>
-            <a:fillRect/>
-          </a:stretch>
-        </p:blipFill>
-        <p:spPr>
-          <a:xfrm>
-            <a:off x="5836530" y="4307382"/>
-            <a:ext cx="1652636" cy="1194383"/>
-          </a:xfrm>
-          <a:prstGeom prst="rect">
-            <a:avLst/>
-          </a:prstGeom>
-        </p:spPr>
-      </p:pic>
-      <p:pic>
-        <p:nvPicPr>
-          <p:cNvPr id="8" name="Picture 7">
-            <a:extLst>
-              <a:ext uri="{FF2B5EF4-FFF2-40B4-BE49-F238E27FC236}">
-                <a16:creationId xmlns:a16="http://schemas.microsoft.com/office/drawing/2014/main" id="{6AE8C789-CEFB-48AB-A1F2-4AEC4E01189F}"/>
-              </a:ext>
-            </a:extLst>
-          </p:cNvPr>
-          <p:cNvPicPr>
-            <a:picLocks noChangeAspect="1"/>
-          </p:cNvPicPr>
-          <p:nvPr/>
-        </p:nvPicPr>
-        <p:blipFill>
-          <a:blip r:embed="rId9" cstate="email">
-            <a:extLst>
-              <a:ext uri="{28A0092B-C50C-407E-A947-70E740481C1C}">
-                <a14:useLocalDpi xmlns:a14="http://schemas.microsoft.com/office/drawing/2010/main"/>
-              </a:ext>
-            </a:extLst>
-          </a:blip>
-          <a:stretch>
-            <a:fillRect/>
-          </a:stretch>
-        </p:blipFill>
-        <p:spPr>
-          <a:xfrm>
-            <a:off x="4697135" y="1822069"/>
-            <a:ext cx="2599267" cy="1170127"/>
-          </a:xfrm>
-          <a:prstGeom prst="rect">
-            <a:avLst/>
-          </a:prstGeom>
-        </p:spPr>
-      </p:pic>
-      <p:pic>
-        <p:nvPicPr>
-          <p:cNvPr id="19" name="Picture 18">
-            <a:extLst>
-              <a:ext uri="{FF2B5EF4-FFF2-40B4-BE49-F238E27FC236}">
-                <a16:creationId xmlns:a16="http://schemas.microsoft.com/office/drawing/2014/main" id="{5E1798E0-3136-47AC-ADD6-D95FB830C6C1}"/>
-              </a:ext>
-            </a:extLst>
-          </p:cNvPr>
-          <p:cNvPicPr>
-            <a:picLocks noChangeAspect="1"/>
-          </p:cNvPicPr>
-          <p:nvPr/>
-        </p:nvPicPr>
-        <p:blipFill>
-          <a:blip r:embed="rId10" cstate="email">
-            <a:extLst>
-              <a:ext uri="{28A0092B-C50C-407E-A947-70E740481C1C}">
-                <a14:useLocalDpi xmlns:a14="http://schemas.microsoft.com/office/drawing/2010/main"/>
-              </a:ext>
-            </a:extLst>
-          </a:blip>
-          <a:stretch>
-            <a:fillRect/>
-          </a:stretch>
-        </p:blipFill>
-        <p:spPr>
-          <a:xfrm>
-            <a:off x="1757782" y="3419042"/>
-            <a:ext cx="2724487" cy="826428"/>
-          </a:xfrm>
-          <a:prstGeom prst="rect">
-            <a:avLst/>
-          </a:prstGeom>
-        </p:spPr>
-      </p:pic>
-      <p:pic>
-        <p:nvPicPr>
-          <p:cNvPr id="25" name="Picture 24">
-            <a:extLst>
-              <a:ext uri="{FF2B5EF4-FFF2-40B4-BE49-F238E27FC236}">
-                <a16:creationId xmlns:a16="http://schemas.microsoft.com/office/drawing/2014/main" id="{E8ED068F-32F0-4688-8423-9058BF6EE524}"/>
-              </a:ext>
-            </a:extLst>
-          </p:cNvPr>
-          <p:cNvPicPr>
-            <a:picLocks noChangeAspect="1"/>
-          </p:cNvPicPr>
-          <p:nvPr/>
-        </p:nvPicPr>
-        <p:blipFill>
-          <a:blip r:embed="rId11" cstate="email">
-            <a:extLst>
-              <a:ext uri="{28A0092B-C50C-407E-A947-70E740481C1C}">
-                <a14:useLocalDpi xmlns:a14="http://schemas.microsoft.com/office/drawing/2010/main"/>
-              </a:ext>
-            </a:extLst>
-          </a:blip>
-          <a:stretch>
-            <a:fillRect/>
-          </a:stretch>
-        </p:blipFill>
-        <p:spPr>
-          <a:xfrm>
-            <a:off x="494978" y="4540814"/>
-            <a:ext cx="2678595" cy="803579"/>
-          </a:xfrm>
-          <a:prstGeom prst="rect">
-            <a:avLst/>
-          </a:prstGeom>
-        </p:spPr>
-      </p:pic>
-      <p:pic>
-        <p:nvPicPr>
-          <p:cNvPr id="27" name="Picture 26">
-            <a:extLst>
-              <a:ext uri="{FF2B5EF4-FFF2-40B4-BE49-F238E27FC236}">
-                <a16:creationId xmlns:a16="http://schemas.microsoft.com/office/drawing/2014/main" id="{3DA48536-A345-4A36-8C41-B116DBEA1EFB}"/>
-              </a:ext>
-            </a:extLst>
-          </p:cNvPr>
-          <p:cNvPicPr>
-            <a:picLocks noChangeAspect="1"/>
-          </p:cNvPicPr>
-          <p:nvPr/>
-        </p:nvPicPr>
-        <p:blipFill>
-          <a:blip r:embed="rId12">
-            <a:extLst>
-              <a:ext uri="{28A0092B-C50C-407E-A947-70E740481C1C}">
-                <a14:useLocalDpi xmlns:a14="http://schemas.microsoft.com/office/drawing/2010/main"/>
-              </a:ext>
-            </a:extLst>
-          </a:blip>
-          <a:stretch>
-            <a:fillRect/>
-          </a:stretch>
-        </p:blipFill>
-        <p:spPr>
-          <a:xfrm>
-            <a:off x="4545753" y="3360613"/>
-            <a:ext cx="2857155" cy="857147"/>
-          </a:xfrm>
-          <a:prstGeom prst="rect">
-            <a:avLst/>
-          </a:prstGeom>
-        </p:spPr>
-      </p:pic>
-      <p:pic>
-        <p:nvPicPr>
-          <p:cNvPr id="29" name="Picture 28">
-            <a:extLst>
-              <a:ext uri="{FF2B5EF4-FFF2-40B4-BE49-F238E27FC236}">
-                <a16:creationId xmlns:a16="http://schemas.microsoft.com/office/drawing/2014/main" id="{6C3547FD-1E5A-4E00-91FE-EA923F94F7AD}"/>
-              </a:ext>
-            </a:extLst>
-          </p:cNvPr>
-          <p:cNvPicPr>
-            <a:picLocks noChangeAspect="1"/>
-          </p:cNvPicPr>
-          <p:nvPr/>
-        </p:nvPicPr>
-        <p:blipFill>
-          <a:blip r:embed="rId13" cstate="email">
-            <a:extLst>
-              <a:ext uri="{28A0092B-C50C-407E-A947-70E740481C1C}">
-                <a14:useLocalDpi xmlns:a14="http://schemas.microsoft.com/office/drawing/2010/main"/>
-              </a:ext>
-            </a:extLst>
-          </a:blip>
-          <a:stretch>
-            <a:fillRect/>
-          </a:stretch>
-        </p:blipFill>
-        <p:spPr>
-          <a:xfrm>
-            <a:off x="1932385" y="5826404"/>
-            <a:ext cx="3343556" cy="728386"/>
-          </a:xfrm>
-          <a:prstGeom prst="rect">
-            <a:avLst/>
-          </a:prstGeom>
-        </p:spPr>
-      </p:pic>
-      <p:pic>
-        <p:nvPicPr>
-          <p:cNvPr id="31" name="Picture 30">
-            <a:extLst>
-              <a:ext uri="{FF2B5EF4-FFF2-40B4-BE49-F238E27FC236}">
-                <a16:creationId xmlns:a16="http://schemas.microsoft.com/office/drawing/2014/main" id="{A6CE2CF2-BCBB-4C9E-88A2-9E2FD7DF87DF}"/>
-              </a:ext>
-            </a:extLst>
-          </p:cNvPr>
-          <p:cNvPicPr>
-            <a:picLocks noChangeAspect="1"/>
-          </p:cNvPicPr>
-          <p:nvPr/>
-        </p:nvPicPr>
-        <p:blipFill>
-          <a:blip r:embed="rId14">
-            <a:extLst>
-              <a:ext uri="{28A0092B-C50C-407E-A947-70E740481C1C}">
-                <a14:useLocalDpi xmlns:a14="http://schemas.microsoft.com/office/drawing/2010/main"/>
-              </a:ext>
-            </a:extLst>
-          </a:blip>
-          <a:stretch>
-            <a:fillRect/>
-          </a:stretch>
-        </p:blipFill>
-        <p:spPr>
-          <a:xfrm>
-            <a:off x="8848470" y="3335107"/>
-            <a:ext cx="1428577" cy="476192"/>
-          </a:xfrm>
-          <a:prstGeom prst="rect">
-            <a:avLst/>
-          </a:prstGeom>
-        </p:spPr>
-      </p:pic>
-      <p:pic>
-        <p:nvPicPr>
-          <p:cNvPr id="33" name="Picture 32">
-            <a:extLst>
-              <a:ext uri="{FF2B5EF4-FFF2-40B4-BE49-F238E27FC236}">
-                <a16:creationId xmlns:a16="http://schemas.microsoft.com/office/drawing/2014/main" id="{AF03FBA9-BE7E-4560-B182-26F3285335E5}"/>
-              </a:ext>
-            </a:extLst>
-          </p:cNvPr>
-          <p:cNvPicPr>
-            <a:picLocks noChangeAspect="1"/>
-          </p:cNvPicPr>
-          <p:nvPr/>
-        </p:nvPicPr>
-        <p:blipFill>
-          <a:blip r:embed="rId15">
-            <a:extLst>
-              <a:ext uri="{28A0092B-C50C-407E-A947-70E740481C1C}">
-                <a14:useLocalDpi xmlns:a14="http://schemas.microsoft.com/office/drawing/2010/main"/>
-              </a:ext>
-            </a:extLst>
-          </a:blip>
-          <a:stretch>
-            <a:fillRect/>
-          </a:stretch>
-        </p:blipFill>
-        <p:spPr>
-          <a:xfrm>
-            <a:off x="8849642" y="4249087"/>
-            <a:ext cx="1428956" cy="523951"/>
+            <a:off x="1979612" y="1219200"/>
+            <a:ext cx="7457807" cy="5473700"/>
           </a:xfrm>
           <a:prstGeom prst="rect">
             <a:avLst/>
@@ -7087,9 +6640,10 @@
           </a:p>
           <a:p>
             <a:r>
-              <a:rPr lang="en-US" dirty="0"/>
-              <a:t>Boston Code Camp 26, 27, 28, 29 Attendee</a:t>
-            </a:r>
+              <a:rPr lang="en-US" dirty="0" smtClean="0"/>
+              <a:t>8 Time SQL Saturday Boston Attendee</a:t>
+            </a:r>
+            <a:endParaRPr lang="en-US" dirty="0"/>
           </a:p>
           <a:p>
             <a:r>
@@ -7272,13 +6826,13 @@
   <p:clrMapOvr>
     <a:masterClrMapping/>
   </p:clrMapOvr>
-  <mc:AlternateContent xmlns:mc="http://schemas.openxmlformats.org/markup-compatibility/2006">
-    <mc:Choice xmlns:p14="http://schemas.microsoft.com/office/powerpoint/2010/main" Requires="p14">
+  <mc:AlternateContent xmlns:mc="http://schemas.openxmlformats.org/markup-compatibility/2006" xmlns:p14="http://schemas.microsoft.com/office/powerpoint/2010/main">
+    <mc:Choice Requires="p14">
       <p:transition p14:dur="100">
         <p:cut/>
       </p:transition>
     </mc:Choice>
-    <mc:Fallback>
+    <mc:Fallback xmlns="">
       <p:transition>
         <p:cut/>
       </p:transition>
@@ -7701,13 +7255,13 @@
   <p:clrMapOvr>
     <a:masterClrMapping/>
   </p:clrMapOvr>
-  <mc:AlternateContent xmlns:mc="http://schemas.openxmlformats.org/markup-compatibility/2006">
-    <mc:Choice xmlns:p159="http://schemas.microsoft.com/office/powerpoint/2015/09/main" Requires="p159">
+  <mc:AlternateContent xmlns:mc="http://schemas.openxmlformats.org/markup-compatibility/2006" xmlns:p159="http://schemas.microsoft.com/office/powerpoint/2015/09/main">
+    <mc:Choice Requires="p159">
       <p:transition xmlns:p14="http://schemas.microsoft.com/office/powerpoint/2010/main" spd="slow" p14:dur="2000">
         <p159:morph option="byObject"/>
       </p:transition>
     </mc:Choice>
-    <mc:Fallback>
+    <mc:Fallback xmlns="">
       <p:transition spd="slow">
         <p:fade/>
       </p:transition>
@@ -8923,12 +8477,139 @@
 </file>
 
 <file path=customXml/item1.xml><?xml version="1.0" encoding="utf-8"?>
-<?mso-contentType ?>
-<FormTemplates xmlns="http://schemas.microsoft.com/sharepoint/v3/contenttype/forms">
-  <Display>DocumentLibraryForm</Display>
-  <Edit>AssetEditForm</Edit>
-  <New>DocumentLibraryForm</New>
-</FormTemplates>
+<p:properties xmlns:p="http://schemas.microsoft.com/office/2006/metadata/properties" xmlns:xsi="http://www.w3.org/2001/XMLSchema-instance" xmlns:pc="http://schemas.microsoft.com/office/infopath/2007/PartnerControls">
+  <documentManagement>
+    <LocPublishedLinkedAssetsLookup xmlns="4873beb7-5857-4685-be1f-d57550cc96cc" xsi:nil="true"/>
+    <ApprovalStatus xmlns="4873beb7-5857-4685-be1f-d57550cc96cc">InProgress</ApprovalStatus>
+    <MarketSpecific xmlns="4873beb7-5857-4685-be1f-d57550cc96cc">false</MarketSpecific>
+    <LocComments xmlns="4873beb7-5857-4685-be1f-d57550cc96cc" xsi:nil="true"/>
+    <LocLastLocAttemptVersionTypeLookup xmlns="4873beb7-5857-4685-be1f-d57550cc96cc" xsi:nil="true"/>
+    <DirectSourceMarket xmlns="4873beb7-5857-4685-be1f-d57550cc96cc" xsi:nil="true"/>
+    <ThumbnailAssetId xmlns="4873beb7-5857-4685-be1f-d57550cc96cc" xsi:nil="true"/>
+    <PrimaryImageGen xmlns="4873beb7-5857-4685-be1f-d57550cc96cc">false</PrimaryImageGen>
+    <LocNewPublishedVersionLookup xmlns="4873beb7-5857-4685-be1f-d57550cc96cc" xsi:nil="true"/>
+    <LegacyData xmlns="4873beb7-5857-4685-be1f-d57550cc96cc" xsi:nil="true"/>
+    <LocRecommendedHandoff xmlns="4873beb7-5857-4685-be1f-d57550cc96cc" xsi:nil="true"/>
+    <BusinessGroup xmlns="4873beb7-5857-4685-be1f-d57550cc96cc" xsi:nil="true"/>
+    <BlockPublish xmlns="4873beb7-5857-4685-be1f-d57550cc96cc">false</BlockPublish>
+    <TPFriendlyName xmlns="4873beb7-5857-4685-be1f-d57550cc96cc" xsi:nil="true"/>
+    <LocOverallPublishStatusLookup xmlns="4873beb7-5857-4685-be1f-d57550cc96cc" xsi:nil="true"/>
+    <NumericId xmlns="4873beb7-5857-4685-be1f-d57550cc96cc" xsi:nil="true"/>
+    <APEditor xmlns="4873beb7-5857-4685-be1f-d57550cc96cc">
+      <UserInfo>
+        <DisplayName/>
+        <AccountId xsi:nil="true"/>
+        <AccountType/>
+      </UserInfo>
+    </APEditor>
+    <SourceTitle xmlns="4873beb7-5857-4685-be1f-d57550cc96cc" xsi:nil="true"/>
+    <OpenTemplate xmlns="4873beb7-5857-4685-be1f-d57550cc96cc">true</OpenTemplate>
+    <LocOverallLocStatusLookup xmlns="4873beb7-5857-4685-be1f-d57550cc96cc" xsi:nil="true"/>
+    <UALocComments xmlns="4873beb7-5857-4685-be1f-d57550cc96cc" xsi:nil="true"/>
+    <ParentAssetId xmlns="4873beb7-5857-4685-be1f-d57550cc96cc" xsi:nil="true"/>
+    <IntlLangReviewDate xmlns="4873beb7-5857-4685-be1f-d57550cc96cc" xsi:nil="true"/>
+    <FeatureTagsTaxHTField0 xmlns="4873beb7-5857-4685-be1f-d57550cc96cc">
+      <Terms xmlns="http://schemas.microsoft.com/office/infopath/2007/PartnerControls"/>
+    </FeatureTagsTaxHTField0>
+    <PublishStatusLookup xmlns="4873beb7-5857-4685-be1f-d57550cc96cc">
+      <Value>1345039</Value>
+    </PublishStatusLookup>
+    <Providers xmlns="4873beb7-5857-4685-be1f-d57550cc96cc" xsi:nil="true"/>
+    <MachineTranslated xmlns="4873beb7-5857-4685-be1f-d57550cc96cc">false</MachineTranslated>
+    <OriginalSourceMarket xmlns="4873beb7-5857-4685-be1f-d57550cc96cc" xsi:nil="true"/>
+    <APDescription xmlns="4873beb7-5857-4685-be1f-d57550cc96cc">The bookstacks present on most slides  make this a good choice for students, teachers, reading enthusiasts, and others in education. This presentation template contains multiple slide layouts in widescreen format (16x9) and includes a sample table and chart that you can easily  modify.</APDescription>
+    <ClipArtFilename xmlns="4873beb7-5857-4685-be1f-d57550cc96cc" xsi:nil="true"/>
+    <ContentItem xmlns="4873beb7-5857-4685-be1f-d57550cc96cc" xsi:nil="true"/>
+    <TPInstallLocation xmlns="4873beb7-5857-4685-be1f-d57550cc96cc" xsi:nil="true"/>
+    <PublishTargets xmlns="4873beb7-5857-4685-be1f-d57550cc96cc">OfficeOnlineVNext</PublishTargets>
+    <TimesCloned xmlns="4873beb7-5857-4685-be1f-d57550cc96cc" xsi:nil="true"/>
+    <AssetStart xmlns="4873beb7-5857-4685-be1f-d57550cc96cc">2011-11-26T00:00:00+00:00</AssetStart>
+    <Provider xmlns="4873beb7-5857-4685-be1f-d57550cc96cc" xsi:nil="true"/>
+    <AcquiredFrom xmlns="4873beb7-5857-4685-be1f-d57550cc96cc">Internal MS</AcquiredFrom>
+    <FriendlyTitle xmlns="4873beb7-5857-4685-be1f-d57550cc96cc" xsi:nil="true"/>
+    <LastHandOff xmlns="4873beb7-5857-4685-be1f-d57550cc96cc" xsi:nil="true"/>
+    <TPClientViewer xmlns="4873beb7-5857-4685-be1f-d57550cc96cc" xsi:nil="true"/>
+    <TemplateStatus xmlns="4873beb7-5857-4685-be1f-d57550cc96cc">Complete</TemplateStatus>
+    <Downloads xmlns="4873beb7-5857-4685-be1f-d57550cc96cc">0</Downloads>
+    <OOCacheId xmlns="4873beb7-5857-4685-be1f-d57550cc96cc" xsi:nil="true"/>
+    <IsDeleted xmlns="4873beb7-5857-4685-be1f-d57550cc96cc">false</IsDeleted>
+    <LocPublishedDependentAssetsLookup xmlns="4873beb7-5857-4685-be1f-d57550cc96cc" xsi:nil="true"/>
+    <AssetExpire xmlns="4873beb7-5857-4685-be1f-d57550cc96cc">2029-05-12T07:00:00+00:00</AssetExpire>
+    <DSATActionTaken xmlns="4873beb7-5857-4685-be1f-d57550cc96cc" xsi:nil="true"/>
+    <CSXSubmissionMarket xmlns="4873beb7-5857-4685-be1f-d57550cc96cc" xsi:nil="true"/>
+    <TPExecutable xmlns="4873beb7-5857-4685-be1f-d57550cc96cc" xsi:nil="true"/>
+    <EditorialTags xmlns="4873beb7-5857-4685-be1f-d57550cc96cc" xsi:nil="true"/>
+    <SubmitterId xmlns="4873beb7-5857-4685-be1f-d57550cc96cc" xsi:nil="true"/>
+    <ApprovalLog xmlns="4873beb7-5857-4685-be1f-d57550cc96cc" xsi:nil="true"/>
+    <AssetType xmlns="4873beb7-5857-4685-be1f-d57550cc96cc">TP</AssetType>
+    <BugNumber xmlns="4873beb7-5857-4685-be1f-d57550cc96cc" xsi:nil="true"/>
+    <CSXSubmissionDate xmlns="4873beb7-5857-4685-be1f-d57550cc96cc" xsi:nil="true"/>
+    <CSXUpdate xmlns="4873beb7-5857-4685-be1f-d57550cc96cc">false</CSXUpdate>
+    <Milestone xmlns="4873beb7-5857-4685-be1f-d57550cc96cc" xsi:nil="true"/>
+    <RecommendationsModifier xmlns="4873beb7-5857-4685-be1f-d57550cc96cc" xsi:nil="true"/>
+    <OriginAsset xmlns="4873beb7-5857-4685-be1f-d57550cc96cc" xsi:nil="true"/>
+    <TPComponent xmlns="4873beb7-5857-4685-be1f-d57550cc96cc" xsi:nil="true"/>
+    <AssetId xmlns="4873beb7-5857-4685-be1f-d57550cc96cc">TP102787939</AssetId>
+    <IntlLocPriority xmlns="4873beb7-5857-4685-be1f-d57550cc96cc" xsi:nil="true"/>
+    <PolicheckWords xmlns="4873beb7-5857-4685-be1f-d57550cc96cc" xsi:nil="true"/>
+    <TPLaunchHelpLink xmlns="4873beb7-5857-4685-be1f-d57550cc96cc" xsi:nil="true"/>
+    <TPApplication xmlns="4873beb7-5857-4685-be1f-d57550cc96cc" xsi:nil="true"/>
+    <CrawlForDependencies xmlns="4873beb7-5857-4685-be1f-d57550cc96cc">false</CrawlForDependencies>
+    <HandoffToMSDN xmlns="4873beb7-5857-4685-be1f-d57550cc96cc" xsi:nil="true"/>
+    <PlannedPubDate xmlns="4873beb7-5857-4685-be1f-d57550cc96cc" xsi:nil="true"/>
+    <IntlLangReviewer xmlns="4873beb7-5857-4685-be1f-d57550cc96cc" xsi:nil="true"/>
+    <TrustLevel xmlns="4873beb7-5857-4685-be1f-d57550cc96cc">1 Microsoft Managed Content</TrustLevel>
+    <LocLastLocAttemptVersionLookup xmlns="4873beb7-5857-4685-be1f-d57550cc96cc">694216</LocLastLocAttemptVersionLookup>
+    <LocProcessedForHandoffsLookup xmlns="4873beb7-5857-4685-be1f-d57550cc96cc" xsi:nil="true"/>
+    <IsSearchable xmlns="4873beb7-5857-4685-be1f-d57550cc96cc">true</IsSearchable>
+    <TemplateTemplateType xmlns="4873beb7-5857-4685-be1f-d57550cc96cc">PowerPoint Presentation Template</TemplateTemplateType>
+    <CampaignTagsTaxHTField0 xmlns="4873beb7-5857-4685-be1f-d57550cc96cc">
+      <Terms xmlns="http://schemas.microsoft.com/office/infopath/2007/PartnerControls"/>
+    </CampaignTagsTaxHTField0>
+    <TPNamespace xmlns="4873beb7-5857-4685-be1f-d57550cc96cc" xsi:nil="true"/>
+    <LocOverallPreviewStatusLookup xmlns="4873beb7-5857-4685-be1f-d57550cc96cc" xsi:nil="true"/>
+    <TaxCatchAll xmlns="4873beb7-5857-4685-be1f-d57550cc96cc"/>
+    <Markets xmlns="4873beb7-5857-4685-be1f-d57550cc96cc"/>
+    <UAProjectedTotalWords xmlns="4873beb7-5857-4685-be1f-d57550cc96cc" xsi:nil="true"/>
+    <IntlLangReview xmlns="4873beb7-5857-4685-be1f-d57550cc96cc" xsi:nil="true"/>
+    <OutputCachingOn xmlns="4873beb7-5857-4685-be1f-d57550cc96cc">false</OutputCachingOn>
+    <AverageRating xmlns="4873beb7-5857-4685-be1f-d57550cc96cc" xsi:nil="true"/>
+    <APAuthor xmlns="4873beb7-5857-4685-be1f-d57550cc96cc">
+      <UserInfo>
+        <DisplayName>REDMOND\kristaa</DisplayName>
+        <AccountId>136</AccountId>
+        <AccountType/>
+      </UserInfo>
+    </APAuthor>
+    <LocManualTestRequired xmlns="4873beb7-5857-4685-be1f-d57550cc96cc">false</LocManualTestRequired>
+    <TPCommandLine xmlns="4873beb7-5857-4685-be1f-d57550cc96cc" xsi:nil="true"/>
+    <TPAppVersion xmlns="4873beb7-5857-4685-be1f-d57550cc96cc" xsi:nil="true"/>
+    <EditorialStatus xmlns="4873beb7-5857-4685-be1f-d57550cc96cc">Complete</EditorialStatus>
+    <LastModifiedDateTime xmlns="4873beb7-5857-4685-be1f-d57550cc96cc" xsi:nil="true"/>
+    <ScenarioTagsTaxHTField0 xmlns="4873beb7-5857-4685-be1f-d57550cc96cc">
+      <Terms xmlns="http://schemas.microsoft.com/office/infopath/2007/PartnerControls"/>
+    </ScenarioTagsTaxHTField0>
+    <LocProcessedForMarketsLookup xmlns="4873beb7-5857-4685-be1f-d57550cc96cc" xsi:nil="true"/>
+    <TPLaunchHelpLinkType xmlns="4873beb7-5857-4685-be1f-d57550cc96cc">Template</TPLaunchHelpLinkType>
+    <OriginalRelease xmlns="4873beb7-5857-4685-be1f-d57550cc96cc">15</OriginalRelease>
+    <LocalizationTagsTaxHTField0 xmlns="4873beb7-5857-4685-be1f-d57550cc96cc">
+      <Terms xmlns="http://schemas.microsoft.com/office/infopath/2007/PartnerControls"/>
+    </LocalizationTagsTaxHTField0>
+    <UACurrentWords xmlns="4873beb7-5857-4685-be1f-d57550cc96cc" xsi:nil="true"/>
+    <ArtSampleDocs xmlns="4873beb7-5857-4685-be1f-d57550cc96cc" xsi:nil="true"/>
+    <UALocRecommendation xmlns="4873beb7-5857-4685-be1f-d57550cc96cc">Localize</UALocRecommendation>
+    <Manager xmlns="4873beb7-5857-4685-be1f-d57550cc96cc" xsi:nil="true"/>
+    <LocOverallHandbackStatusLookup xmlns="4873beb7-5857-4685-be1f-d57550cc96cc" xsi:nil="true"/>
+    <ShowIn xmlns="4873beb7-5857-4685-be1f-d57550cc96cc">Show everywhere</ShowIn>
+    <UANotes xmlns="4873beb7-5857-4685-be1f-d57550cc96cc" xsi:nil="true"/>
+    <InternalTagsTaxHTField0 xmlns="4873beb7-5857-4685-be1f-d57550cc96cc">
+      <Terms xmlns="http://schemas.microsoft.com/office/infopath/2007/PartnerControls"/>
+    </InternalTagsTaxHTField0>
+    <CSXHash xmlns="4873beb7-5857-4685-be1f-d57550cc96cc" xsi:nil="true"/>
+    <VoteCount xmlns="4873beb7-5857-4685-be1f-d57550cc96cc" xsi:nil="true"/>
+    <LocMarketGroupTiers2 xmlns="4873beb7-5857-4685-be1f-d57550cc96cc" xsi:nil="true"/>
+  </documentManagement>
+</p:properties>
 </file>
 
 <file path=customXml/item2.xml><?xml version="1.0" encoding="utf-8"?>
@@ -9972,145 +9653,26 @@
 </file>
 
 <file path=customXml/item3.xml><?xml version="1.0" encoding="utf-8"?>
-<p:properties xmlns:p="http://schemas.microsoft.com/office/2006/metadata/properties" xmlns:xsi="http://www.w3.org/2001/XMLSchema-instance" xmlns:pc="http://schemas.microsoft.com/office/infopath/2007/PartnerControls">
-  <documentManagement>
-    <LocPublishedLinkedAssetsLookup xmlns="4873beb7-5857-4685-be1f-d57550cc96cc" xsi:nil="true"/>
-    <ApprovalStatus xmlns="4873beb7-5857-4685-be1f-d57550cc96cc">InProgress</ApprovalStatus>
-    <MarketSpecific xmlns="4873beb7-5857-4685-be1f-d57550cc96cc">false</MarketSpecific>
-    <LocComments xmlns="4873beb7-5857-4685-be1f-d57550cc96cc" xsi:nil="true"/>
-    <LocLastLocAttemptVersionTypeLookup xmlns="4873beb7-5857-4685-be1f-d57550cc96cc" xsi:nil="true"/>
-    <DirectSourceMarket xmlns="4873beb7-5857-4685-be1f-d57550cc96cc" xsi:nil="true"/>
-    <ThumbnailAssetId xmlns="4873beb7-5857-4685-be1f-d57550cc96cc" xsi:nil="true"/>
-    <PrimaryImageGen xmlns="4873beb7-5857-4685-be1f-d57550cc96cc">false</PrimaryImageGen>
-    <LocNewPublishedVersionLookup xmlns="4873beb7-5857-4685-be1f-d57550cc96cc" xsi:nil="true"/>
-    <LegacyData xmlns="4873beb7-5857-4685-be1f-d57550cc96cc" xsi:nil="true"/>
-    <LocRecommendedHandoff xmlns="4873beb7-5857-4685-be1f-d57550cc96cc" xsi:nil="true"/>
-    <BusinessGroup xmlns="4873beb7-5857-4685-be1f-d57550cc96cc" xsi:nil="true"/>
-    <BlockPublish xmlns="4873beb7-5857-4685-be1f-d57550cc96cc">false</BlockPublish>
-    <TPFriendlyName xmlns="4873beb7-5857-4685-be1f-d57550cc96cc" xsi:nil="true"/>
-    <LocOverallPublishStatusLookup xmlns="4873beb7-5857-4685-be1f-d57550cc96cc" xsi:nil="true"/>
-    <NumericId xmlns="4873beb7-5857-4685-be1f-d57550cc96cc" xsi:nil="true"/>
-    <APEditor xmlns="4873beb7-5857-4685-be1f-d57550cc96cc">
-      <UserInfo>
-        <DisplayName/>
-        <AccountId xsi:nil="true"/>
-        <AccountType/>
-      </UserInfo>
-    </APEditor>
-    <SourceTitle xmlns="4873beb7-5857-4685-be1f-d57550cc96cc" xsi:nil="true"/>
-    <OpenTemplate xmlns="4873beb7-5857-4685-be1f-d57550cc96cc">true</OpenTemplate>
-    <LocOverallLocStatusLookup xmlns="4873beb7-5857-4685-be1f-d57550cc96cc" xsi:nil="true"/>
-    <UALocComments xmlns="4873beb7-5857-4685-be1f-d57550cc96cc" xsi:nil="true"/>
-    <ParentAssetId xmlns="4873beb7-5857-4685-be1f-d57550cc96cc" xsi:nil="true"/>
-    <IntlLangReviewDate xmlns="4873beb7-5857-4685-be1f-d57550cc96cc" xsi:nil="true"/>
-    <FeatureTagsTaxHTField0 xmlns="4873beb7-5857-4685-be1f-d57550cc96cc">
-      <Terms xmlns="http://schemas.microsoft.com/office/infopath/2007/PartnerControls"/>
-    </FeatureTagsTaxHTField0>
-    <PublishStatusLookup xmlns="4873beb7-5857-4685-be1f-d57550cc96cc">
-      <Value>1345039</Value>
-    </PublishStatusLookup>
-    <Providers xmlns="4873beb7-5857-4685-be1f-d57550cc96cc" xsi:nil="true"/>
-    <MachineTranslated xmlns="4873beb7-5857-4685-be1f-d57550cc96cc">false</MachineTranslated>
-    <OriginalSourceMarket xmlns="4873beb7-5857-4685-be1f-d57550cc96cc" xsi:nil="true"/>
-    <APDescription xmlns="4873beb7-5857-4685-be1f-d57550cc96cc">The bookstacks present on most slides  make this a good choice for students, teachers, reading enthusiasts, and others in education. This presentation template contains multiple slide layouts in widescreen format (16x9) and includes a sample table and chart that you can easily  modify.</APDescription>
-    <ClipArtFilename xmlns="4873beb7-5857-4685-be1f-d57550cc96cc" xsi:nil="true"/>
-    <ContentItem xmlns="4873beb7-5857-4685-be1f-d57550cc96cc" xsi:nil="true"/>
-    <TPInstallLocation xmlns="4873beb7-5857-4685-be1f-d57550cc96cc" xsi:nil="true"/>
-    <PublishTargets xmlns="4873beb7-5857-4685-be1f-d57550cc96cc">OfficeOnlineVNext</PublishTargets>
-    <TimesCloned xmlns="4873beb7-5857-4685-be1f-d57550cc96cc" xsi:nil="true"/>
-    <AssetStart xmlns="4873beb7-5857-4685-be1f-d57550cc96cc">2011-11-26T00:00:00+00:00</AssetStart>
-    <Provider xmlns="4873beb7-5857-4685-be1f-d57550cc96cc" xsi:nil="true"/>
-    <AcquiredFrom xmlns="4873beb7-5857-4685-be1f-d57550cc96cc">Internal MS</AcquiredFrom>
-    <FriendlyTitle xmlns="4873beb7-5857-4685-be1f-d57550cc96cc" xsi:nil="true"/>
-    <LastHandOff xmlns="4873beb7-5857-4685-be1f-d57550cc96cc" xsi:nil="true"/>
-    <TPClientViewer xmlns="4873beb7-5857-4685-be1f-d57550cc96cc" xsi:nil="true"/>
-    <TemplateStatus xmlns="4873beb7-5857-4685-be1f-d57550cc96cc">Complete</TemplateStatus>
-    <Downloads xmlns="4873beb7-5857-4685-be1f-d57550cc96cc">0</Downloads>
-    <OOCacheId xmlns="4873beb7-5857-4685-be1f-d57550cc96cc" xsi:nil="true"/>
-    <IsDeleted xmlns="4873beb7-5857-4685-be1f-d57550cc96cc">false</IsDeleted>
-    <LocPublishedDependentAssetsLookup xmlns="4873beb7-5857-4685-be1f-d57550cc96cc" xsi:nil="true"/>
-    <AssetExpire xmlns="4873beb7-5857-4685-be1f-d57550cc96cc">2029-05-12T07:00:00+00:00</AssetExpire>
-    <DSATActionTaken xmlns="4873beb7-5857-4685-be1f-d57550cc96cc" xsi:nil="true"/>
-    <CSXSubmissionMarket xmlns="4873beb7-5857-4685-be1f-d57550cc96cc" xsi:nil="true"/>
-    <TPExecutable xmlns="4873beb7-5857-4685-be1f-d57550cc96cc" xsi:nil="true"/>
-    <EditorialTags xmlns="4873beb7-5857-4685-be1f-d57550cc96cc" xsi:nil="true"/>
-    <SubmitterId xmlns="4873beb7-5857-4685-be1f-d57550cc96cc" xsi:nil="true"/>
-    <ApprovalLog xmlns="4873beb7-5857-4685-be1f-d57550cc96cc" xsi:nil="true"/>
-    <AssetType xmlns="4873beb7-5857-4685-be1f-d57550cc96cc">TP</AssetType>
-    <BugNumber xmlns="4873beb7-5857-4685-be1f-d57550cc96cc" xsi:nil="true"/>
-    <CSXSubmissionDate xmlns="4873beb7-5857-4685-be1f-d57550cc96cc" xsi:nil="true"/>
-    <CSXUpdate xmlns="4873beb7-5857-4685-be1f-d57550cc96cc">false</CSXUpdate>
-    <Milestone xmlns="4873beb7-5857-4685-be1f-d57550cc96cc" xsi:nil="true"/>
-    <RecommendationsModifier xmlns="4873beb7-5857-4685-be1f-d57550cc96cc" xsi:nil="true"/>
-    <OriginAsset xmlns="4873beb7-5857-4685-be1f-d57550cc96cc" xsi:nil="true"/>
-    <TPComponent xmlns="4873beb7-5857-4685-be1f-d57550cc96cc" xsi:nil="true"/>
-    <AssetId xmlns="4873beb7-5857-4685-be1f-d57550cc96cc">TP102787939</AssetId>
-    <IntlLocPriority xmlns="4873beb7-5857-4685-be1f-d57550cc96cc" xsi:nil="true"/>
-    <PolicheckWords xmlns="4873beb7-5857-4685-be1f-d57550cc96cc" xsi:nil="true"/>
-    <TPLaunchHelpLink xmlns="4873beb7-5857-4685-be1f-d57550cc96cc" xsi:nil="true"/>
-    <TPApplication xmlns="4873beb7-5857-4685-be1f-d57550cc96cc" xsi:nil="true"/>
-    <CrawlForDependencies xmlns="4873beb7-5857-4685-be1f-d57550cc96cc">false</CrawlForDependencies>
-    <HandoffToMSDN xmlns="4873beb7-5857-4685-be1f-d57550cc96cc" xsi:nil="true"/>
-    <PlannedPubDate xmlns="4873beb7-5857-4685-be1f-d57550cc96cc" xsi:nil="true"/>
-    <IntlLangReviewer xmlns="4873beb7-5857-4685-be1f-d57550cc96cc" xsi:nil="true"/>
-    <TrustLevel xmlns="4873beb7-5857-4685-be1f-d57550cc96cc">1 Microsoft Managed Content</TrustLevel>
-    <LocLastLocAttemptVersionLookup xmlns="4873beb7-5857-4685-be1f-d57550cc96cc">694216</LocLastLocAttemptVersionLookup>
-    <LocProcessedForHandoffsLookup xmlns="4873beb7-5857-4685-be1f-d57550cc96cc" xsi:nil="true"/>
-    <IsSearchable xmlns="4873beb7-5857-4685-be1f-d57550cc96cc">true</IsSearchable>
-    <TemplateTemplateType xmlns="4873beb7-5857-4685-be1f-d57550cc96cc">PowerPoint Presentation Template</TemplateTemplateType>
-    <CampaignTagsTaxHTField0 xmlns="4873beb7-5857-4685-be1f-d57550cc96cc">
-      <Terms xmlns="http://schemas.microsoft.com/office/infopath/2007/PartnerControls"/>
-    </CampaignTagsTaxHTField0>
-    <TPNamespace xmlns="4873beb7-5857-4685-be1f-d57550cc96cc" xsi:nil="true"/>
-    <LocOverallPreviewStatusLookup xmlns="4873beb7-5857-4685-be1f-d57550cc96cc" xsi:nil="true"/>
-    <TaxCatchAll xmlns="4873beb7-5857-4685-be1f-d57550cc96cc"/>
-    <Markets xmlns="4873beb7-5857-4685-be1f-d57550cc96cc"/>
-    <UAProjectedTotalWords xmlns="4873beb7-5857-4685-be1f-d57550cc96cc" xsi:nil="true"/>
-    <IntlLangReview xmlns="4873beb7-5857-4685-be1f-d57550cc96cc" xsi:nil="true"/>
-    <OutputCachingOn xmlns="4873beb7-5857-4685-be1f-d57550cc96cc">false</OutputCachingOn>
-    <AverageRating xmlns="4873beb7-5857-4685-be1f-d57550cc96cc" xsi:nil="true"/>
-    <APAuthor xmlns="4873beb7-5857-4685-be1f-d57550cc96cc">
-      <UserInfo>
-        <DisplayName>REDMOND\kristaa</DisplayName>
-        <AccountId>136</AccountId>
-        <AccountType/>
-      </UserInfo>
-    </APAuthor>
-    <LocManualTestRequired xmlns="4873beb7-5857-4685-be1f-d57550cc96cc">false</LocManualTestRequired>
-    <TPCommandLine xmlns="4873beb7-5857-4685-be1f-d57550cc96cc" xsi:nil="true"/>
-    <TPAppVersion xmlns="4873beb7-5857-4685-be1f-d57550cc96cc" xsi:nil="true"/>
-    <EditorialStatus xmlns="4873beb7-5857-4685-be1f-d57550cc96cc">Complete</EditorialStatus>
-    <LastModifiedDateTime xmlns="4873beb7-5857-4685-be1f-d57550cc96cc" xsi:nil="true"/>
-    <ScenarioTagsTaxHTField0 xmlns="4873beb7-5857-4685-be1f-d57550cc96cc">
-      <Terms xmlns="http://schemas.microsoft.com/office/infopath/2007/PartnerControls"/>
-    </ScenarioTagsTaxHTField0>
-    <LocProcessedForMarketsLookup xmlns="4873beb7-5857-4685-be1f-d57550cc96cc" xsi:nil="true"/>
-    <TPLaunchHelpLinkType xmlns="4873beb7-5857-4685-be1f-d57550cc96cc">Template</TPLaunchHelpLinkType>
-    <OriginalRelease xmlns="4873beb7-5857-4685-be1f-d57550cc96cc">15</OriginalRelease>
-    <LocalizationTagsTaxHTField0 xmlns="4873beb7-5857-4685-be1f-d57550cc96cc">
-      <Terms xmlns="http://schemas.microsoft.com/office/infopath/2007/PartnerControls"/>
-    </LocalizationTagsTaxHTField0>
-    <UACurrentWords xmlns="4873beb7-5857-4685-be1f-d57550cc96cc" xsi:nil="true"/>
-    <ArtSampleDocs xmlns="4873beb7-5857-4685-be1f-d57550cc96cc" xsi:nil="true"/>
-    <UALocRecommendation xmlns="4873beb7-5857-4685-be1f-d57550cc96cc">Localize</UALocRecommendation>
-    <Manager xmlns="4873beb7-5857-4685-be1f-d57550cc96cc" xsi:nil="true"/>
-    <LocOverallHandbackStatusLookup xmlns="4873beb7-5857-4685-be1f-d57550cc96cc" xsi:nil="true"/>
-    <ShowIn xmlns="4873beb7-5857-4685-be1f-d57550cc96cc">Show everywhere</ShowIn>
-    <UANotes xmlns="4873beb7-5857-4685-be1f-d57550cc96cc" xsi:nil="true"/>
-    <InternalTagsTaxHTField0 xmlns="4873beb7-5857-4685-be1f-d57550cc96cc">
-      <Terms xmlns="http://schemas.microsoft.com/office/infopath/2007/PartnerControls"/>
-    </InternalTagsTaxHTField0>
-    <CSXHash xmlns="4873beb7-5857-4685-be1f-d57550cc96cc" xsi:nil="true"/>
-    <VoteCount xmlns="4873beb7-5857-4685-be1f-d57550cc96cc" xsi:nil="true"/>
-    <LocMarketGroupTiers2 xmlns="4873beb7-5857-4685-be1f-d57550cc96cc" xsi:nil="true"/>
-  </documentManagement>
-</p:properties>
+<?mso-contentType ?>
+<FormTemplates xmlns="http://schemas.microsoft.com/sharepoint/v3/contenttype/forms">
+  <Display>DocumentLibraryForm</Display>
+  <Edit>AssetEditForm</Edit>
+  <New>DocumentLibraryForm</New>
+</FormTemplates>
 </file>
 
 <file path=customXml/itemProps1.xml><?xml version="1.0" encoding="utf-8"?>
-<ds:datastoreItem xmlns:ds="http://schemas.openxmlformats.org/officeDocument/2006/customXml" ds:itemID="{E1B558C7-619B-49BE-9097-7FCBDADD4ECE}">
+<ds:datastoreItem xmlns:ds="http://schemas.openxmlformats.org/officeDocument/2006/customXml" ds:itemID="{F301D382-32B0-43EE-932C-28906AF37617}">
   <ds:schemaRefs>
-    <ds:schemaRef ds:uri="http://schemas.microsoft.com/sharepoint/v3/contenttype/forms"/>
+    <ds:schemaRef ds:uri="http://purl.org/dc/dcmitype/"/>
+    <ds:schemaRef ds:uri="http://schemas.microsoft.com/office/2006/metadata/properties"/>
+    <ds:schemaRef ds:uri="http://purl.org/dc/elements/1.1/"/>
+    <ds:schemaRef ds:uri="http://schemas.microsoft.com/office/2006/documentManagement/types"/>
+    <ds:schemaRef ds:uri="http://purl.org/dc/terms/"/>
+    <ds:schemaRef ds:uri="4873beb7-5857-4685-be1f-d57550cc96cc"/>
+    <ds:schemaRef ds:uri="http://schemas.microsoft.com/office/infopath/2007/PartnerControls"/>
+    <ds:schemaRef ds:uri="http://schemas.openxmlformats.org/package/2006/metadata/core-properties"/>
+    <ds:schemaRef ds:uri="http://www.w3.org/XML/1998/namespace"/>
   </ds:schemaRefs>
 </ds:datastoreItem>
 </file>
@@ -10134,17 +9696,9 @@
 </file>
 
 <file path=customXml/itemProps3.xml><?xml version="1.0" encoding="utf-8"?>
-<ds:datastoreItem xmlns:ds="http://schemas.openxmlformats.org/officeDocument/2006/customXml" ds:itemID="{F301D382-32B0-43EE-932C-28906AF37617}">
+<ds:datastoreItem xmlns:ds="http://schemas.openxmlformats.org/officeDocument/2006/customXml" ds:itemID="{E1B558C7-619B-49BE-9097-7FCBDADD4ECE}">
   <ds:schemaRefs>
-    <ds:schemaRef ds:uri="http://purl.org/dc/dcmitype/"/>
-    <ds:schemaRef ds:uri="http://schemas.microsoft.com/office/2006/metadata/properties"/>
-    <ds:schemaRef ds:uri="http://purl.org/dc/elements/1.1/"/>
-    <ds:schemaRef ds:uri="http://schemas.microsoft.com/office/2006/documentManagement/types"/>
-    <ds:schemaRef ds:uri="http://purl.org/dc/terms/"/>
-    <ds:schemaRef ds:uri="4873beb7-5857-4685-be1f-d57550cc96cc"/>
-    <ds:schemaRef ds:uri="http://schemas.microsoft.com/office/infopath/2007/PartnerControls"/>
-    <ds:schemaRef ds:uri="http://schemas.openxmlformats.org/package/2006/metadata/core-properties"/>
-    <ds:schemaRef ds:uri="http://www.w3.org/XML/1998/namespace"/>
+    <ds:schemaRef ds:uri="http://schemas.microsoft.com/sharepoint/v3/contenttype/forms"/>
   </ds:schemaRefs>
 </ds:datastoreItem>
 </file>
--- a/SQL Server and JSON.pptx
+++ b/SQL Server and JSON.pptx
@@ -6514,13 +6514,7 @@
               <a:rPr lang="en-US" sz="3200" b="1" dirty="0" smtClean="0">
                 <a:latin typeface="+mn-lt"/>
               </a:rPr>
-              <a:t>Thank You </a:t>
-            </a:r>
-            <a:r>
-              <a:rPr lang="en-US" sz="3200" b="1" dirty="0" smtClean="0">
-                <a:latin typeface="+mn-lt"/>
-              </a:rPr>
-              <a:t>SQL Saturday 813 Boston BI Sponsors!</a:t>
+              <a:t>Thank You SQL Saturday 813 Boston BI Sponsors!</a:t>
             </a:r>
             <a:endParaRPr lang="en-US" sz="3200" dirty="0">
               <a:latin typeface="+mn-lt"/>
@@ -7418,19 +7412,59 @@
           <a:p>
             <a:r>
               <a:rPr lang="en-US" dirty="0"/>
-              <a:t>Automate Data In to SQL Server From NoSQL Sources</a:t>
-            </a:r>
-          </a:p>
-          <a:p>
+              <a:t>Automate Data In to SQL Server </a:t>
+            </a:r>
+            <a:r>
+              <a:rPr lang="en-US" dirty="0" smtClean="0"/>
+              <a:t>from </a:t>
+            </a:r>
             <a:r>
               <a:rPr lang="en-US" dirty="0"/>
-              <a:t>Automate Data Out From SQL Server from NoSQL Sources</a:t>
+              <a:t>NoSQL Sources</a:t>
             </a:r>
           </a:p>
           <a:p>
             <a:r>
               <a:rPr lang="en-US" dirty="0"/>
-              <a:t>Integrate Data To / From Many Cloud-Based Services</a:t>
+              <a:t>Automate Data Out </a:t>
+            </a:r>
+            <a:r>
+              <a:rPr lang="en-US" dirty="0" smtClean="0"/>
+              <a:t>from </a:t>
+            </a:r>
+            <a:r>
+              <a:rPr lang="en-US" dirty="0"/>
+              <a:t>SQL Server </a:t>
+            </a:r>
+            <a:r>
+              <a:rPr lang="en-US" dirty="0" smtClean="0"/>
+              <a:t>to </a:t>
+            </a:r>
+            <a:r>
+              <a:rPr lang="en-US" dirty="0"/>
+              <a:t>NoSQL Sources</a:t>
+            </a:r>
+          </a:p>
+          <a:p>
+            <a:r>
+              <a:rPr lang="en-US" dirty="0"/>
+              <a:t>Integrate Data </a:t>
+            </a:r>
+            <a:r>
+              <a:rPr lang="en-US" dirty="0" smtClean="0"/>
+              <a:t>to </a:t>
+            </a:r>
+            <a:r>
+              <a:rPr lang="en-US" dirty="0"/>
+              <a:t>/ </a:t>
+            </a:r>
+            <a:r>
+              <a:rPr lang="en-US" dirty="0" smtClean="0"/>
+              <a:t>from </a:t>
+            </a:r>
+            <a:r>
+              <a:rPr lang="en-US" dirty="0"/>
+              <a:t>Many Cloud-Based Services</a:t>
             </a:r>
           </a:p>
           <a:p>
@@ -7442,7 +7476,15 @@
           <a:p>
             <a:r>
               <a:rPr lang="en-US" dirty="0"/>
-              <a:t>More Compact and Readable Than CSV and XML Formats</a:t>
+              <a:t>More Compact and Readable </a:t>
+            </a:r>
+            <a:r>
+              <a:rPr lang="en-US" dirty="0" smtClean="0"/>
+              <a:t>than </a:t>
+            </a:r>
+            <a:r>
+              <a:rPr lang="en-US" dirty="0"/>
+              <a:t>CSV and XML Formats</a:t>
             </a:r>
           </a:p>
           <a:p>
